--- a/intro_to_ctf/intro_to_ctf.pptx
+++ b/intro_to_ctf/intro_to_ctf.pptx
@@ -6,25 +6,28 @@
     <p:sldMasterId id="2147483661" r:id="rId3"/>
     <p:sldMasterId id="2147483674" r:id="rId4"/>
     <p:sldMasterId id="2147483687" r:id="rId5"/>
+    <p:sldMasterId id="2147483700" r:id="rId6"/>
   </p:sldMasterIdLst>
   <p:sldIdLst>
-    <p:sldId id="256" r:id="rId6"/>
-    <p:sldId id="257" r:id="rId7"/>
-    <p:sldId id="258" r:id="rId8"/>
-    <p:sldId id="259" r:id="rId9"/>
-    <p:sldId id="260" r:id="rId10"/>
-    <p:sldId id="261" r:id="rId11"/>
-    <p:sldId id="262" r:id="rId12"/>
-    <p:sldId id="263" r:id="rId13"/>
-    <p:sldId id="264" r:id="rId14"/>
-    <p:sldId id="265" r:id="rId15"/>
-    <p:sldId id="266" r:id="rId16"/>
-    <p:sldId id="267" r:id="rId17"/>
-    <p:sldId id="268" r:id="rId18"/>
-    <p:sldId id="269" r:id="rId19"/>
-    <p:sldId id="270" r:id="rId20"/>
-    <p:sldId id="271" r:id="rId21"/>
-    <p:sldId id="272" r:id="rId22"/>
+    <p:sldId id="256" r:id="rId7"/>
+    <p:sldId id="257" r:id="rId8"/>
+    <p:sldId id="258" r:id="rId9"/>
+    <p:sldId id="259" r:id="rId10"/>
+    <p:sldId id="260" r:id="rId11"/>
+    <p:sldId id="261" r:id="rId12"/>
+    <p:sldId id="262" r:id="rId13"/>
+    <p:sldId id="263" r:id="rId14"/>
+    <p:sldId id="264" r:id="rId15"/>
+    <p:sldId id="265" r:id="rId16"/>
+    <p:sldId id="266" r:id="rId17"/>
+    <p:sldId id="267" r:id="rId18"/>
+    <p:sldId id="268" r:id="rId19"/>
+    <p:sldId id="269" r:id="rId20"/>
+    <p:sldId id="270" r:id="rId21"/>
+    <p:sldId id="271" r:id="rId22"/>
+    <p:sldId id="272" r:id="rId23"/>
+    <p:sldId id="273" r:id="rId24"/>
+    <p:sldId id="274" r:id="rId25"/>
   </p:sldIdLst>
   <p:sldSz cx="9144000" cy="5143500"/>
   <p:notesSz cx="7772400" cy="10058400"/>
@@ -4920,6 +4923,28 @@
 </p:sldLayout>
 </file>
 
+<file path=ppt/slideLayouts/slideLayout49.xml><?xml version="1.0" encoding="utf-8"?>
+<p:sldLayout xmlns:a="http://schemas.openxmlformats.org/drawingml/2006/main" xmlns:p="http://schemas.openxmlformats.org/presentationml/2006/main" xmlns:r="http://schemas.openxmlformats.org/officeDocument/2006/relationships" xmlns:p14="http://schemas.microsoft.com/office/powerpoint/2010/main" xmlns:p15="http://schemas.microsoft.com/office/powerpoint/2012/main" xmlns:mc="http://schemas.openxmlformats.org/markup-compatibility/2006" type="blank" preserve="1">
+  <p:cSld name="Blank Slide">
+    <p:spTree>
+      <p:nvGrpSpPr>
+        <p:cNvPr id="1" name=""/>
+        <p:cNvGrpSpPr/>
+        <p:nvPr/>
+      </p:nvGrpSpPr>
+      <p:grpSpPr>
+        <a:xfrm>
+          <a:off x="0" y="0"/>
+          <a:ext cx="0" cy="0"/>
+          <a:chOff x="0" y="0"/>
+          <a:chExt cx="0" cy="0"/>
+        </a:xfrm>
+      </p:grpSpPr>
+    </p:spTree>
+  </p:cSld>
+</p:sldLayout>
+</file>
+
 <file path=ppt/slideLayouts/slideLayout5.xml><?xml version="1.0" encoding="utf-8"?>
 <p:sldLayout xmlns:a="http://schemas.openxmlformats.org/drawingml/2006/main" xmlns:p="http://schemas.openxmlformats.org/presentationml/2006/main" xmlns:r="http://schemas.openxmlformats.org/officeDocument/2006/relationships" xmlns:p14="http://schemas.microsoft.com/office/powerpoint/2010/main" xmlns:p15="http://schemas.microsoft.com/office/powerpoint/2012/main" xmlns:mc="http://schemas.openxmlformats.org/markup-compatibility/2006" type="titleOnly" preserve="1">
   <p:cSld name="Title Only">
@@ -4963,6 +4988,1107 @@
           <a:p>
             <a:pPr algn="ctr"/>
             <a:endParaRPr b="0" lang="en-US" sz="4400" spc="-1" strike="noStrike">
+              <a:latin typeface="Arial"/>
+            </a:endParaRPr>
+          </a:p>
+        </p:txBody>
+      </p:sp>
+    </p:spTree>
+  </p:cSld>
+</p:sldLayout>
+</file>
+
+<file path=ppt/slideLayouts/slideLayout50.xml><?xml version="1.0" encoding="utf-8"?>
+<p:sldLayout xmlns:a="http://schemas.openxmlformats.org/drawingml/2006/main" xmlns:p="http://schemas.openxmlformats.org/presentationml/2006/main" xmlns:r="http://schemas.openxmlformats.org/officeDocument/2006/relationships" xmlns:p14="http://schemas.microsoft.com/office/powerpoint/2010/main" xmlns:p15="http://schemas.microsoft.com/office/powerpoint/2012/main" xmlns:mc="http://schemas.openxmlformats.org/markup-compatibility/2006" type="tx" preserve="1">
+  <p:cSld name="Title Slide">
+    <p:spTree>
+      <p:nvGrpSpPr>
+        <p:cNvPr id="1" name=""/>
+        <p:cNvGrpSpPr/>
+        <p:nvPr/>
+      </p:nvGrpSpPr>
+      <p:grpSpPr>
+        <a:xfrm>
+          <a:off x="0" y="0"/>
+          <a:ext cx="0" cy="0"/>
+          <a:chOff x="0" y="0"/>
+          <a:chExt cx="0" cy="0"/>
+        </a:xfrm>
+      </p:grpSpPr>
+      <p:sp>
+        <p:nvSpPr>
+          <p:cNvPr id="164" name="PlaceHolder 1"/>
+          <p:cNvSpPr>
+            <a:spLocks noGrp="1"/>
+          </p:cNvSpPr>
+          <p:nvPr>
+            <p:ph type="title"/>
+          </p:nvPr>
+        </p:nvSpPr>
+        <p:spPr>
+          <a:xfrm>
+            <a:off x="457200" y="205200"/>
+            <a:ext cx="8229240" cy="858600"/>
+          </a:xfrm>
+          <a:prstGeom prst="rect">
+            <a:avLst/>
+          </a:prstGeom>
+        </p:spPr>
+        <p:txBody>
+          <a:bodyPr lIns="0" rIns="0" tIns="0" bIns="0" anchor="ctr">
+            <a:noAutofit/>
+          </a:bodyPr>
+          <a:p>
+            <a:pPr algn="ctr"/>
+            <a:endParaRPr b="0" lang="en-US" sz="4400" spc="-1" strike="noStrike">
+              <a:latin typeface="Arial"/>
+            </a:endParaRPr>
+          </a:p>
+        </p:txBody>
+      </p:sp>
+      <p:sp>
+        <p:nvSpPr>
+          <p:cNvPr id="165" name="PlaceHolder 2"/>
+          <p:cNvSpPr>
+            <a:spLocks noGrp="1"/>
+          </p:cNvSpPr>
+          <p:nvPr>
+            <p:ph type="subTitle"/>
+          </p:nvPr>
+        </p:nvSpPr>
+        <p:spPr>
+          <a:xfrm>
+            <a:off x="457200" y="1203480"/>
+            <a:ext cx="8229240" cy="2982960"/>
+          </a:xfrm>
+          <a:prstGeom prst="rect">
+            <a:avLst/>
+          </a:prstGeom>
+        </p:spPr>
+        <p:txBody>
+          <a:bodyPr lIns="0" rIns="0" tIns="0" bIns="0" anchor="ctr">
+            <a:noAutofit/>
+          </a:bodyPr>
+          <a:p>
+            <a:pPr algn="ctr"/>
+            <a:endParaRPr b="0" lang="en-US" sz="3200" spc="-1" strike="noStrike">
+              <a:latin typeface="Arial"/>
+            </a:endParaRPr>
+          </a:p>
+        </p:txBody>
+      </p:sp>
+    </p:spTree>
+  </p:cSld>
+</p:sldLayout>
+</file>
+
+<file path=ppt/slideLayouts/slideLayout51.xml><?xml version="1.0" encoding="utf-8"?>
+<p:sldLayout xmlns:a="http://schemas.openxmlformats.org/drawingml/2006/main" xmlns:p="http://schemas.openxmlformats.org/presentationml/2006/main" xmlns:r="http://schemas.openxmlformats.org/officeDocument/2006/relationships" xmlns:p14="http://schemas.microsoft.com/office/powerpoint/2010/main" xmlns:p15="http://schemas.microsoft.com/office/powerpoint/2012/main" xmlns:mc="http://schemas.openxmlformats.org/markup-compatibility/2006" type="obj" preserve="1">
+  <p:cSld name="Title, Content">
+    <p:spTree>
+      <p:nvGrpSpPr>
+        <p:cNvPr id="1" name=""/>
+        <p:cNvGrpSpPr/>
+        <p:nvPr/>
+      </p:nvGrpSpPr>
+      <p:grpSpPr>
+        <a:xfrm>
+          <a:off x="0" y="0"/>
+          <a:ext cx="0" cy="0"/>
+          <a:chOff x="0" y="0"/>
+          <a:chExt cx="0" cy="0"/>
+        </a:xfrm>
+      </p:grpSpPr>
+      <p:sp>
+        <p:nvSpPr>
+          <p:cNvPr id="166" name="PlaceHolder 1"/>
+          <p:cNvSpPr>
+            <a:spLocks noGrp="1"/>
+          </p:cNvSpPr>
+          <p:nvPr>
+            <p:ph type="title"/>
+          </p:nvPr>
+        </p:nvSpPr>
+        <p:spPr>
+          <a:xfrm>
+            <a:off x="457200" y="205200"/>
+            <a:ext cx="8229240" cy="858600"/>
+          </a:xfrm>
+          <a:prstGeom prst="rect">
+            <a:avLst/>
+          </a:prstGeom>
+        </p:spPr>
+        <p:txBody>
+          <a:bodyPr lIns="0" rIns="0" tIns="0" bIns="0" anchor="ctr">
+            <a:noAutofit/>
+          </a:bodyPr>
+          <a:p>
+            <a:pPr algn="ctr"/>
+            <a:endParaRPr b="0" lang="en-US" sz="4400" spc="-1" strike="noStrike">
+              <a:latin typeface="Arial"/>
+            </a:endParaRPr>
+          </a:p>
+        </p:txBody>
+      </p:sp>
+      <p:sp>
+        <p:nvSpPr>
+          <p:cNvPr id="167" name="PlaceHolder 2"/>
+          <p:cNvSpPr>
+            <a:spLocks noGrp="1"/>
+          </p:cNvSpPr>
+          <p:nvPr>
+            <p:ph type="body"/>
+          </p:nvPr>
+        </p:nvSpPr>
+        <p:spPr>
+          <a:xfrm>
+            <a:off x="457200" y="1203480"/>
+            <a:ext cx="8229240" cy="2982960"/>
+          </a:xfrm>
+          <a:prstGeom prst="rect">
+            <a:avLst/>
+          </a:prstGeom>
+        </p:spPr>
+        <p:txBody>
+          <a:bodyPr lIns="0" rIns="0" tIns="0" bIns="0">
+            <a:normAutofit/>
+          </a:bodyPr>
+          <a:p>
+            <a:endParaRPr b="0" lang="en-US" sz="3200" spc="-1" strike="noStrike">
+              <a:latin typeface="Arial"/>
+            </a:endParaRPr>
+          </a:p>
+        </p:txBody>
+      </p:sp>
+    </p:spTree>
+  </p:cSld>
+</p:sldLayout>
+</file>
+
+<file path=ppt/slideLayouts/slideLayout52.xml><?xml version="1.0" encoding="utf-8"?>
+<p:sldLayout xmlns:a="http://schemas.openxmlformats.org/drawingml/2006/main" xmlns:p="http://schemas.openxmlformats.org/presentationml/2006/main" xmlns:r="http://schemas.openxmlformats.org/officeDocument/2006/relationships" xmlns:p14="http://schemas.microsoft.com/office/powerpoint/2010/main" xmlns:p15="http://schemas.microsoft.com/office/powerpoint/2012/main" xmlns:mc="http://schemas.openxmlformats.org/markup-compatibility/2006" type="twoObj" preserve="1">
+  <p:cSld name="Title, 2 Content">
+    <p:spTree>
+      <p:nvGrpSpPr>
+        <p:cNvPr id="1" name=""/>
+        <p:cNvGrpSpPr/>
+        <p:nvPr/>
+      </p:nvGrpSpPr>
+      <p:grpSpPr>
+        <a:xfrm>
+          <a:off x="0" y="0"/>
+          <a:ext cx="0" cy="0"/>
+          <a:chOff x="0" y="0"/>
+          <a:chExt cx="0" cy="0"/>
+        </a:xfrm>
+      </p:grpSpPr>
+      <p:sp>
+        <p:nvSpPr>
+          <p:cNvPr id="168" name="PlaceHolder 1"/>
+          <p:cNvSpPr>
+            <a:spLocks noGrp="1"/>
+          </p:cNvSpPr>
+          <p:nvPr>
+            <p:ph type="title"/>
+          </p:nvPr>
+        </p:nvSpPr>
+        <p:spPr>
+          <a:xfrm>
+            <a:off x="457200" y="205200"/>
+            <a:ext cx="8229240" cy="858600"/>
+          </a:xfrm>
+          <a:prstGeom prst="rect">
+            <a:avLst/>
+          </a:prstGeom>
+        </p:spPr>
+        <p:txBody>
+          <a:bodyPr lIns="0" rIns="0" tIns="0" bIns="0" anchor="ctr">
+            <a:noAutofit/>
+          </a:bodyPr>
+          <a:p>
+            <a:pPr algn="ctr"/>
+            <a:endParaRPr b="0" lang="en-US" sz="4400" spc="-1" strike="noStrike">
+              <a:latin typeface="Arial"/>
+            </a:endParaRPr>
+          </a:p>
+        </p:txBody>
+      </p:sp>
+      <p:sp>
+        <p:nvSpPr>
+          <p:cNvPr id="169" name="PlaceHolder 2"/>
+          <p:cNvSpPr>
+            <a:spLocks noGrp="1"/>
+          </p:cNvSpPr>
+          <p:nvPr>
+            <p:ph type="body"/>
+          </p:nvPr>
+        </p:nvSpPr>
+        <p:spPr>
+          <a:xfrm>
+            <a:off x="457200" y="1203480"/>
+            <a:ext cx="4015800" cy="2982960"/>
+          </a:xfrm>
+          <a:prstGeom prst="rect">
+            <a:avLst/>
+          </a:prstGeom>
+        </p:spPr>
+        <p:txBody>
+          <a:bodyPr lIns="0" rIns="0" tIns="0" bIns="0">
+            <a:normAutofit/>
+          </a:bodyPr>
+          <a:p>
+            <a:endParaRPr b="0" lang="en-US" sz="3200" spc="-1" strike="noStrike">
+              <a:latin typeface="Arial"/>
+            </a:endParaRPr>
+          </a:p>
+        </p:txBody>
+      </p:sp>
+      <p:sp>
+        <p:nvSpPr>
+          <p:cNvPr id="170" name="PlaceHolder 3"/>
+          <p:cNvSpPr>
+            <a:spLocks noGrp="1"/>
+          </p:cNvSpPr>
+          <p:nvPr>
+            <p:ph type="body"/>
+          </p:nvPr>
+        </p:nvSpPr>
+        <p:spPr>
+          <a:xfrm>
+            <a:off x="4674240" y="1203480"/>
+            <a:ext cx="4015800" cy="2982960"/>
+          </a:xfrm>
+          <a:prstGeom prst="rect">
+            <a:avLst/>
+          </a:prstGeom>
+        </p:spPr>
+        <p:txBody>
+          <a:bodyPr lIns="0" rIns="0" tIns="0" bIns="0">
+            <a:normAutofit/>
+          </a:bodyPr>
+          <a:p>
+            <a:endParaRPr b="0" lang="en-US" sz="3200" spc="-1" strike="noStrike">
+              <a:latin typeface="Arial"/>
+            </a:endParaRPr>
+          </a:p>
+        </p:txBody>
+      </p:sp>
+    </p:spTree>
+  </p:cSld>
+</p:sldLayout>
+</file>
+
+<file path=ppt/slideLayouts/slideLayout53.xml><?xml version="1.0" encoding="utf-8"?>
+<p:sldLayout xmlns:a="http://schemas.openxmlformats.org/drawingml/2006/main" xmlns:p="http://schemas.openxmlformats.org/presentationml/2006/main" xmlns:r="http://schemas.openxmlformats.org/officeDocument/2006/relationships" xmlns:p14="http://schemas.microsoft.com/office/powerpoint/2010/main" xmlns:p15="http://schemas.microsoft.com/office/powerpoint/2012/main" xmlns:mc="http://schemas.openxmlformats.org/markup-compatibility/2006" type="titleOnly" preserve="1">
+  <p:cSld name="Title Only">
+    <p:spTree>
+      <p:nvGrpSpPr>
+        <p:cNvPr id="1" name=""/>
+        <p:cNvGrpSpPr/>
+        <p:nvPr/>
+      </p:nvGrpSpPr>
+      <p:grpSpPr>
+        <a:xfrm>
+          <a:off x="0" y="0"/>
+          <a:ext cx="0" cy="0"/>
+          <a:chOff x="0" y="0"/>
+          <a:chExt cx="0" cy="0"/>
+        </a:xfrm>
+      </p:grpSpPr>
+      <p:sp>
+        <p:nvSpPr>
+          <p:cNvPr id="171" name="PlaceHolder 1"/>
+          <p:cNvSpPr>
+            <a:spLocks noGrp="1"/>
+          </p:cNvSpPr>
+          <p:nvPr>
+            <p:ph type="title"/>
+          </p:nvPr>
+        </p:nvSpPr>
+        <p:spPr>
+          <a:xfrm>
+            <a:off x="457200" y="205200"/>
+            <a:ext cx="8229240" cy="858600"/>
+          </a:xfrm>
+          <a:prstGeom prst="rect">
+            <a:avLst/>
+          </a:prstGeom>
+        </p:spPr>
+        <p:txBody>
+          <a:bodyPr lIns="0" rIns="0" tIns="0" bIns="0" anchor="ctr">
+            <a:noAutofit/>
+          </a:bodyPr>
+          <a:p>
+            <a:pPr algn="ctr"/>
+            <a:endParaRPr b="0" lang="en-US" sz="4400" spc="-1" strike="noStrike">
+              <a:latin typeface="Arial"/>
+            </a:endParaRPr>
+          </a:p>
+        </p:txBody>
+      </p:sp>
+    </p:spTree>
+  </p:cSld>
+</p:sldLayout>
+</file>
+
+<file path=ppt/slideLayouts/slideLayout54.xml><?xml version="1.0" encoding="utf-8"?>
+<p:sldLayout xmlns:a="http://schemas.openxmlformats.org/drawingml/2006/main" xmlns:p="http://schemas.openxmlformats.org/presentationml/2006/main" xmlns:r="http://schemas.openxmlformats.org/officeDocument/2006/relationships" xmlns:p14="http://schemas.microsoft.com/office/powerpoint/2010/main" xmlns:p15="http://schemas.microsoft.com/office/powerpoint/2012/main" xmlns:mc="http://schemas.openxmlformats.org/markup-compatibility/2006" type="objOnly" preserve="1">
+  <p:cSld name="Centered Text">
+    <p:spTree>
+      <p:nvGrpSpPr>
+        <p:cNvPr id="1" name=""/>
+        <p:cNvGrpSpPr/>
+        <p:nvPr/>
+      </p:nvGrpSpPr>
+      <p:grpSpPr>
+        <a:xfrm>
+          <a:off x="0" y="0"/>
+          <a:ext cx="0" cy="0"/>
+          <a:chOff x="0" y="0"/>
+          <a:chExt cx="0" cy="0"/>
+        </a:xfrm>
+      </p:grpSpPr>
+      <p:sp>
+        <p:nvSpPr>
+          <p:cNvPr id="172" name="PlaceHolder 1"/>
+          <p:cNvSpPr>
+            <a:spLocks noGrp="1"/>
+          </p:cNvSpPr>
+          <p:nvPr>
+            <p:ph type="subTitle"/>
+          </p:nvPr>
+        </p:nvSpPr>
+        <p:spPr>
+          <a:xfrm>
+            <a:off x="457200" y="205200"/>
+            <a:ext cx="8229240" cy="3981240"/>
+          </a:xfrm>
+          <a:prstGeom prst="rect">
+            <a:avLst/>
+          </a:prstGeom>
+        </p:spPr>
+        <p:txBody>
+          <a:bodyPr lIns="0" rIns="0" tIns="0" bIns="0" anchor="ctr">
+            <a:noAutofit/>
+          </a:bodyPr>
+          <a:p>
+            <a:pPr algn="ctr"/>
+            <a:endParaRPr b="0" lang="en-US" sz="3200" spc="-1" strike="noStrike">
+              <a:latin typeface="Arial"/>
+            </a:endParaRPr>
+          </a:p>
+        </p:txBody>
+      </p:sp>
+    </p:spTree>
+  </p:cSld>
+</p:sldLayout>
+</file>
+
+<file path=ppt/slideLayouts/slideLayout55.xml><?xml version="1.0" encoding="utf-8"?>
+<p:sldLayout xmlns:a="http://schemas.openxmlformats.org/drawingml/2006/main" xmlns:p="http://schemas.openxmlformats.org/presentationml/2006/main" xmlns:r="http://schemas.openxmlformats.org/officeDocument/2006/relationships" xmlns:p14="http://schemas.microsoft.com/office/powerpoint/2010/main" xmlns:p15="http://schemas.microsoft.com/office/powerpoint/2012/main" xmlns:mc="http://schemas.openxmlformats.org/markup-compatibility/2006" type="twoObjAndObj" preserve="1">
+  <p:cSld name="Title, 2 Content and Content">
+    <p:spTree>
+      <p:nvGrpSpPr>
+        <p:cNvPr id="1" name=""/>
+        <p:cNvGrpSpPr/>
+        <p:nvPr/>
+      </p:nvGrpSpPr>
+      <p:grpSpPr>
+        <a:xfrm>
+          <a:off x="0" y="0"/>
+          <a:ext cx="0" cy="0"/>
+          <a:chOff x="0" y="0"/>
+          <a:chExt cx="0" cy="0"/>
+        </a:xfrm>
+      </p:grpSpPr>
+      <p:sp>
+        <p:nvSpPr>
+          <p:cNvPr id="173" name="PlaceHolder 1"/>
+          <p:cNvSpPr>
+            <a:spLocks noGrp="1"/>
+          </p:cNvSpPr>
+          <p:nvPr>
+            <p:ph type="title"/>
+          </p:nvPr>
+        </p:nvSpPr>
+        <p:spPr>
+          <a:xfrm>
+            <a:off x="457200" y="205200"/>
+            <a:ext cx="8229240" cy="858600"/>
+          </a:xfrm>
+          <a:prstGeom prst="rect">
+            <a:avLst/>
+          </a:prstGeom>
+        </p:spPr>
+        <p:txBody>
+          <a:bodyPr lIns="0" rIns="0" tIns="0" bIns="0" anchor="ctr">
+            <a:noAutofit/>
+          </a:bodyPr>
+          <a:p>
+            <a:pPr algn="ctr"/>
+            <a:endParaRPr b="0" lang="en-US" sz="4400" spc="-1" strike="noStrike">
+              <a:latin typeface="Arial"/>
+            </a:endParaRPr>
+          </a:p>
+        </p:txBody>
+      </p:sp>
+      <p:sp>
+        <p:nvSpPr>
+          <p:cNvPr id="174" name="PlaceHolder 2"/>
+          <p:cNvSpPr>
+            <a:spLocks noGrp="1"/>
+          </p:cNvSpPr>
+          <p:nvPr>
+            <p:ph type="body"/>
+          </p:nvPr>
+        </p:nvSpPr>
+        <p:spPr>
+          <a:xfrm>
+            <a:off x="457200" y="1203480"/>
+            <a:ext cx="4015800" cy="1422720"/>
+          </a:xfrm>
+          <a:prstGeom prst="rect">
+            <a:avLst/>
+          </a:prstGeom>
+        </p:spPr>
+        <p:txBody>
+          <a:bodyPr lIns="0" rIns="0" tIns="0" bIns="0">
+            <a:normAutofit/>
+          </a:bodyPr>
+          <a:p>
+            <a:endParaRPr b="0" lang="en-US" sz="3200" spc="-1" strike="noStrike">
+              <a:latin typeface="Arial"/>
+            </a:endParaRPr>
+          </a:p>
+        </p:txBody>
+      </p:sp>
+      <p:sp>
+        <p:nvSpPr>
+          <p:cNvPr id="175" name="PlaceHolder 3"/>
+          <p:cNvSpPr>
+            <a:spLocks noGrp="1"/>
+          </p:cNvSpPr>
+          <p:nvPr>
+            <p:ph type="body"/>
+          </p:nvPr>
+        </p:nvSpPr>
+        <p:spPr>
+          <a:xfrm>
+            <a:off x="4674240" y="1203480"/>
+            <a:ext cx="4015800" cy="2982960"/>
+          </a:xfrm>
+          <a:prstGeom prst="rect">
+            <a:avLst/>
+          </a:prstGeom>
+        </p:spPr>
+        <p:txBody>
+          <a:bodyPr lIns="0" rIns="0" tIns="0" bIns="0">
+            <a:normAutofit/>
+          </a:bodyPr>
+          <a:p>
+            <a:endParaRPr b="0" lang="en-US" sz="3200" spc="-1" strike="noStrike">
+              <a:latin typeface="Arial"/>
+            </a:endParaRPr>
+          </a:p>
+        </p:txBody>
+      </p:sp>
+      <p:sp>
+        <p:nvSpPr>
+          <p:cNvPr id="176" name="PlaceHolder 4"/>
+          <p:cNvSpPr>
+            <a:spLocks noGrp="1"/>
+          </p:cNvSpPr>
+          <p:nvPr>
+            <p:ph type="body"/>
+          </p:nvPr>
+        </p:nvSpPr>
+        <p:spPr>
+          <a:xfrm>
+            <a:off x="457200" y="2761920"/>
+            <a:ext cx="4015800" cy="1422720"/>
+          </a:xfrm>
+          <a:prstGeom prst="rect">
+            <a:avLst/>
+          </a:prstGeom>
+        </p:spPr>
+        <p:txBody>
+          <a:bodyPr lIns="0" rIns="0" tIns="0" bIns="0">
+            <a:normAutofit/>
+          </a:bodyPr>
+          <a:p>
+            <a:endParaRPr b="0" lang="en-US" sz="3200" spc="-1" strike="noStrike">
+              <a:latin typeface="Arial"/>
+            </a:endParaRPr>
+          </a:p>
+        </p:txBody>
+      </p:sp>
+    </p:spTree>
+  </p:cSld>
+</p:sldLayout>
+</file>
+
+<file path=ppt/slideLayouts/slideLayout56.xml><?xml version="1.0" encoding="utf-8"?>
+<p:sldLayout xmlns:a="http://schemas.openxmlformats.org/drawingml/2006/main" xmlns:p="http://schemas.openxmlformats.org/presentationml/2006/main" xmlns:r="http://schemas.openxmlformats.org/officeDocument/2006/relationships" xmlns:p14="http://schemas.microsoft.com/office/powerpoint/2010/main" xmlns:p15="http://schemas.microsoft.com/office/powerpoint/2012/main" xmlns:mc="http://schemas.openxmlformats.org/markup-compatibility/2006" type="objAndTwoObj" preserve="1">
+  <p:cSld name="Title Content and 2 Content">
+    <p:spTree>
+      <p:nvGrpSpPr>
+        <p:cNvPr id="1" name=""/>
+        <p:cNvGrpSpPr/>
+        <p:nvPr/>
+      </p:nvGrpSpPr>
+      <p:grpSpPr>
+        <a:xfrm>
+          <a:off x="0" y="0"/>
+          <a:ext cx="0" cy="0"/>
+          <a:chOff x="0" y="0"/>
+          <a:chExt cx="0" cy="0"/>
+        </a:xfrm>
+      </p:grpSpPr>
+      <p:sp>
+        <p:nvSpPr>
+          <p:cNvPr id="177" name="PlaceHolder 1"/>
+          <p:cNvSpPr>
+            <a:spLocks noGrp="1"/>
+          </p:cNvSpPr>
+          <p:nvPr>
+            <p:ph type="title"/>
+          </p:nvPr>
+        </p:nvSpPr>
+        <p:spPr>
+          <a:xfrm>
+            <a:off x="457200" y="205200"/>
+            <a:ext cx="8229240" cy="858600"/>
+          </a:xfrm>
+          <a:prstGeom prst="rect">
+            <a:avLst/>
+          </a:prstGeom>
+        </p:spPr>
+        <p:txBody>
+          <a:bodyPr lIns="0" rIns="0" tIns="0" bIns="0" anchor="ctr">
+            <a:noAutofit/>
+          </a:bodyPr>
+          <a:p>
+            <a:pPr algn="ctr"/>
+            <a:endParaRPr b="0" lang="en-US" sz="4400" spc="-1" strike="noStrike">
+              <a:latin typeface="Arial"/>
+            </a:endParaRPr>
+          </a:p>
+        </p:txBody>
+      </p:sp>
+      <p:sp>
+        <p:nvSpPr>
+          <p:cNvPr id="178" name="PlaceHolder 2"/>
+          <p:cNvSpPr>
+            <a:spLocks noGrp="1"/>
+          </p:cNvSpPr>
+          <p:nvPr>
+            <p:ph type="body"/>
+          </p:nvPr>
+        </p:nvSpPr>
+        <p:spPr>
+          <a:xfrm>
+            <a:off x="457200" y="1203480"/>
+            <a:ext cx="4015800" cy="2982960"/>
+          </a:xfrm>
+          <a:prstGeom prst="rect">
+            <a:avLst/>
+          </a:prstGeom>
+        </p:spPr>
+        <p:txBody>
+          <a:bodyPr lIns="0" rIns="0" tIns="0" bIns="0">
+            <a:normAutofit/>
+          </a:bodyPr>
+          <a:p>
+            <a:endParaRPr b="0" lang="en-US" sz="3200" spc="-1" strike="noStrike">
+              <a:latin typeface="Arial"/>
+            </a:endParaRPr>
+          </a:p>
+        </p:txBody>
+      </p:sp>
+      <p:sp>
+        <p:nvSpPr>
+          <p:cNvPr id="179" name="PlaceHolder 3"/>
+          <p:cNvSpPr>
+            <a:spLocks noGrp="1"/>
+          </p:cNvSpPr>
+          <p:nvPr>
+            <p:ph type="body"/>
+          </p:nvPr>
+        </p:nvSpPr>
+        <p:spPr>
+          <a:xfrm>
+            <a:off x="4674240" y="1203480"/>
+            <a:ext cx="4015800" cy="1422720"/>
+          </a:xfrm>
+          <a:prstGeom prst="rect">
+            <a:avLst/>
+          </a:prstGeom>
+        </p:spPr>
+        <p:txBody>
+          <a:bodyPr lIns="0" rIns="0" tIns="0" bIns="0">
+            <a:normAutofit/>
+          </a:bodyPr>
+          <a:p>
+            <a:endParaRPr b="0" lang="en-US" sz="3200" spc="-1" strike="noStrike">
+              <a:latin typeface="Arial"/>
+            </a:endParaRPr>
+          </a:p>
+        </p:txBody>
+      </p:sp>
+      <p:sp>
+        <p:nvSpPr>
+          <p:cNvPr id="180" name="PlaceHolder 4"/>
+          <p:cNvSpPr>
+            <a:spLocks noGrp="1"/>
+          </p:cNvSpPr>
+          <p:nvPr>
+            <p:ph type="body"/>
+          </p:nvPr>
+        </p:nvSpPr>
+        <p:spPr>
+          <a:xfrm>
+            <a:off x="4674240" y="2761920"/>
+            <a:ext cx="4015800" cy="1422720"/>
+          </a:xfrm>
+          <a:prstGeom prst="rect">
+            <a:avLst/>
+          </a:prstGeom>
+        </p:spPr>
+        <p:txBody>
+          <a:bodyPr lIns="0" rIns="0" tIns="0" bIns="0">
+            <a:normAutofit/>
+          </a:bodyPr>
+          <a:p>
+            <a:endParaRPr b="0" lang="en-US" sz="3200" spc="-1" strike="noStrike">
+              <a:latin typeface="Arial"/>
+            </a:endParaRPr>
+          </a:p>
+        </p:txBody>
+      </p:sp>
+    </p:spTree>
+  </p:cSld>
+</p:sldLayout>
+</file>
+
+<file path=ppt/slideLayouts/slideLayout57.xml><?xml version="1.0" encoding="utf-8"?>
+<p:sldLayout xmlns:a="http://schemas.openxmlformats.org/drawingml/2006/main" xmlns:p="http://schemas.openxmlformats.org/presentationml/2006/main" xmlns:r="http://schemas.openxmlformats.org/officeDocument/2006/relationships" xmlns:p14="http://schemas.microsoft.com/office/powerpoint/2010/main" xmlns:p15="http://schemas.microsoft.com/office/powerpoint/2012/main" xmlns:mc="http://schemas.openxmlformats.org/markup-compatibility/2006" type="twoObjOverTx" preserve="1">
+  <p:cSld name="Title, 2 Content over Content">
+    <p:spTree>
+      <p:nvGrpSpPr>
+        <p:cNvPr id="1" name=""/>
+        <p:cNvGrpSpPr/>
+        <p:nvPr/>
+      </p:nvGrpSpPr>
+      <p:grpSpPr>
+        <a:xfrm>
+          <a:off x="0" y="0"/>
+          <a:ext cx="0" cy="0"/>
+          <a:chOff x="0" y="0"/>
+          <a:chExt cx="0" cy="0"/>
+        </a:xfrm>
+      </p:grpSpPr>
+      <p:sp>
+        <p:nvSpPr>
+          <p:cNvPr id="181" name="PlaceHolder 1"/>
+          <p:cNvSpPr>
+            <a:spLocks noGrp="1"/>
+          </p:cNvSpPr>
+          <p:nvPr>
+            <p:ph type="title"/>
+          </p:nvPr>
+        </p:nvSpPr>
+        <p:spPr>
+          <a:xfrm>
+            <a:off x="457200" y="205200"/>
+            <a:ext cx="8229240" cy="858600"/>
+          </a:xfrm>
+          <a:prstGeom prst="rect">
+            <a:avLst/>
+          </a:prstGeom>
+        </p:spPr>
+        <p:txBody>
+          <a:bodyPr lIns="0" rIns="0" tIns="0" bIns="0" anchor="ctr">
+            <a:noAutofit/>
+          </a:bodyPr>
+          <a:p>
+            <a:pPr algn="ctr"/>
+            <a:endParaRPr b="0" lang="en-US" sz="4400" spc="-1" strike="noStrike">
+              <a:latin typeface="Arial"/>
+            </a:endParaRPr>
+          </a:p>
+        </p:txBody>
+      </p:sp>
+      <p:sp>
+        <p:nvSpPr>
+          <p:cNvPr id="182" name="PlaceHolder 2"/>
+          <p:cNvSpPr>
+            <a:spLocks noGrp="1"/>
+          </p:cNvSpPr>
+          <p:nvPr>
+            <p:ph type="body"/>
+          </p:nvPr>
+        </p:nvSpPr>
+        <p:spPr>
+          <a:xfrm>
+            <a:off x="457200" y="1203480"/>
+            <a:ext cx="4015800" cy="1422720"/>
+          </a:xfrm>
+          <a:prstGeom prst="rect">
+            <a:avLst/>
+          </a:prstGeom>
+        </p:spPr>
+        <p:txBody>
+          <a:bodyPr lIns="0" rIns="0" tIns="0" bIns="0">
+            <a:normAutofit/>
+          </a:bodyPr>
+          <a:p>
+            <a:endParaRPr b="0" lang="en-US" sz="3200" spc="-1" strike="noStrike">
+              <a:latin typeface="Arial"/>
+            </a:endParaRPr>
+          </a:p>
+        </p:txBody>
+      </p:sp>
+      <p:sp>
+        <p:nvSpPr>
+          <p:cNvPr id="183" name="PlaceHolder 3"/>
+          <p:cNvSpPr>
+            <a:spLocks noGrp="1"/>
+          </p:cNvSpPr>
+          <p:nvPr>
+            <p:ph type="body"/>
+          </p:nvPr>
+        </p:nvSpPr>
+        <p:spPr>
+          <a:xfrm>
+            <a:off x="4674240" y="1203480"/>
+            <a:ext cx="4015800" cy="1422720"/>
+          </a:xfrm>
+          <a:prstGeom prst="rect">
+            <a:avLst/>
+          </a:prstGeom>
+        </p:spPr>
+        <p:txBody>
+          <a:bodyPr lIns="0" rIns="0" tIns="0" bIns="0">
+            <a:normAutofit/>
+          </a:bodyPr>
+          <a:p>
+            <a:endParaRPr b="0" lang="en-US" sz="3200" spc="-1" strike="noStrike">
+              <a:latin typeface="Arial"/>
+            </a:endParaRPr>
+          </a:p>
+        </p:txBody>
+      </p:sp>
+      <p:sp>
+        <p:nvSpPr>
+          <p:cNvPr id="184" name="PlaceHolder 4"/>
+          <p:cNvSpPr>
+            <a:spLocks noGrp="1"/>
+          </p:cNvSpPr>
+          <p:nvPr>
+            <p:ph type="body"/>
+          </p:nvPr>
+        </p:nvSpPr>
+        <p:spPr>
+          <a:xfrm>
+            <a:off x="457200" y="2761920"/>
+            <a:ext cx="8229240" cy="1422720"/>
+          </a:xfrm>
+          <a:prstGeom prst="rect">
+            <a:avLst/>
+          </a:prstGeom>
+        </p:spPr>
+        <p:txBody>
+          <a:bodyPr lIns="0" rIns="0" tIns="0" bIns="0">
+            <a:normAutofit/>
+          </a:bodyPr>
+          <a:p>
+            <a:endParaRPr b="0" lang="en-US" sz="3200" spc="-1" strike="noStrike">
+              <a:latin typeface="Arial"/>
+            </a:endParaRPr>
+          </a:p>
+        </p:txBody>
+      </p:sp>
+    </p:spTree>
+  </p:cSld>
+</p:sldLayout>
+</file>
+
+<file path=ppt/slideLayouts/slideLayout58.xml><?xml version="1.0" encoding="utf-8"?>
+<p:sldLayout xmlns:a="http://schemas.openxmlformats.org/drawingml/2006/main" xmlns:p="http://schemas.openxmlformats.org/presentationml/2006/main" xmlns:r="http://schemas.openxmlformats.org/officeDocument/2006/relationships" xmlns:p14="http://schemas.microsoft.com/office/powerpoint/2010/main" xmlns:p15="http://schemas.microsoft.com/office/powerpoint/2012/main" xmlns:mc="http://schemas.openxmlformats.org/markup-compatibility/2006" type="objOverTx" preserve="1">
+  <p:cSld name="Title, Content over Content">
+    <p:spTree>
+      <p:nvGrpSpPr>
+        <p:cNvPr id="1" name=""/>
+        <p:cNvGrpSpPr/>
+        <p:nvPr/>
+      </p:nvGrpSpPr>
+      <p:grpSpPr>
+        <a:xfrm>
+          <a:off x="0" y="0"/>
+          <a:ext cx="0" cy="0"/>
+          <a:chOff x="0" y="0"/>
+          <a:chExt cx="0" cy="0"/>
+        </a:xfrm>
+      </p:grpSpPr>
+      <p:sp>
+        <p:nvSpPr>
+          <p:cNvPr id="185" name="PlaceHolder 1"/>
+          <p:cNvSpPr>
+            <a:spLocks noGrp="1"/>
+          </p:cNvSpPr>
+          <p:nvPr>
+            <p:ph type="title"/>
+          </p:nvPr>
+        </p:nvSpPr>
+        <p:spPr>
+          <a:xfrm>
+            <a:off x="457200" y="205200"/>
+            <a:ext cx="8229240" cy="858600"/>
+          </a:xfrm>
+          <a:prstGeom prst="rect">
+            <a:avLst/>
+          </a:prstGeom>
+        </p:spPr>
+        <p:txBody>
+          <a:bodyPr lIns="0" rIns="0" tIns="0" bIns="0" anchor="ctr">
+            <a:noAutofit/>
+          </a:bodyPr>
+          <a:p>
+            <a:pPr algn="ctr"/>
+            <a:endParaRPr b="0" lang="en-US" sz="4400" spc="-1" strike="noStrike">
+              <a:latin typeface="Arial"/>
+            </a:endParaRPr>
+          </a:p>
+        </p:txBody>
+      </p:sp>
+      <p:sp>
+        <p:nvSpPr>
+          <p:cNvPr id="186" name="PlaceHolder 2"/>
+          <p:cNvSpPr>
+            <a:spLocks noGrp="1"/>
+          </p:cNvSpPr>
+          <p:nvPr>
+            <p:ph type="body"/>
+          </p:nvPr>
+        </p:nvSpPr>
+        <p:spPr>
+          <a:xfrm>
+            <a:off x="457200" y="1203480"/>
+            <a:ext cx="8229240" cy="1422720"/>
+          </a:xfrm>
+          <a:prstGeom prst="rect">
+            <a:avLst/>
+          </a:prstGeom>
+        </p:spPr>
+        <p:txBody>
+          <a:bodyPr lIns="0" rIns="0" tIns="0" bIns="0">
+            <a:normAutofit/>
+          </a:bodyPr>
+          <a:p>
+            <a:endParaRPr b="0" lang="en-US" sz="3200" spc="-1" strike="noStrike">
+              <a:latin typeface="Arial"/>
+            </a:endParaRPr>
+          </a:p>
+        </p:txBody>
+      </p:sp>
+      <p:sp>
+        <p:nvSpPr>
+          <p:cNvPr id="187" name="PlaceHolder 3"/>
+          <p:cNvSpPr>
+            <a:spLocks noGrp="1"/>
+          </p:cNvSpPr>
+          <p:nvPr>
+            <p:ph type="body"/>
+          </p:nvPr>
+        </p:nvSpPr>
+        <p:spPr>
+          <a:xfrm>
+            <a:off x="457200" y="2761920"/>
+            <a:ext cx="8229240" cy="1422720"/>
+          </a:xfrm>
+          <a:prstGeom prst="rect">
+            <a:avLst/>
+          </a:prstGeom>
+        </p:spPr>
+        <p:txBody>
+          <a:bodyPr lIns="0" rIns="0" tIns="0" bIns="0">
+            <a:normAutofit/>
+          </a:bodyPr>
+          <a:p>
+            <a:endParaRPr b="0" lang="en-US" sz="3200" spc="-1" strike="noStrike">
+              <a:latin typeface="Arial"/>
+            </a:endParaRPr>
+          </a:p>
+        </p:txBody>
+      </p:sp>
+    </p:spTree>
+  </p:cSld>
+</p:sldLayout>
+</file>
+
+<file path=ppt/slideLayouts/slideLayout59.xml><?xml version="1.0" encoding="utf-8"?>
+<p:sldLayout xmlns:a="http://schemas.openxmlformats.org/drawingml/2006/main" xmlns:p="http://schemas.openxmlformats.org/presentationml/2006/main" xmlns:r="http://schemas.openxmlformats.org/officeDocument/2006/relationships" xmlns:p14="http://schemas.microsoft.com/office/powerpoint/2010/main" xmlns:p15="http://schemas.microsoft.com/office/powerpoint/2012/main" xmlns:mc="http://schemas.openxmlformats.org/markup-compatibility/2006" type="fourObj" preserve="1">
+  <p:cSld name="Title, 4 Content">
+    <p:spTree>
+      <p:nvGrpSpPr>
+        <p:cNvPr id="1" name=""/>
+        <p:cNvGrpSpPr/>
+        <p:nvPr/>
+      </p:nvGrpSpPr>
+      <p:grpSpPr>
+        <a:xfrm>
+          <a:off x="0" y="0"/>
+          <a:ext cx="0" cy="0"/>
+          <a:chOff x="0" y="0"/>
+          <a:chExt cx="0" cy="0"/>
+        </a:xfrm>
+      </p:grpSpPr>
+      <p:sp>
+        <p:nvSpPr>
+          <p:cNvPr id="188" name="PlaceHolder 1"/>
+          <p:cNvSpPr>
+            <a:spLocks noGrp="1"/>
+          </p:cNvSpPr>
+          <p:nvPr>
+            <p:ph type="title"/>
+          </p:nvPr>
+        </p:nvSpPr>
+        <p:spPr>
+          <a:xfrm>
+            <a:off x="457200" y="205200"/>
+            <a:ext cx="8229240" cy="858600"/>
+          </a:xfrm>
+          <a:prstGeom prst="rect">
+            <a:avLst/>
+          </a:prstGeom>
+        </p:spPr>
+        <p:txBody>
+          <a:bodyPr lIns="0" rIns="0" tIns="0" bIns="0" anchor="ctr">
+            <a:noAutofit/>
+          </a:bodyPr>
+          <a:p>
+            <a:pPr algn="ctr"/>
+            <a:endParaRPr b="0" lang="en-US" sz="4400" spc="-1" strike="noStrike">
+              <a:latin typeface="Arial"/>
+            </a:endParaRPr>
+          </a:p>
+        </p:txBody>
+      </p:sp>
+      <p:sp>
+        <p:nvSpPr>
+          <p:cNvPr id="189" name="PlaceHolder 2"/>
+          <p:cNvSpPr>
+            <a:spLocks noGrp="1"/>
+          </p:cNvSpPr>
+          <p:nvPr>
+            <p:ph type="body"/>
+          </p:nvPr>
+        </p:nvSpPr>
+        <p:spPr>
+          <a:xfrm>
+            <a:off x="457200" y="1203480"/>
+            <a:ext cx="4015800" cy="1422720"/>
+          </a:xfrm>
+          <a:prstGeom prst="rect">
+            <a:avLst/>
+          </a:prstGeom>
+        </p:spPr>
+        <p:txBody>
+          <a:bodyPr lIns="0" rIns="0" tIns="0" bIns="0">
+            <a:normAutofit/>
+          </a:bodyPr>
+          <a:p>
+            <a:endParaRPr b="0" lang="en-US" sz="3200" spc="-1" strike="noStrike">
+              <a:latin typeface="Arial"/>
+            </a:endParaRPr>
+          </a:p>
+        </p:txBody>
+      </p:sp>
+      <p:sp>
+        <p:nvSpPr>
+          <p:cNvPr id="190" name="PlaceHolder 3"/>
+          <p:cNvSpPr>
+            <a:spLocks noGrp="1"/>
+          </p:cNvSpPr>
+          <p:nvPr>
+            <p:ph type="body"/>
+          </p:nvPr>
+        </p:nvSpPr>
+        <p:spPr>
+          <a:xfrm>
+            <a:off x="4674240" y="1203480"/>
+            <a:ext cx="4015800" cy="1422720"/>
+          </a:xfrm>
+          <a:prstGeom prst="rect">
+            <a:avLst/>
+          </a:prstGeom>
+        </p:spPr>
+        <p:txBody>
+          <a:bodyPr lIns="0" rIns="0" tIns="0" bIns="0">
+            <a:normAutofit/>
+          </a:bodyPr>
+          <a:p>
+            <a:endParaRPr b="0" lang="en-US" sz="3200" spc="-1" strike="noStrike">
+              <a:latin typeface="Arial"/>
+            </a:endParaRPr>
+          </a:p>
+        </p:txBody>
+      </p:sp>
+      <p:sp>
+        <p:nvSpPr>
+          <p:cNvPr id="191" name="PlaceHolder 4"/>
+          <p:cNvSpPr>
+            <a:spLocks noGrp="1"/>
+          </p:cNvSpPr>
+          <p:nvPr>
+            <p:ph type="body"/>
+          </p:nvPr>
+        </p:nvSpPr>
+        <p:spPr>
+          <a:xfrm>
+            <a:off x="457200" y="2761920"/>
+            <a:ext cx="4015800" cy="1422720"/>
+          </a:xfrm>
+          <a:prstGeom prst="rect">
+            <a:avLst/>
+          </a:prstGeom>
+        </p:spPr>
+        <p:txBody>
+          <a:bodyPr lIns="0" rIns="0" tIns="0" bIns="0">
+            <a:normAutofit/>
+          </a:bodyPr>
+          <a:p>
+            <a:endParaRPr b="0" lang="en-US" sz="3200" spc="-1" strike="noStrike">
+              <a:latin typeface="Arial"/>
+            </a:endParaRPr>
+          </a:p>
+        </p:txBody>
+      </p:sp>
+      <p:sp>
+        <p:nvSpPr>
+          <p:cNvPr id="192" name="PlaceHolder 5"/>
+          <p:cNvSpPr>
+            <a:spLocks noGrp="1"/>
+          </p:cNvSpPr>
+          <p:nvPr>
+            <p:ph type="body"/>
+          </p:nvPr>
+        </p:nvSpPr>
+        <p:spPr>
+          <a:xfrm>
+            <a:off x="4674240" y="2761920"/>
+            <a:ext cx="4015800" cy="1422720"/>
+          </a:xfrm>
+          <a:prstGeom prst="rect">
+            <a:avLst/>
+          </a:prstGeom>
+        </p:spPr>
+        <p:txBody>
+          <a:bodyPr lIns="0" rIns="0" tIns="0" bIns="0">
+            <a:normAutofit/>
+          </a:bodyPr>
+          <a:p>
+            <a:endParaRPr b="0" lang="en-US" sz="3200" spc="-1" strike="noStrike">
               <a:latin typeface="Arial"/>
             </a:endParaRPr>
           </a:p>
@@ -5015,6 +6141,239 @@
           </a:bodyPr>
           <a:p>
             <a:pPr algn="ctr"/>
+            <a:endParaRPr b="0" lang="en-US" sz="3200" spc="-1" strike="noStrike">
+              <a:latin typeface="Arial"/>
+            </a:endParaRPr>
+          </a:p>
+        </p:txBody>
+      </p:sp>
+    </p:spTree>
+  </p:cSld>
+</p:sldLayout>
+</file>
+
+<file path=ppt/slideLayouts/slideLayout60.xml><?xml version="1.0" encoding="utf-8"?>
+<p:sldLayout xmlns:a="http://schemas.openxmlformats.org/drawingml/2006/main" xmlns:p="http://schemas.openxmlformats.org/presentationml/2006/main" xmlns:r="http://schemas.openxmlformats.org/officeDocument/2006/relationships" xmlns:p14="http://schemas.microsoft.com/office/powerpoint/2010/main" xmlns:p15="http://schemas.microsoft.com/office/powerpoint/2012/main" xmlns:mc="http://schemas.openxmlformats.org/markup-compatibility/2006" type="blank" preserve="1">
+  <p:cSld name="Title, 6 Content">
+    <p:spTree>
+      <p:nvGrpSpPr>
+        <p:cNvPr id="1" name=""/>
+        <p:cNvGrpSpPr/>
+        <p:nvPr/>
+      </p:nvGrpSpPr>
+      <p:grpSpPr>
+        <a:xfrm>
+          <a:off x="0" y="0"/>
+          <a:ext cx="0" cy="0"/>
+          <a:chOff x="0" y="0"/>
+          <a:chExt cx="0" cy="0"/>
+        </a:xfrm>
+      </p:grpSpPr>
+      <p:sp>
+        <p:nvSpPr>
+          <p:cNvPr id="193" name="PlaceHolder 1"/>
+          <p:cNvSpPr>
+            <a:spLocks noGrp="1"/>
+          </p:cNvSpPr>
+          <p:nvPr>
+            <p:ph type="title"/>
+          </p:nvPr>
+        </p:nvSpPr>
+        <p:spPr>
+          <a:xfrm>
+            <a:off x="457200" y="205200"/>
+            <a:ext cx="8229240" cy="858600"/>
+          </a:xfrm>
+          <a:prstGeom prst="rect">
+            <a:avLst/>
+          </a:prstGeom>
+        </p:spPr>
+        <p:txBody>
+          <a:bodyPr lIns="0" rIns="0" tIns="0" bIns="0" anchor="ctr">
+            <a:noAutofit/>
+          </a:bodyPr>
+          <a:p>
+            <a:pPr algn="ctr"/>
+            <a:endParaRPr b="0" lang="en-US" sz="4400" spc="-1" strike="noStrike">
+              <a:latin typeface="Arial"/>
+            </a:endParaRPr>
+          </a:p>
+        </p:txBody>
+      </p:sp>
+      <p:sp>
+        <p:nvSpPr>
+          <p:cNvPr id="194" name="PlaceHolder 2"/>
+          <p:cNvSpPr>
+            <a:spLocks noGrp="1"/>
+          </p:cNvSpPr>
+          <p:nvPr>
+            <p:ph type="body"/>
+          </p:nvPr>
+        </p:nvSpPr>
+        <p:spPr>
+          <a:xfrm>
+            <a:off x="457200" y="1203480"/>
+            <a:ext cx="2649600" cy="1422720"/>
+          </a:xfrm>
+          <a:prstGeom prst="rect">
+            <a:avLst/>
+          </a:prstGeom>
+        </p:spPr>
+        <p:txBody>
+          <a:bodyPr lIns="0" rIns="0" tIns="0" bIns="0">
+            <a:normAutofit/>
+          </a:bodyPr>
+          <a:p>
+            <a:endParaRPr b="0" lang="en-US" sz="3200" spc="-1" strike="noStrike">
+              <a:latin typeface="Arial"/>
+            </a:endParaRPr>
+          </a:p>
+        </p:txBody>
+      </p:sp>
+      <p:sp>
+        <p:nvSpPr>
+          <p:cNvPr id="195" name="PlaceHolder 3"/>
+          <p:cNvSpPr>
+            <a:spLocks noGrp="1"/>
+          </p:cNvSpPr>
+          <p:nvPr>
+            <p:ph type="body"/>
+          </p:nvPr>
+        </p:nvSpPr>
+        <p:spPr>
+          <a:xfrm>
+            <a:off x="3239640" y="1203480"/>
+            <a:ext cx="2649600" cy="1422720"/>
+          </a:xfrm>
+          <a:prstGeom prst="rect">
+            <a:avLst/>
+          </a:prstGeom>
+        </p:spPr>
+        <p:txBody>
+          <a:bodyPr lIns="0" rIns="0" tIns="0" bIns="0">
+            <a:normAutofit/>
+          </a:bodyPr>
+          <a:p>
+            <a:endParaRPr b="0" lang="en-US" sz="3200" spc="-1" strike="noStrike">
+              <a:latin typeface="Arial"/>
+            </a:endParaRPr>
+          </a:p>
+        </p:txBody>
+      </p:sp>
+      <p:sp>
+        <p:nvSpPr>
+          <p:cNvPr id="196" name="PlaceHolder 4"/>
+          <p:cNvSpPr>
+            <a:spLocks noGrp="1"/>
+          </p:cNvSpPr>
+          <p:nvPr>
+            <p:ph type="body"/>
+          </p:nvPr>
+        </p:nvSpPr>
+        <p:spPr>
+          <a:xfrm>
+            <a:off x="6022080" y="1203480"/>
+            <a:ext cx="2649600" cy="1422720"/>
+          </a:xfrm>
+          <a:prstGeom prst="rect">
+            <a:avLst/>
+          </a:prstGeom>
+        </p:spPr>
+        <p:txBody>
+          <a:bodyPr lIns="0" rIns="0" tIns="0" bIns="0">
+            <a:normAutofit/>
+          </a:bodyPr>
+          <a:p>
+            <a:endParaRPr b="0" lang="en-US" sz="3200" spc="-1" strike="noStrike">
+              <a:latin typeface="Arial"/>
+            </a:endParaRPr>
+          </a:p>
+        </p:txBody>
+      </p:sp>
+      <p:sp>
+        <p:nvSpPr>
+          <p:cNvPr id="197" name="PlaceHolder 5"/>
+          <p:cNvSpPr>
+            <a:spLocks noGrp="1"/>
+          </p:cNvSpPr>
+          <p:nvPr>
+            <p:ph type="body"/>
+          </p:nvPr>
+        </p:nvSpPr>
+        <p:spPr>
+          <a:xfrm>
+            <a:off x="457200" y="2761920"/>
+            <a:ext cx="2649600" cy="1422720"/>
+          </a:xfrm>
+          <a:prstGeom prst="rect">
+            <a:avLst/>
+          </a:prstGeom>
+        </p:spPr>
+        <p:txBody>
+          <a:bodyPr lIns="0" rIns="0" tIns="0" bIns="0">
+            <a:normAutofit/>
+          </a:bodyPr>
+          <a:p>
+            <a:endParaRPr b="0" lang="en-US" sz="3200" spc="-1" strike="noStrike">
+              <a:latin typeface="Arial"/>
+            </a:endParaRPr>
+          </a:p>
+        </p:txBody>
+      </p:sp>
+      <p:sp>
+        <p:nvSpPr>
+          <p:cNvPr id="198" name="PlaceHolder 6"/>
+          <p:cNvSpPr>
+            <a:spLocks noGrp="1"/>
+          </p:cNvSpPr>
+          <p:nvPr>
+            <p:ph type="body"/>
+          </p:nvPr>
+        </p:nvSpPr>
+        <p:spPr>
+          <a:xfrm>
+            <a:off x="3239640" y="2761920"/>
+            <a:ext cx="2649600" cy="1422720"/>
+          </a:xfrm>
+          <a:prstGeom prst="rect">
+            <a:avLst/>
+          </a:prstGeom>
+        </p:spPr>
+        <p:txBody>
+          <a:bodyPr lIns="0" rIns="0" tIns="0" bIns="0">
+            <a:normAutofit/>
+          </a:bodyPr>
+          <a:p>
+            <a:endParaRPr b="0" lang="en-US" sz="3200" spc="-1" strike="noStrike">
+              <a:latin typeface="Arial"/>
+            </a:endParaRPr>
+          </a:p>
+        </p:txBody>
+      </p:sp>
+      <p:sp>
+        <p:nvSpPr>
+          <p:cNvPr id="199" name="PlaceHolder 7"/>
+          <p:cNvSpPr>
+            <a:spLocks noGrp="1"/>
+          </p:cNvSpPr>
+          <p:nvPr>
+            <p:ph type="body"/>
+          </p:nvPr>
+        </p:nvSpPr>
+        <p:spPr>
+          <a:xfrm>
+            <a:off x="6022080" y="2761920"/>
+            <a:ext cx="2649600" cy="1422720"/>
+          </a:xfrm>
+          <a:prstGeom prst="rect">
+            <a:avLst/>
+          </a:prstGeom>
+        </p:spPr>
+        <p:txBody>
+          <a:bodyPr lIns="0" rIns="0" tIns="0" bIns="0">
+            <a:normAutofit/>
+          </a:bodyPr>
+          <a:p>
             <a:endParaRPr b="0" lang="en-US" sz="3200" spc="-1" strike="noStrike">
               <a:latin typeface="Arial"/>
             </a:endParaRPr>
@@ -5553,7 +6912,13 @@
               <a:rPr b="0" lang="en-US" sz="1800" spc="-1" strike="noStrike">
                 <a:latin typeface="Arial"/>
               </a:rPr>
-              <a:t>Click to edit the title text format</a:t>
+              <a:t>Click to edit the </a:t>
+            </a:r>
+            <a:r>
+              <a:rPr b="0" lang="en-US" sz="1800" spc="-1" strike="noStrike">
+                <a:latin typeface="Arial"/>
+              </a:rPr>
+              <a:t>title text format</a:t>
             </a:r>
             <a:endParaRPr b="0" lang="en-US" sz="1800" spc="-1" strike="noStrike">
               <a:latin typeface="Arial"/>
@@ -5866,7 +7231,13 @@
               <a:rPr b="0" lang="en-US" sz="1800" spc="-1" strike="noStrike">
                 <a:latin typeface="Arial"/>
               </a:rPr>
-              <a:t>Click to edit the title text format</a:t>
+              <a:t>Click to edit the </a:t>
+            </a:r>
+            <a:r>
+              <a:rPr b="0" lang="en-US" sz="1800" spc="-1" strike="noStrike">
+                <a:latin typeface="Arial"/>
+              </a:rPr>
+              <a:t>title text format</a:t>
             </a:r>
             <a:endParaRPr b="0" lang="en-US" sz="1800" spc="-1" strike="noStrike">
               <a:latin typeface="Arial"/>
@@ -6179,7 +7550,13 @@
               <a:rPr b="0" lang="en-US" sz="1800" spc="-1" strike="noStrike">
                 <a:latin typeface="Arial"/>
               </a:rPr>
-              <a:t>Click to edit the title text format</a:t>
+              <a:t>Click to edit the </a:t>
+            </a:r>
+            <a:r>
+              <a:rPr b="0" lang="en-US" sz="1800" spc="-1" strike="noStrike">
+                <a:latin typeface="Arial"/>
+              </a:rPr>
+              <a:t>title text format</a:t>
             </a:r>
             <a:endParaRPr b="0" lang="en-US" sz="1800" spc="-1" strike="noStrike">
               <a:latin typeface="Arial"/>
@@ -6493,7 +7870,25 @@
               <a:rPr b="0" lang="en-US" sz="4400" spc="-1" strike="noStrike">
                 <a:latin typeface="Arial"/>
               </a:rPr>
-              <a:t>Click to edit the title text format</a:t>
+              <a:t>Click to </a:t>
+            </a:r>
+            <a:r>
+              <a:rPr b="0" lang="en-US" sz="4400" spc="-1" strike="noStrike">
+                <a:latin typeface="Arial"/>
+              </a:rPr>
+              <a:t>edit the </a:t>
+            </a:r>
+            <a:r>
+              <a:rPr b="0" lang="en-US" sz="4400" spc="-1" strike="noStrike">
+                <a:latin typeface="Arial"/>
+              </a:rPr>
+              <a:t>title text </a:t>
+            </a:r>
+            <a:r>
+              <a:rPr b="0" lang="en-US" sz="4400" spc="-1" strike="noStrike">
+                <a:latin typeface="Arial"/>
+              </a:rPr>
+              <a:t>format</a:t>
             </a:r>
             <a:endParaRPr b="0" lang="en-US" sz="4400" spc="-1" strike="noStrike">
               <a:latin typeface="Arial"/>
@@ -6696,6 +8091,325 @@
     <p:sldLayoutId id="2147483697" r:id="rId12"/>
     <p:sldLayoutId id="2147483698" r:id="rId13"/>
     <p:sldLayoutId id="2147483699" r:id="rId14"/>
+  </p:sldLayoutIdLst>
+</p:sldMaster>
+</file>
+
+<file path=ppt/slideMasters/slideMaster5.xml><?xml version="1.0" encoding="utf-8"?>
+<p:sldMaster xmlns:a="http://schemas.openxmlformats.org/drawingml/2006/main" xmlns:p="http://schemas.openxmlformats.org/presentationml/2006/main" xmlns:r="http://schemas.openxmlformats.org/officeDocument/2006/relationships" xmlns:p14="http://schemas.microsoft.com/office/powerpoint/2010/main" xmlns:p15="http://schemas.microsoft.com/office/powerpoint/2012/main" xmlns:mc="http://schemas.openxmlformats.org/markup-compatibility/2006">
+  <p:cSld>
+    <p:bg>
+      <p:bgPr>
+        <a:solidFill>
+          <a:srgbClr val="b7b7b7"/>
+        </a:solidFill>
+      </p:bgPr>
+    </p:bg>
+    <p:spTree>
+      <p:nvGrpSpPr>
+        <p:cNvPr id="1" name=""/>
+        <p:cNvGrpSpPr/>
+        <p:nvPr/>
+      </p:nvGrpSpPr>
+      <p:grpSpPr>
+        <a:xfrm>
+          <a:off x="0" y="0"/>
+          <a:ext cx="0" cy="0"/>
+          <a:chOff x="0" y="0"/>
+          <a:chExt cx="0" cy="0"/>
+        </a:xfrm>
+      </p:grpSpPr>
+      <p:sp>
+        <p:nvSpPr>
+          <p:cNvPr id="160" name="CustomShape 1"/>
+          <p:cNvSpPr/>
+          <p:nvPr/>
+        </p:nvSpPr>
+        <p:spPr>
+          <a:xfrm>
+            <a:off x="0" y="143640"/>
+            <a:ext cx="9159120" cy="1008360"/>
+          </a:xfrm>
+          <a:prstGeom prst="rect">
+            <a:avLst/>
+          </a:prstGeom>
+          <a:solidFill>
+            <a:srgbClr val="999999"/>
+          </a:solidFill>
+          <a:ln w="9360">
+            <a:solidFill>
+              <a:srgbClr val="595959"/>
+            </a:solidFill>
+            <a:round/>
+          </a:ln>
+        </p:spPr>
+        <p:style>
+          <a:lnRef idx="0"/>
+          <a:fillRef idx="0"/>
+          <a:effectRef idx="0"/>
+          <a:fontRef idx="minor"/>
+        </p:style>
+      </p:sp>
+      <p:pic>
+        <p:nvPicPr>
+          <p:cNvPr id="161" name="Google Shape;19;p3" descr=""/>
+          <p:cNvPicPr/>
+          <p:nvPr/>
+        </p:nvPicPr>
+        <p:blipFill>
+          <a:blip r:embed="rId2"/>
+          <a:stretch/>
+        </p:blipFill>
+        <p:spPr>
+          <a:xfrm>
+            <a:off x="8001360" y="0"/>
+            <a:ext cx="1141920" cy="1307880"/>
+          </a:xfrm>
+          <a:prstGeom prst="rect">
+            <a:avLst/>
+          </a:prstGeom>
+          <a:ln>
+            <a:noFill/>
+          </a:ln>
+        </p:spPr>
+      </p:pic>
+      <p:sp>
+        <p:nvSpPr>
+          <p:cNvPr id="162" name="PlaceHolder 2"/>
+          <p:cNvSpPr>
+            <a:spLocks noGrp="1"/>
+          </p:cNvSpPr>
+          <p:nvPr>
+            <p:ph type="title"/>
+          </p:nvPr>
+        </p:nvSpPr>
+        <p:spPr>
+          <a:xfrm>
+            <a:off x="1046520" y="460800"/>
+            <a:ext cx="6857280" cy="1153080"/>
+          </a:xfrm>
+          <a:prstGeom prst="rect">
+            <a:avLst/>
+          </a:prstGeom>
+        </p:spPr>
+        <p:txBody>
+          <a:bodyPr lIns="0" rIns="0" tIns="0" bIns="0" anchor="ctr">
+            <a:noAutofit/>
+          </a:bodyPr>
+          <a:p>
+            <a:r>
+              <a:rPr b="0" lang="en-US" sz="1800" spc="-1" strike="noStrike">
+                <a:latin typeface="Arial"/>
+              </a:rPr>
+              <a:t>Click to edit the </a:t>
+            </a:r>
+            <a:r>
+              <a:rPr b="0" lang="en-US" sz="1800" spc="-1" strike="noStrike">
+                <a:latin typeface="Arial"/>
+              </a:rPr>
+              <a:t>title text format</a:t>
+            </a:r>
+            <a:endParaRPr b="0" lang="en-US" sz="1800" spc="-1" strike="noStrike">
+              <a:latin typeface="Arial"/>
+            </a:endParaRPr>
+          </a:p>
+        </p:txBody>
+      </p:sp>
+      <p:sp>
+        <p:nvSpPr>
+          <p:cNvPr id="163" name="PlaceHolder 3"/>
+          <p:cNvSpPr>
+            <a:spLocks noGrp="1"/>
+          </p:cNvSpPr>
+          <p:nvPr>
+            <p:ph type="body"/>
+          </p:nvPr>
+        </p:nvSpPr>
+        <p:spPr>
+          <a:xfrm>
+            <a:off x="457200" y="1203480"/>
+            <a:ext cx="8228880" cy="2982600"/>
+          </a:xfrm>
+          <a:prstGeom prst="rect">
+            <a:avLst/>
+          </a:prstGeom>
+        </p:spPr>
+        <p:txBody>
+          <a:bodyPr lIns="0" rIns="0" tIns="0" bIns="0">
+            <a:normAutofit/>
+          </a:bodyPr>
+          <a:p>
+            <a:pPr marL="432000" indent="-324000">
+              <a:spcBef>
+                <a:spcPts val="1417"/>
+              </a:spcBef>
+              <a:buClr>
+                <a:srgbClr val="000000"/>
+              </a:buClr>
+              <a:buSzPct val="45000"/>
+              <a:buFont typeface="Wingdings" charset="2"/>
+              <a:buChar char=""/>
+            </a:pPr>
+            <a:r>
+              <a:rPr b="0" lang="en-US" sz="1800" spc="-1" strike="noStrike">
+                <a:latin typeface="Arial"/>
+              </a:rPr>
+              <a:t>Click to edit the outline text format</a:t>
+            </a:r>
+            <a:endParaRPr b="0" lang="en-US" sz="1800" spc="-1" strike="noStrike">
+              <a:latin typeface="Arial"/>
+            </a:endParaRPr>
+          </a:p>
+          <a:p>
+            <a:pPr lvl="1" marL="864000" indent="-324000">
+              <a:spcBef>
+                <a:spcPts val="1134"/>
+              </a:spcBef>
+              <a:buClr>
+                <a:srgbClr val="000000"/>
+              </a:buClr>
+              <a:buSzPct val="75000"/>
+              <a:buFont typeface="Symbol" charset="2"/>
+              <a:buChar char=""/>
+            </a:pPr>
+            <a:r>
+              <a:rPr b="0" lang="en-US" sz="1800" spc="-1" strike="noStrike">
+                <a:latin typeface="Arial"/>
+              </a:rPr>
+              <a:t>Second Outline Level</a:t>
+            </a:r>
+            <a:endParaRPr b="0" lang="en-US" sz="1800" spc="-1" strike="noStrike">
+              <a:latin typeface="Arial"/>
+            </a:endParaRPr>
+          </a:p>
+          <a:p>
+            <a:pPr lvl="2" marL="1296000" indent="-288000">
+              <a:spcBef>
+                <a:spcPts val="850"/>
+              </a:spcBef>
+              <a:buClr>
+                <a:srgbClr val="000000"/>
+              </a:buClr>
+              <a:buSzPct val="45000"/>
+              <a:buFont typeface="Wingdings" charset="2"/>
+              <a:buChar char=""/>
+            </a:pPr>
+            <a:r>
+              <a:rPr b="0" lang="en-US" sz="1800" spc="-1" strike="noStrike">
+                <a:latin typeface="Arial"/>
+              </a:rPr>
+              <a:t>Third Outline Level</a:t>
+            </a:r>
+            <a:endParaRPr b="0" lang="en-US" sz="1800" spc="-1" strike="noStrike">
+              <a:latin typeface="Arial"/>
+            </a:endParaRPr>
+          </a:p>
+          <a:p>
+            <a:pPr lvl="3" marL="1728000" indent="-216000">
+              <a:spcBef>
+                <a:spcPts val="567"/>
+              </a:spcBef>
+              <a:buClr>
+                <a:srgbClr val="000000"/>
+              </a:buClr>
+              <a:buSzPct val="75000"/>
+              <a:buFont typeface="Symbol" charset="2"/>
+              <a:buChar char=""/>
+            </a:pPr>
+            <a:r>
+              <a:rPr b="0" lang="en-US" sz="1800" spc="-1" strike="noStrike">
+                <a:latin typeface="Arial"/>
+              </a:rPr>
+              <a:t>Fourth Outline Level</a:t>
+            </a:r>
+            <a:endParaRPr b="0" lang="en-US" sz="1800" spc="-1" strike="noStrike">
+              <a:latin typeface="Arial"/>
+            </a:endParaRPr>
+          </a:p>
+          <a:p>
+            <a:pPr lvl="4" marL="2160000" indent="-216000">
+              <a:spcBef>
+                <a:spcPts val="283"/>
+              </a:spcBef>
+              <a:buClr>
+                <a:srgbClr val="000000"/>
+              </a:buClr>
+              <a:buSzPct val="45000"/>
+              <a:buFont typeface="Wingdings" charset="2"/>
+              <a:buChar char=""/>
+            </a:pPr>
+            <a:r>
+              <a:rPr b="0" lang="en-US" sz="1800" spc="-1" strike="noStrike">
+                <a:latin typeface="Arial"/>
+              </a:rPr>
+              <a:t>Fifth Outline Level</a:t>
+            </a:r>
+            <a:endParaRPr b="0" lang="en-US" sz="1800" spc="-1" strike="noStrike">
+              <a:latin typeface="Arial"/>
+            </a:endParaRPr>
+          </a:p>
+          <a:p>
+            <a:pPr lvl="5" marL="2592000" indent="-216000">
+              <a:spcBef>
+                <a:spcPts val="283"/>
+              </a:spcBef>
+              <a:buClr>
+                <a:srgbClr val="000000"/>
+              </a:buClr>
+              <a:buSzPct val="45000"/>
+              <a:buFont typeface="Wingdings" charset="2"/>
+              <a:buChar char=""/>
+            </a:pPr>
+            <a:r>
+              <a:rPr b="0" lang="en-US" sz="1800" spc="-1" strike="noStrike">
+                <a:latin typeface="Arial"/>
+              </a:rPr>
+              <a:t>Sixth Outline Level</a:t>
+            </a:r>
+            <a:endParaRPr b="0" lang="en-US" sz="1800" spc="-1" strike="noStrike">
+              <a:latin typeface="Arial"/>
+            </a:endParaRPr>
+          </a:p>
+          <a:p>
+            <a:pPr lvl="6" marL="3024000" indent="-216000">
+              <a:spcBef>
+                <a:spcPts val="283"/>
+              </a:spcBef>
+              <a:buClr>
+                <a:srgbClr val="000000"/>
+              </a:buClr>
+              <a:buSzPct val="45000"/>
+              <a:buFont typeface="Wingdings" charset="2"/>
+              <a:buChar char=""/>
+            </a:pPr>
+            <a:r>
+              <a:rPr b="0" lang="en-US" sz="1800" spc="-1" strike="noStrike">
+                <a:latin typeface="Arial"/>
+              </a:rPr>
+              <a:t>Seventh Outline Level</a:t>
+            </a:r>
+            <a:endParaRPr b="0" lang="en-US" sz="1800" spc="-1" strike="noStrike">
+              <a:latin typeface="Arial"/>
+            </a:endParaRPr>
+          </a:p>
+        </p:txBody>
+      </p:sp>
+    </p:spTree>
+  </p:cSld>
+  <p:clrMap bg1="lt1" bg2="lt2" tx1="dk1" tx2="dk2" accent1="accent1" accent2="accent2" accent3="accent3" accent4="accent4" accent5="accent5" accent6="accent6" hlink="hlink" folHlink="folHlink"/>
+  <p:sldLayoutIdLst>
+    <p:sldLayoutId id="2147483701" r:id="rId3"/>
+    <p:sldLayoutId id="2147483702" r:id="rId4"/>
+    <p:sldLayoutId id="2147483703" r:id="rId5"/>
+    <p:sldLayoutId id="2147483704" r:id="rId6"/>
+    <p:sldLayoutId id="2147483705" r:id="rId7"/>
+    <p:sldLayoutId id="2147483706" r:id="rId8"/>
+    <p:sldLayoutId id="2147483707" r:id="rId9"/>
+    <p:sldLayoutId id="2147483708" r:id="rId10"/>
+    <p:sldLayoutId id="2147483709" r:id="rId11"/>
+    <p:sldLayoutId id="2147483710" r:id="rId12"/>
+    <p:sldLayoutId id="2147483711" r:id="rId13"/>
+    <p:sldLayoutId id="2147483712" r:id="rId14"/>
   </p:sldLayoutIdLst>
 </p:sldMaster>
 </file>
@@ -6719,7 +8433,7 @@
       </p:grpSpPr>
       <p:sp>
         <p:nvSpPr>
-          <p:cNvPr id="160" name="CustomShape 1"/>
+          <p:cNvPr id="200" name="CustomShape 1"/>
           <p:cNvSpPr/>
           <p:nvPr/>
         </p:nvSpPr>
@@ -6803,7 +8517,7 @@
       </p:grpSpPr>
       <p:sp>
         <p:nvSpPr>
-          <p:cNvPr id="177" name="CustomShape 1"/>
+          <p:cNvPr id="217" name="CustomShape 1"/>
           <p:cNvSpPr/>
           <p:nvPr/>
         </p:nvSpPr>
@@ -6844,7 +8558,7 @@
                 <a:latin typeface="Arial"/>
                 <a:ea typeface="Arial"/>
               </a:rPr>
-              <a:t>Web Exploitation</a:t>
+              <a:t>Binary Exploitation Example</a:t>
             </a:r>
             <a:endParaRPr b="0" lang="en-US" sz="2800" spc="-1" strike="noStrike">
               <a:latin typeface="Arial"/>
@@ -6854,7 +8568,7 @@
       </p:sp>
       <p:sp>
         <p:nvSpPr>
-          <p:cNvPr id="178" name="CustomShape 2"/>
+          <p:cNvPr id="218" name="CustomShape 2"/>
           <p:cNvSpPr/>
           <p:nvPr/>
         </p:nvSpPr>
@@ -6879,7 +8593,7 @@
         </p:style>
         <p:txBody>
           <a:bodyPr lIns="90000" rIns="90000" tIns="91440" bIns="91440">
-            <a:normAutofit fontScale="83000"/>
+            <a:normAutofit/>
           </a:bodyPr>
           <a:p>
             <a:pPr marL="432000" indent="-323640">
@@ -6903,7 +8617,7 @@
                 </a:solidFill>
                 <a:latin typeface="Arial"/>
               </a:rPr>
-              <a:t>Exploit vulnerabilities in websites</a:t>
+              <a:t>Identify target: bof</a:t>
             </a:r>
             <a:endParaRPr b="0" lang="en-US" sz="1400" spc="-1" strike="noStrike">
               <a:latin typeface="Arial"/>
@@ -6931,7 +8645,35 @@
                 </a:solidFill>
                 <a:latin typeface="Arial"/>
               </a:rPr>
-              <a:t>SQL injection</a:t>
+              <a:t>Static analysis</a:t>
+            </a:r>
+            <a:endParaRPr b="0" lang="en-US" sz="1400" spc="-1" strike="noStrike">
+              <a:latin typeface="Arial"/>
+            </a:endParaRPr>
+          </a:p>
+          <a:p>
+            <a:pPr lvl="1" marL="864000" indent="-323640">
+              <a:lnSpc>
+                <a:spcPct val="100000"/>
+              </a:lnSpc>
+              <a:spcBef>
+                <a:spcPts val="1134"/>
+              </a:spcBef>
+              <a:buClr>
+                <a:srgbClr val="000000"/>
+              </a:buClr>
+              <a:buSzPct val="75000"/>
+              <a:buFont typeface="Symbol"/>
+              <a:buChar char=""/>
+            </a:pPr>
+            <a:r>
+              <a:rPr b="0" lang="en-US" sz="1400" spc="-1" strike="noStrike">
+                <a:solidFill>
+                  <a:srgbClr val="000000"/>
+                </a:solidFill>
+                <a:latin typeface="Arial"/>
+              </a:rPr>
+              <a:t>We have source!</a:t>
             </a:r>
             <a:endParaRPr b="0" lang="en-US" sz="1400" spc="-1" strike="noStrike">
               <a:latin typeface="Arial"/>
@@ -6959,7 +8701,7 @@
                 </a:solidFill>
                 <a:latin typeface="Arial"/>
               </a:rPr>
-              <a:t>Command injection</a:t>
+              <a:t>Identify vulnerability</a:t>
             </a:r>
             <a:endParaRPr b="0" lang="en-US" sz="1400" spc="-1" strike="noStrike">
               <a:latin typeface="Arial"/>
@@ -6987,7 +8729,7 @@
                 </a:solidFill>
                 <a:latin typeface="Arial"/>
               </a:rPr>
-              <a:t>LFI/RFI</a:t>
+              <a:t>Determine if the vuln is exploitable</a:t>
             </a:r>
             <a:endParaRPr b="0" lang="en-US" sz="1400" spc="-1" strike="noStrike">
               <a:latin typeface="Arial"/>
@@ -7015,147 +8757,7 @@
                 </a:solidFill>
                 <a:latin typeface="Arial"/>
               </a:rPr>
-              <a:t>Directory traversal</a:t>
-            </a:r>
-            <a:endParaRPr b="0" lang="en-US" sz="1400" spc="-1" strike="noStrike">
-              <a:latin typeface="Arial"/>
-            </a:endParaRPr>
-          </a:p>
-          <a:p>
-            <a:pPr marL="432000" indent="-323640">
-              <a:lnSpc>
-                <a:spcPct val="100000"/>
-              </a:lnSpc>
-              <a:spcBef>
-                <a:spcPts val="1417"/>
-              </a:spcBef>
-              <a:buClr>
-                <a:srgbClr val="000000"/>
-              </a:buClr>
-              <a:buSzPct val="45000"/>
-              <a:buFont typeface="Wingdings" charset="2"/>
-              <a:buChar char=""/>
-            </a:pPr>
-            <a:r>
-              <a:rPr b="0" lang="en-US" sz="1400" spc="-1" strike="noStrike">
-                <a:solidFill>
-                  <a:srgbClr val="000000"/>
-                </a:solidFill>
-                <a:latin typeface="Arial"/>
-              </a:rPr>
-              <a:t>XSS</a:t>
-            </a:r>
-            <a:endParaRPr b="0" lang="en-US" sz="1400" spc="-1" strike="noStrike">
-              <a:latin typeface="Arial"/>
-            </a:endParaRPr>
-          </a:p>
-          <a:p>
-            <a:pPr marL="432000" indent="-323640">
-              <a:lnSpc>
-                <a:spcPct val="100000"/>
-              </a:lnSpc>
-              <a:spcBef>
-                <a:spcPts val="1417"/>
-              </a:spcBef>
-              <a:buClr>
-                <a:srgbClr val="000000"/>
-              </a:buClr>
-              <a:buSzPct val="45000"/>
-              <a:buFont typeface="Wingdings" charset="2"/>
-              <a:buChar char=""/>
-            </a:pPr>
-            <a:r>
-              <a:rPr b="0" lang="en-US" sz="1400" spc="-1" strike="noStrike">
-                <a:solidFill>
-                  <a:srgbClr val="000000"/>
-                </a:solidFill>
-                <a:latin typeface="Arial"/>
-              </a:rPr>
-              <a:t>CSRF</a:t>
-            </a:r>
-            <a:endParaRPr b="0" lang="en-US" sz="1400" spc="-1" strike="noStrike">
-              <a:latin typeface="Arial"/>
-            </a:endParaRPr>
-          </a:p>
-          <a:p>
-            <a:pPr marL="432000" indent="-323640">
-              <a:lnSpc>
-                <a:spcPct val="100000"/>
-              </a:lnSpc>
-              <a:spcBef>
-                <a:spcPts val="1417"/>
-              </a:spcBef>
-              <a:buClr>
-                <a:srgbClr val="000000"/>
-              </a:buClr>
-              <a:buSzPct val="45000"/>
-              <a:buFont typeface="Wingdings" charset="2"/>
-              <a:buChar char=""/>
-            </a:pPr>
-            <a:r>
-              <a:rPr b="0" lang="en-US" sz="1400" spc="-1" strike="noStrike">
-                <a:solidFill>
-                  <a:srgbClr val="000000"/>
-                </a:solidFill>
-                <a:latin typeface="Arial"/>
-              </a:rPr>
-              <a:t>SSRF</a:t>
-            </a:r>
-            <a:endParaRPr b="0" lang="en-US" sz="1400" spc="-1" strike="noStrike">
-              <a:latin typeface="Arial"/>
-            </a:endParaRPr>
-          </a:p>
-          <a:p>
-            <a:pPr marL="432000" indent="-323640">
-              <a:lnSpc>
-                <a:spcPct val="100000"/>
-              </a:lnSpc>
-              <a:spcBef>
-                <a:spcPts val="1417"/>
-              </a:spcBef>
-              <a:buClr>
-                <a:srgbClr val="000000"/>
-              </a:buClr>
-              <a:buSzPct val="45000"/>
-              <a:buFont typeface="Wingdings" charset="2"/>
-              <a:buChar char=""/>
-            </a:pPr>
-            <a:r>
-              <a:rPr b="0" lang="en-US" sz="1400" spc="-1" strike="noStrike">
-                <a:solidFill>
-                  <a:srgbClr val="000000"/>
-                </a:solidFill>
-                <a:latin typeface="Arial"/>
-              </a:rPr>
-              <a:t>Template Injection</a:t>
-            </a:r>
-            <a:endParaRPr b="0" lang="en-US" sz="1400" spc="-1" strike="noStrike">
-              <a:latin typeface="Arial"/>
-            </a:endParaRPr>
-          </a:p>
-          <a:p>
-            <a:pPr marL="432000" indent="-323640">
-              <a:lnSpc>
-                <a:spcPct val="100000"/>
-              </a:lnSpc>
-              <a:spcBef>
-                <a:spcPts val="1417"/>
-              </a:spcBef>
-              <a:buClr>
-                <a:srgbClr val="000000"/>
-              </a:buClr>
-              <a:buSzPct val="45000"/>
-              <a:buFont typeface="Wingdings" charset="2"/>
-              <a:buChar char=""/>
-            </a:pPr>
-            <a:r>
-              <a:rPr b="0" lang="en-US" sz="1400" spc="-1" strike="noStrike">
-                <a:solidFill>
-                  <a:srgbClr val="000000"/>
-                </a:solidFill>
-                <a:latin typeface="Arial"/>
-              </a:rPr>
-              <a:t>Many more</a:t>
+              <a:t>Develop a POC</a:t>
             </a:r>
             <a:endParaRPr b="0" lang="en-US" sz="1400" spc="-1" strike="noStrike">
               <a:latin typeface="Arial"/>
@@ -7195,7 +8797,7 @@
       </p:grpSpPr>
       <p:sp>
         <p:nvSpPr>
-          <p:cNvPr id="179" name="CustomShape 1"/>
+          <p:cNvPr id="219" name="CustomShape 1"/>
           <p:cNvSpPr/>
           <p:nvPr/>
         </p:nvSpPr>
@@ -7236,7 +8838,7 @@
                 <a:latin typeface="Arial"/>
                 <a:ea typeface="Arial"/>
               </a:rPr>
-              <a:t>Web Exploitation Example</a:t>
+              <a:t>Web Exploitation</a:t>
             </a:r>
             <a:endParaRPr b="0" lang="en-US" sz="2800" spc="-1" strike="noStrike">
               <a:latin typeface="Arial"/>
@@ -7246,7 +8848,7 @@
       </p:sp>
       <p:sp>
         <p:nvSpPr>
-          <p:cNvPr id="180" name="CustomShape 2"/>
+          <p:cNvPr id="220" name="CustomShape 2"/>
           <p:cNvSpPr/>
           <p:nvPr/>
         </p:nvSpPr>
@@ -7271,7 +8873,7 @@
         </p:style>
         <p:txBody>
           <a:bodyPr lIns="90000" rIns="90000" tIns="91440" bIns="91440">
-            <a:normAutofit fontScale="91000"/>
+            <a:normAutofit fontScale="83000"/>
           </a:bodyPr>
           <a:p>
             <a:pPr marL="432000" indent="-323640">
@@ -7295,65 +8897,7 @@
                 </a:solidFill>
                 <a:latin typeface="Arial"/>
               </a:rPr>
-              <a:t>XXE (XML External Entity injection)</a:t>
-            </a:r>
-            <a:endParaRPr b="0" lang="en-US" sz="1400" spc="-1" strike="noStrike">
-              <a:latin typeface="Arial"/>
-            </a:endParaRPr>
-          </a:p>
-          <a:p>
-            <a:pPr lvl="1" marL="864000" indent="-323640">
-              <a:lnSpc>
-                <a:spcPct val="100000"/>
-              </a:lnSpc>
-              <a:spcBef>
-                <a:spcPts val="1134"/>
-              </a:spcBef>
-              <a:buClr>
-                <a:srgbClr val="000000"/>
-              </a:buClr>
-              <a:buSzPct val="75000"/>
-              <a:buFont typeface="Symbol"/>
-              <a:buChar char=""/>
-            </a:pPr>
-            <a:r>
-              <a:rPr b="0" lang="en-US" sz="1400" spc="-1" strike="noStrike">
-                <a:solidFill>
-                  <a:srgbClr val="000000"/>
-                </a:solidFill>
-                <a:latin typeface="Arial"/>
-              </a:rPr>
-              <a:t>Allows attackers to interfere with a web apps XML processing</a:t>
-            </a:r>
-            <a:endParaRPr b="0" lang="en-US" sz="1400" spc="-1" strike="noStrike">
-              <a:latin typeface="Arial"/>
-            </a:endParaRPr>
-          </a:p>
-          <a:p>
-            <a:pPr lvl="1" marL="864000" indent="-323640">
-              <a:lnSpc>
-                <a:spcPct val="100000"/>
-              </a:lnSpc>
-              <a:spcBef>
-                <a:spcPts val="1134"/>
-              </a:spcBef>
-              <a:buClr>
-                <a:srgbClr val="000000"/>
-              </a:buClr>
-              <a:buSzPct val="75000"/>
-              <a:buFont typeface="Symbol"/>
-              <a:buChar char=""/>
-            </a:pPr>
-            <a:r>
-              <a:rPr b="0" lang="en-US" sz="1400" spc="-1" strike="noStrike" u="sng">
-                <a:solidFill>
-                  <a:srgbClr val="0000ff"/>
-                </a:solidFill>
-                <a:uFillTx/>
-                <a:latin typeface="Arial"/>
-                <a:hlinkClick r:id="rId1"/>
-              </a:rPr>
-              <a:t>https://portswigger.net/web-security/xxe</a:t>
+              <a:t>Exploit vulnerabilities in websites</a:t>
             </a:r>
             <a:endParaRPr b="0" lang="en-US" sz="1400" spc="-1" strike="noStrike">
               <a:latin typeface="Arial"/>
@@ -7381,91 +8925,7 @@
                 </a:solidFill>
                 <a:latin typeface="Arial"/>
               </a:rPr>
-              <a:t>Browse to http://&lt;ip&gt;:5005 and inspect</a:t>
-            </a:r>
-            <a:endParaRPr b="0" lang="en-US" sz="1400" spc="-1" strike="noStrike">
-              <a:latin typeface="Arial"/>
-            </a:endParaRPr>
-          </a:p>
-          <a:p>
-            <a:pPr lvl="1" marL="864000" indent="-323640">
-              <a:lnSpc>
-                <a:spcPct val="100000"/>
-              </a:lnSpc>
-              <a:spcBef>
-                <a:spcPts val="1134"/>
-              </a:spcBef>
-              <a:buClr>
-                <a:srgbClr val="000000"/>
-              </a:buClr>
-              <a:buSzPct val="75000"/>
-              <a:buFont typeface="Symbol"/>
-              <a:buChar char=""/>
-            </a:pPr>
-            <a:r>
-              <a:rPr b="0" lang="en-US" sz="1400" spc="-1" strike="noStrike">
-                <a:solidFill>
-                  <a:srgbClr val="000000"/>
-                </a:solidFill>
-                <a:latin typeface="Arial"/>
-              </a:rPr>
-              <a:t>Static analysis of how the webpage works</a:t>
-            </a:r>
-            <a:endParaRPr b="0" lang="en-US" sz="1400" spc="-1" strike="noStrike">
-              <a:latin typeface="Arial"/>
-            </a:endParaRPr>
-          </a:p>
-          <a:p>
-            <a:pPr lvl="1" marL="864000" indent="-323640">
-              <a:lnSpc>
-                <a:spcPct val="100000"/>
-              </a:lnSpc>
-              <a:spcBef>
-                <a:spcPts val="1134"/>
-              </a:spcBef>
-              <a:buClr>
-                <a:srgbClr val="000000"/>
-              </a:buClr>
-              <a:buSzPct val="75000"/>
-              <a:buFont typeface="Symbol"/>
-              <a:buChar char=""/>
-            </a:pPr>
-            <a:r>
-              <a:rPr b="0" lang="en-US" sz="1400" spc="-1" strike="noStrike">
-                <a:solidFill>
-                  <a:srgbClr val="000000"/>
-                </a:solidFill>
-                <a:latin typeface="Arial"/>
-              </a:rPr>
-              <a:t>XmlLocationCheckPayload.js</a:t>
-            </a:r>
-            <a:endParaRPr b="0" lang="en-US" sz="1400" spc="-1" strike="noStrike">
-              <a:latin typeface="Arial"/>
-            </a:endParaRPr>
-          </a:p>
-          <a:p>
-            <a:pPr lvl="2" marL="1296000" indent="-287640">
-              <a:lnSpc>
-                <a:spcPct val="100000"/>
-              </a:lnSpc>
-              <a:spcBef>
-                <a:spcPts val="850"/>
-              </a:spcBef>
-              <a:buClr>
-                <a:srgbClr val="000000"/>
-              </a:buClr>
-              <a:buSzPct val="45000"/>
-              <a:buFont typeface="Wingdings" charset="2"/>
-              <a:buChar char=""/>
-            </a:pPr>
-            <a:r>
-              <a:rPr b="0" lang="en-US" sz="1400" spc="-1" strike="noStrike">
-                <a:solidFill>
-                  <a:srgbClr val="000000"/>
-                </a:solidFill>
-                <a:latin typeface="Arial"/>
-              </a:rPr>
-              <a:t>XML crafted client side</a:t>
+              <a:t>SQL injection</a:t>
             </a:r>
             <a:endParaRPr b="0" lang="en-US" sz="1400" spc="-1" strike="noStrike">
               <a:latin typeface="Arial"/>
@@ -7493,7 +8953,7 @@
                 </a:solidFill>
                 <a:latin typeface="Arial"/>
               </a:rPr>
-              <a:t>Burpsuite intercept</a:t>
+              <a:t>Command injection</a:t>
             </a:r>
             <a:endParaRPr b="0" lang="en-US" sz="1400" spc="-1" strike="noStrike">
               <a:latin typeface="Arial"/>
@@ -7521,7 +8981,7 @@
                 </a:solidFill>
                 <a:latin typeface="Arial"/>
               </a:rPr>
-              <a:t>Browse to http://&lt;ip&gt;:5005 in burpsuite browser</a:t>
+              <a:t>LFI/RFI</a:t>
             </a:r>
             <a:endParaRPr b="0" lang="en-US" sz="1400" spc="-1" strike="noStrike">
               <a:latin typeface="Arial"/>
@@ -7549,17 +9009,27 @@
                 </a:solidFill>
                 <a:latin typeface="Arial"/>
               </a:rPr>
-              <a:t>Inject XML entity and retrieve /</a:t>
-            </a:r>
-            <a:r>
-              <a:rPr b="0" i="1" lang="en-US" sz="1400" spc="-1" strike="noStrike">
-                <a:solidFill>
-                  <a:srgbClr val="000000"/>
-                </a:solidFill>
-                <a:latin typeface="Arial"/>
-              </a:rPr>
-              <a:t>etc</a:t>
-            </a:r>
+              <a:t>Directory traversal</a:t>
+            </a:r>
+            <a:endParaRPr b="0" lang="en-US" sz="1400" spc="-1" strike="noStrike">
+              <a:latin typeface="Arial"/>
+            </a:endParaRPr>
+          </a:p>
+          <a:p>
+            <a:pPr marL="432000" indent="-323640">
+              <a:lnSpc>
+                <a:spcPct val="100000"/>
+              </a:lnSpc>
+              <a:spcBef>
+                <a:spcPts val="1417"/>
+              </a:spcBef>
+              <a:buClr>
+                <a:srgbClr val="000000"/>
+              </a:buClr>
+              <a:buSzPct val="45000"/>
+              <a:buFont typeface="Wingdings" charset="2"/>
+              <a:buChar char=""/>
+            </a:pPr>
             <a:r>
               <a:rPr b="0" lang="en-US" sz="1400" spc="-1" strike="noStrike">
                 <a:solidFill>
@@ -7567,7 +9037,119 @@
                 </a:solidFill>
                 <a:latin typeface="Arial"/>
               </a:rPr>
-              <a:t>/password</a:t>
+              <a:t>XSS</a:t>
+            </a:r>
+            <a:endParaRPr b="0" lang="en-US" sz="1400" spc="-1" strike="noStrike">
+              <a:latin typeface="Arial"/>
+            </a:endParaRPr>
+          </a:p>
+          <a:p>
+            <a:pPr marL="432000" indent="-323640">
+              <a:lnSpc>
+                <a:spcPct val="100000"/>
+              </a:lnSpc>
+              <a:spcBef>
+                <a:spcPts val="1417"/>
+              </a:spcBef>
+              <a:buClr>
+                <a:srgbClr val="000000"/>
+              </a:buClr>
+              <a:buSzPct val="45000"/>
+              <a:buFont typeface="Wingdings" charset="2"/>
+              <a:buChar char=""/>
+            </a:pPr>
+            <a:r>
+              <a:rPr b="0" lang="en-US" sz="1400" spc="-1" strike="noStrike">
+                <a:solidFill>
+                  <a:srgbClr val="000000"/>
+                </a:solidFill>
+                <a:latin typeface="Arial"/>
+              </a:rPr>
+              <a:t>CSRF</a:t>
+            </a:r>
+            <a:endParaRPr b="0" lang="en-US" sz="1400" spc="-1" strike="noStrike">
+              <a:latin typeface="Arial"/>
+            </a:endParaRPr>
+          </a:p>
+          <a:p>
+            <a:pPr marL="432000" indent="-323640">
+              <a:lnSpc>
+                <a:spcPct val="100000"/>
+              </a:lnSpc>
+              <a:spcBef>
+                <a:spcPts val="1417"/>
+              </a:spcBef>
+              <a:buClr>
+                <a:srgbClr val="000000"/>
+              </a:buClr>
+              <a:buSzPct val="45000"/>
+              <a:buFont typeface="Wingdings" charset="2"/>
+              <a:buChar char=""/>
+            </a:pPr>
+            <a:r>
+              <a:rPr b="0" lang="en-US" sz="1400" spc="-1" strike="noStrike">
+                <a:solidFill>
+                  <a:srgbClr val="000000"/>
+                </a:solidFill>
+                <a:latin typeface="Arial"/>
+              </a:rPr>
+              <a:t>SSRF</a:t>
+            </a:r>
+            <a:endParaRPr b="0" lang="en-US" sz="1400" spc="-1" strike="noStrike">
+              <a:latin typeface="Arial"/>
+            </a:endParaRPr>
+          </a:p>
+          <a:p>
+            <a:pPr marL="432000" indent="-323640">
+              <a:lnSpc>
+                <a:spcPct val="100000"/>
+              </a:lnSpc>
+              <a:spcBef>
+                <a:spcPts val="1417"/>
+              </a:spcBef>
+              <a:buClr>
+                <a:srgbClr val="000000"/>
+              </a:buClr>
+              <a:buSzPct val="45000"/>
+              <a:buFont typeface="Wingdings" charset="2"/>
+              <a:buChar char=""/>
+            </a:pPr>
+            <a:r>
+              <a:rPr b="0" lang="en-US" sz="1400" spc="-1" strike="noStrike">
+                <a:solidFill>
+                  <a:srgbClr val="000000"/>
+                </a:solidFill>
+                <a:latin typeface="Arial"/>
+              </a:rPr>
+              <a:t>Template Injection</a:t>
+            </a:r>
+            <a:endParaRPr b="0" lang="en-US" sz="1400" spc="-1" strike="noStrike">
+              <a:latin typeface="Arial"/>
+            </a:endParaRPr>
+          </a:p>
+          <a:p>
+            <a:pPr marL="432000" indent="-323640">
+              <a:lnSpc>
+                <a:spcPct val="100000"/>
+              </a:lnSpc>
+              <a:spcBef>
+                <a:spcPts val="1417"/>
+              </a:spcBef>
+              <a:buClr>
+                <a:srgbClr val="000000"/>
+              </a:buClr>
+              <a:buSzPct val="45000"/>
+              <a:buFont typeface="Wingdings" charset="2"/>
+              <a:buChar char=""/>
+            </a:pPr>
+            <a:r>
+              <a:rPr b="0" lang="en-US" sz="1400" spc="-1" strike="noStrike">
+                <a:solidFill>
+                  <a:srgbClr val="000000"/>
+                </a:solidFill>
+                <a:latin typeface="Arial"/>
+              </a:rPr>
+              <a:t>Many more</a:t>
             </a:r>
             <a:endParaRPr b="0" lang="en-US" sz="1400" spc="-1" strike="noStrike">
               <a:latin typeface="Arial"/>
@@ -7607,7 +9189,7 @@
       </p:grpSpPr>
       <p:sp>
         <p:nvSpPr>
-          <p:cNvPr id="181" name="CustomShape 1"/>
+          <p:cNvPr id="221" name="CustomShape 1"/>
           <p:cNvSpPr/>
           <p:nvPr/>
         </p:nvSpPr>
@@ -7648,7 +9230,7 @@
                 <a:latin typeface="Arial"/>
                 <a:ea typeface="Arial"/>
               </a:rPr>
-              <a:t>Cryptography</a:t>
+              <a:t>Web Exploitation Example</a:t>
             </a:r>
             <a:endParaRPr b="0" lang="en-US" sz="2800" spc="-1" strike="noStrike">
               <a:latin typeface="Arial"/>
@@ -7658,7 +9240,7 @@
       </p:sp>
       <p:sp>
         <p:nvSpPr>
-          <p:cNvPr id="182" name="CustomShape 2"/>
+          <p:cNvPr id="222" name="CustomShape 2"/>
           <p:cNvSpPr/>
           <p:nvPr/>
         </p:nvSpPr>
@@ -7683,7 +9265,7 @@
         </p:style>
         <p:txBody>
           <a:bodyPr lIns="90000" rIns="90000" tIns="91440" bIns="91440">
-            <a:normAutofit/>
+            <a:normAutofit fontScale="91000"/>
           </a:bodyPr>
           <a:p>
             <a:pPr marL="432000" indent="-323640">
@@ -7707,7 +9289,171 @@
                 </a:solidFill>
                 <a:latin typeface="Arial"/>
               </a:rPr>
-              <a:t>Easy text based ciphers and encoding</a:t>
+              <a:t>XXE (XML External Entity injection)</a:t>
+            </a:r>
+            <a:endParaRPr b="0" lang="en-US" sz="1400" spc="-1" strike="noStrike">
+              <a:latin typeface="Arial"/>
+            </a:endParaRPr>
+          </a:p>
+          <a:p>
+            <a:pPr lvl="1" marL="864000" indent="-323640">
+              <a:lnSpc>
+                <a:spcPct val="100000"/>
+              </a:lnSpc>
+              <a:spcBef>
+                <a:spcPts val="1134"/>
+              </a:spcBef>
+              <a:buClr>
+                <a:srgbClr val="000000"/>
+              </a:buClr>
+              <a:buSzPct val="75000"/>
+              <a:buFont typeface="Symbol"/>
+              <a:buChar char=""/>
+            </a:pPr>
+            <a:r>
+              <a:rPr b="0" lang="en-US" sz="1400" spc="-1" strike="noStrike">
+                <a:solidFill>
+                  <a:srgbClr val="000000"/>
+                </a:solidFill>
+                <a:latin typeface="Arial"/>
+              </a:rPr>
+              <a:t>Allows attackers to interfere with a web apps XML processing</a:t>
+            </a:r>
+            <a:endParaRPr b="0" lang="en-US" sz="1400" spc="-1" strike="noStrike">
+              <a:latin typeface="Arial"/>
+            </a:endParaRPr>
+          </a:p>
+          <a:p>
+            <a:pPr lvl="1" marL="864000" indent="-323640">
+              <a:lnSpc>
+                <a:spcPct val="100000"/>
+              </a:lnSpc>
+              <a:spcBef>
+                <a:spcPts val="1134"/>
+              </a:spcBef>
+              <a:buClr>
+                <a:srgbClr val="000000"/>
+              </a:buClr>
+              <a:buSzPct val="75000"/>
+              <a:buFont typeface="Symbol"/>
+              <a:buChar char=""/>
+            </a:pPr>
+            <a:r>
+              <a:rPr b="0" lang="en-US" sz="1400" spc="-1" strike="noStrike" u="sng">
+                <a:solidFill>
+                  <a:srgbClr val="0000ff"/>
+                </a:solidFill>
+                <a:uFillTx/>
+                <a:latin typeface="Arial"/>
+                <a:hlinkClick r:id="rId1"/>
+              </a:rPr>
+              <a:t>https://portswigger.net/web-security/xxe</a:t>
+            </a:r>
+            <a:endParaRPr b="0" lang="en-US" sz="1400" spc="-1" strike="noStrike">
+              <a:latin typeface="Arial"/>
+            </a:endParaRPr>
+          </a:p>
+          <a:p>
+            <a:pPr>
+              <a:lnSpc>
+                <a:spcPct val="100000"/>
+              </a:lnSpc>
+              <a:spcBef>
+                <a:spcPts val="1417"/>
+              </a:spcBef>
+            </a:pPr>
+            <a:r>
+              <a:rPr b="0" lang="en-US" sz="1400" spc="-1" strike="noStrike">
+                <a:solidFill>
+                  <a:srgbClr val="000000"/>
+                </a:solidFill>
+                <a:latin typeface="Arial"/>
+              </a:rPr>
+              <a:t>Browse to http://34.172.238.23:5005 and inspect</a:t>
+            </a:r>
+            <a:endParaRPr b="0" lang="en-US" sz="1400" spc="-1" strike="noStrike">
+              <a:latin typeface="Arial"/>
+            </a:endParaRPr>
+          </a:p>
+          <a:p>
+            <a:pPr lvl="1" marL="864000" indent="-323640">
+              <a:lnSpc>
+                <a:spcPct val="100000"/>
+              </a:lnSpc>
+              <a:spcBef>
+                <a:spcPts val="1134"/>
+              </a:spcBef>
+              <a:buClr>
+                <a:srgbClr val="000000"/>
+              </a:buClr>
+              <a:buSzPct val="75000"/>
+              <a:buFont typeface="Symbol"/>
+              <a:buChar char=""/>
+            </a:pPr>
+            <a:r>
+              <a:rPr b="0" lang="en-US" sz="1400" spc="-1" strike="noStrike">
+                <a:solidFill>
+                  <a:srgbClr val="000000"/>
+                </a:solidFill>
+                <a:latin typeface="Arial"/>
+              </a:rPr>
+              <a:t>Static analysis of how the webpage works</a:t>
+            </a:r>
+            <a:endParaRPr b="0" lang="en-US" sz="1400" spc="-1" strike="noStrike">
+              <a:latin typeface="Arial"/>
+            </a:endParaRPr>
+          </a:p>
+          <a:p>
+            <a:pPr lvl="1" marL="864000" indent="-323640">
+              <a:lnSpc>
+                <a:spcPct val="100000"/>
+              </a:lnSpc>
+              <a:spcBef>
+                <a:spcPts val="1134"/>
+              </a:spcBef>
+              <a:buClr>
+                <a:srgbClr val="000000"/>
+              </a:buClr>
+              <a:buSzPct val="75000"/>
+              <a:buFont typeface="Symbol"/>
+              <a:buChar char=""/>
+            </a:pPr>
+            <a:r>
+              <a:rPr b="0" lang="en-US" sz="1400" spc="-1" strike="noStrike">
+                <a:solidFill>
+                  <a:srgbClr val="000000"/>
+                </a:solidFill>
+                <a:latin typeface="Arial"/>
+              </a:rPr>
+              <a:t>XmlLocationCheckPayload.js</a:t>
+            </a:r>
+            <a:endParaRPr b="0" lang="en-US" sz="1400" spc="-1" strike="noStrike">
+              <a:latin typeface="Arial"/>
+            </a:endParaRPr>
+          </a:p>
+          <a:p>
+            <a:pPr lvl="2" marL="1296000" indent="-287640">
+              <a:lnSpc>
+                <a:spcPct val="100000"/>
+              </a:lnSpc>
+              <a:spcBef>
+                <a:spcPts val="850"/>
+              </a:spcBef>
+              <a:buClr>
+                <a:srgbClr val="000000"/>
+              </a:buClr>
+              <a:buSzPct val="45000"/>
+              <a:buFont typeface="Wingdings" charset="2"/>
+              <a:buChar char=""/>
+            </a:pPr>
+            <a:r>
+              <a:rPr b="0" lang="en-US" sz="1400" spc="-1" strike="noStrike">
+                <a:solidFill>
+                  <a:srgbClr val="000000"/>
+                </a:solidFill>
+                <a:latin typeface="Arial"/>
+              </a:rPr>
+              <a:t>XML crafted client side</a:t>
             </a:r>
             <a:endParaRPr b="0" lang="en-US" sz="1400" spc="-1" strike="noStrike">
               <a:latin typeface="Arial"/>
@@ -7735,7 +9481,39 @@
                 </a:solidFill>
                 <a:latin typeface="Arial"/>
               </a:rPr>
-              <a:t>Block Ciphers</a:t>
+              <a:t>Burpsuite intercept</a:t>
+            </a:r>
+            <a:endParaRPr b="0" lang="en-US" sz="1400" spc="-1" strike="noStrike">
+              <a:latin typeface="Arial"/>
+            </a:endParaRPr>
+          </a:p>
+          <a:p>
+            <a:pPr>
+              <a:lnSpc>
+                <a:spcPct val="100000"/>
+              </a:lnSpc>
+              <a:spcBef>
+                <a:spcPts val="1417"/>
+              </a:spcBef>
+            </a:pPr>
+            <a:r>
+              <a:rPr b="0" lang="en-US" sz="1400" spc="-1" strike="noStrike">
+                <a:solidFill>
+                  <a:srgbClr val="000000"/>
+                </a:solidFill>
+                <a:latin typeface="Arial"/>
+                <a:ea typeface="Noto Sans CJK SC"/>
+              </a:rPr>
+              <a:t>Browse to http//</a:t>
+            </a:r>
+            <a:r>
+              <a:rPr b="0" lang="en-US" sz="1400" spc="-1" strike="noStrike">
+                <a:solidFill>
+                  <a:srgbClr val="000000"/>
+                </a:solidFill>
+                <a:latin typeface="Arial"/>
+              </a:rPr>
+              <a:t>34.172.238.23:5005 in burpsuite browser</a:t>
             </a:r>
             <a:endParaRPr b="0" lang="en-US" sz="1400" spc="-1" strike="noStrike">
               <a:latin typeface="Arial"/>
@@ -7763,27 +9541,17 @@
                 </a:solidFill>
                 <a:latin typeface="Arial"/>
               </a:rPr>
-              <a:t>Stream Ciphers</a:t>
-            </a:r>
-            <a:endParaRPr b="0" lang="en-US" sz="1400" spc="-1" strike="noStrike">
-              <a:latin typeface="Arial"/>
-            </a:endParaRPr>
-          </a:p>
-          <a:p>
-            <a:pPr marL="432000" indent="-323640">
-              <a:lnSpc>
-                <a:spcPct val="100000"/>
-              </a:lnSpc>
-              <a:spcBef>
-                <a:spcPts val="1417"/>
-              </a:spcBef>
-              <a:buClr>
-                <a:srgbClr val="000000"/>
-              </a:buClr>
-              <a:buSzPct val="45000"/>
-              <a:buFont typeface="Wingdings" charset="2"/>
-              <a:buChar char=""/>
-            </a:pPr>
+              <a:t>Inject XML entity and retrieve /</a:t>
+            </a:r>
+            <a:r>
+              <a:rPr b="0" i="1" lang="en-US" sz="1400" spc="-1" strike="noStrike">
+                <a:solidFill>
+                  <a:srgbClr val="000000"/>
+                </a:solidFill>
+                <a:latin typeface="Arial"/>
+              </a:rPr>
+              <a:t>etc</a:t>
+            </a:r>
             <a:r>
               <a:rPr b="0" lang="en-US" sz="1400" spc="-1" strike="noStrike">
                 <a:solidFill>
@@ -7791,7 +9559,7 @@
                 </a:solidFill>
                 <a:latin typeface="Arial"/>
               </a:rPr>
-              <a:t>RSA</a:t>
+              <a:t>/password</a:t>
             </a:r>
             <a:endParaRPr b="0" lang="en-US" sz="1400" spc="-1" strike="noStrike">
               <a:latin typeface="Arial"/>
@@ -7831,7 +9599,7 @@
       </p:grpSpPr>
       <p:sp>
         <p:nvSpPr>
-          <p:cNvPr id="183" name="CustomShape 1"/>
+          <p:cNvPr id="223" name="CustomShape 1"/>
           <p:cNvSpPr/>
           <p:nvPr/>
         </p:nvSpPr>
@@ -7872,7 +9640,7 @@
                 <a:latin typeface="Arial"/>
                 <a:ea typeface="Arial"/>
               </a:rPr>
-              <a:t>Cryptography Example</a:t>
+              <a:t>Cryptography</a:t>
             </a:r>
             <a:endParaRPr b="0" lang="en-US" sz="2800" spc="-1" strike="noStrike">
               <a:latin typeface="Arial"/>
@@ -7882,7 +9650,7 @@
       </p:sp>
       <p:sp>
         <p:nvSpPr>
-          <p:cNvPr id="184" name="CustomShape 2"/>
+          <p:cNvPr id="224" name="CustomShape 2"/>
           <p:cNvSpPr/>
           <p:nvPr/>
         </p:nvSpPr>
@@ -7931,35 +9699,7 @@
                 </a:solidFill>
                 <a:latin typeface="Arial"/>
               </a:rPr>
-              <a:t>Single byte XOR</a:t>
-            </a:r>
-            <a:endParaRPr b="0" lang="en-US" sz="1400" spc="-1" strike="noStrike">
-              <a:latin typeface="Arial"/>
-            </a:endParaRPr>
-          </a:p>
-          <a:p>
-            <a:pPr lvl="1" marL="864000" indent="-323640">
-              <a:lnSpc>
-                <a:spcPct val="100000"/>
-              </a:lnSpc>
-              <a:spcBef>
-                <a:spcPts val="1134"/>
-              </a:spcBef>
-              <a:buClr>
-                <a:srgbClr val="000000"/>
-              </a:buClr>
-              <a:buSzPct val="75000"/>
-              <a:buFont typeface="Symbol"/>
-              <a:buChar char=""/>
-            </a:pPr>
-            <a:r>
-              <a:rPr b="0" lang="en-US" sz="1400" spc="-1" strike="noStrike">
-                <a:solidFill>
-                  <a:srgbClr val="000000"/>
-                </a:solidFill>
-                <a:latin typeface="Arial"/>
-              </a:rPr>
-              <a:t>Bitwise operation</a:t>
+              <a:t>Easy text based ciphers and encoding</a:t>
             </a:r>
             <a:endParaRPr b="0" lang="en-US" sz="1400" spc="-1" strike="noStrike">
               <a:latin typeface="Arial"/>
@@ -7987,35 +9727,7 @@
                 </a:solidFill>
                 <a:latin typeface="Arial"/>
               </a:rPr>
-              <a:t>Can we reverse the XOR operation?</a:t>
-            </a:r>
-            <a:endParaRPr b="0" lang="en-US" sz="1400" spc="-1" strike="noStrike">
-              <a:latin typeface="Arial"/>
-            </a:endParaRPr>
-          </a:p>
-          <a:p>
-            <a:pPr lvl="1" marL="864000" indent="-323640">
-              <a:lnSpc>
-                <a:spcPct val="100000"/>
-              </a:lnSpc>
-              <a:spcBef>
-                <a:spcPts val="1134"/>
-              </a:spcBef>
-              <a:buClr>
-                <a:srgbClr val="000000"/>
-              </a:buClr>
-              <a:buSzPct val="75000"/>
-              <a:buFont typeface="Symbol"/>
-              <a:buChar char=""/>
-            </a:pPr>
-            <a:r>
-              <a:rPr b="0" lang="en-US" sz="1400" spc="-1" strike="noStrike">
-                <a:solidFill>
-                  <a:srgbClr val="000000"/>
-                </a:solidFill>
-                <a:latin typeface="Arial"/>
-              </a:rPr>
-              <a:t>Commutative property of XOR</a:t>
+              <a:t>Block Ciphers</a:t>
             </a:r>
             <a:endParaRPr b="0" lang="en-US" sz="1400" spc="-1" strike="noStrike">
               <a:latin typeface="Arial"/>
@@ -8043,26 +9755,26 @@
                 </a:solidFill>
                 <a:latin typeface="Arial"/>
               </a:rPr>
-              <a:t>Brute forcing the key space</a:t>
+              <a:t>Stream Ciphers</a:t>
             </a:r>
             <a:endParaRPr b="0" lang="en-US" sz="1400" spc="-1" strike="noStrike">
               <a:latin typeface="Arial"/>
             </a:endParaRPr>
           </a:p>
           <a:p>
-            <a:pPr lvl="1" marL="864000" indent="-323640">
+            <a:pPr marL="432000" indent="-323640">
               <a:lnSpc>
                 <a:spcPct val="100000"/>
               </a:lnSpc>
               <a:spcBef>
-                <a:spcPts val="1134"/>
+                <a:spcPts val="1417"/>
               </a:spcBef>
               <a:buClr>
                 <a:srgbClr val="000000"/>
               </a:buClr>
-              <a:buSzPct val="75000"/>
-              <a:buFont typeface="Symbol"/>
-              <a:buChar char=""/>
+              <a:buSzPct val="45000"/>
+              <a:buFont typeface="Wingdings" charset="2"/>
+              <a:buChar char=""/>
             </a:pPr>
             <a:r>
               <a:rPr b="0" lang="en-US" sz="1400" spc="-1" strike="noStrike">
@@ -8071,63 +9783,7 @@
                 </a:solidFill>
                 <a:latin typeface="Arial"/>
               </a:rPr>
-              <a:t>2^n number of bits</a:t>
-            </a:r>
-            <a:endParaRPr b="0" lang="en-US" sz="1400" spc="-1" strike="noStrike">
-              <a:latin typeface="Arial"/>
-            </a:endParaRPr>
-          </a:p>
-          <a:p>
-            <a:pPr lvl="1" marL="864000" indent="-323640">
-              <a:lnSpc>
-                <a:spcPct val="100000"/>
-              </a:lnSpc>
-              <a:spcBef>
-                <a:spcPts val="1134"/>
-              </a:spcBef>
-              <a:buClr>
-                <a:srgbClr val="000000"/>
-              </a:buClr>
-              <a:buSzPct val="75000"/>
-              <a:buFont typeface="Symbol"/>
-              <a:buChar char=""/>
-            </a:pPr>
-            <a:r>
-              <a:rPr b="0" lang="en-US" sz="1400" spc="-1" strike="noStrike">
-                <a:solidFill>
-                  <a:srgbClr val="000000"/>
-                </a:solidFill>
-                <a:latin typeface="Arial"/>
-              </a:rPr>
-              <a:t>8 bits per byte</a:t>
-            </a:r>
-            <a:endParaRPr b="0" lang="en-US" sz="1400" spc="-1" strike="noStrike">
-              <a:latin typeface="Arial"/>
-            </a:endParaRPr>
-          </a:p>
-          <a:p>
-            <a:pPr lvl="1" marL="864000" indent="-323640">
-              <a:lnSpc>
-                <a:spcPct val="100000"/>
-              </a:lnSpc>
-              <a:spcBef>
-                <a:spcPts val="1134"/>
-              </a:spcBef>
-              <a:buClr>
-                <a:srgbClr val="000000"/>
-              </a:buClr>
-              <a:buSzPct val="75000"/>
-              <a:buFont typeface="Symbol"/>
-              <a:buChar char=""/>
-            </a:pPr>
-            <a:r>
-              <a:rPr b="0" lang="en-US" sz="1400" spc="-1" strike="noStrike">
-                <a:solidFill>
-                  <a:srgbClr val="000000"/>
-                </a:solidFill>
-                <a:latin typeface="Arial"/>
-              </a:rPr>
-              <a:t>1 byte = 256 possible values</a:t>
+              <a:t>RSA</a:t>
             </a:r>
             <a:endParaRPr b="0" lang="en-US" sz="1400" spc="-1" strike="noStrike">
               <a:latin typeface="Arial"/>
@@ -8167,7 +9823,7 @@
       </p:grpSpPr>
       <p:sp>
         <p:nvSpPr>
-          <p:cNvPr id="185" name="CustomShape 1"/>
+          <p:cNvPr id="225" name="CustomShape 1"/>
           <p:cNvSpPr/>
           <p:nvPr/>
         </p:nvSpPr>
@@ -8208,7 +9864,7 @@
                 <a:latin typeface="Arial"/>
                 <a:ea typeface="Arial"/>
               </a:rPr>
-              <a:t>Forensics</a:t>
+              <a:t>Cryptography Example</a:t>
             </a:r>
             <a:endParaRPr b="0" lang="en-US" sz="2800" spc="-1" strike="noStrike">
               <a:latin typeface="Arial"/>
@@ -8218,7 +9874,7 @@
       </p:sp>
       <p:sp>
         <p:nvSpPr>
-          <p:cNvPr id="186" name="CustomShape 2"/>
+          <p:cNvPr id="226" name="CustomShape 2"/>
           <p:cNvSpPr/>
           <p:nvPr/>
         </p:nvSpPr>
@@ -8267,7 +9923,35 @@
                 </a:solidFill>
                 <a:latin typeface="Arial"/>
               </a:rPr>
-              <a:t>Understanding file formats</a:t>
+              <a:t>Single byte XOR</a:t>
+            </a:r>
+            <a:endParaRPr b="0" lang="en-US" sz="1400" spc="-1" strike="noStrike">
+              <a:latin typeface="Arial"/>
+            </a:endParaRPr>
+          </a:p>
+          <a:p>
+            <a:pPr lvl="1" marL="864000" indent="-323640">
+              <a:lnSpc>
+                <a:spcPct val="100000"/>
+              </a:lnSpc>
+              <a:spcBef>
+                <a:spcPts val="1134"/>
+              </a:spcBef>
+              <a:buClr>
+                <a:srgbClr val="000000"/>
+              </a:buClr>
+              <a:buSzPct val="75000"/>
+              <a:buFont typeface="Symbol"/>
+              <a:buChar char=""/>
+            </a:pPr>
+            <a:r>
+              <a:rPr b="0" lang="en-US" sz="1400" spc="-1" strike="noStrike">
+                <a:solidFill>
+                  <a:srgbClr val="000000"/>
+                </a:solidFill>
+                <a:latin typeface="Arial"/>
+              </a:rPr>
+              <a:t>Bitwise operation</a:t>
             </a:r>
             <a:endParaRPr b="0" lang="en-US" sz="1400" spc="-1" strike="noStrike">
               <a:latin typeface="Arial"/>
@@ -8295,7 +9979,63 @@
                 </a:solidFill>
                 <a:latin typeface="Arial"/>
               </a:rPr>
-              <a:t>Packet captures</a:t>
+              <a:t>Can we reverse the XOR operation?</a:t>
+            </a:r>
+            <a:endParaRPr b="0" lang="en-US" sz="1400" spc="-1" strike="noStrike">
+              <a:latin typeface="Arial"/>
+            </a:endParaRPr>
+          </a:p>
+          <a:p>
+            <a:pPr lvl="1" marL="864000" indent="-323640">
+              <a:lnSpc>
+                <a:spcPct val="100000"/>
+              </a:lnSpc>
+              <a:spcBef>
+                <a:spcPts val="1134"/>
+              </a:spcBef>
+              <a:buClr>
+                <a:srgbClr val="000000"/>
+              </a:buClr>
+              <a:buSzPct val="75000"/>
+              <a:buFont typeface="Symbol"/>
+              <a:buChar char=""/>
+            </a:pPr>
+            <a:r>
+              <a:rPr b="0" lang="en-US" sz="1400" spc="-1" strike="noStrike">
+                <a:solidFill>
+                  <a:srgbClr val="000000"/>
+                </a:solidFill>
+                <a:latin typeface="Arial"/>
+              </a:rPr>
+              <a:t>Commutative property of XOR</a:t>
+            </a:r>
+            <a:endParaRPr b="0" lang="en-US" sz="1400" spc="-1" strike="noStrike">
+              <a:latin typeface="Arial"/>
+            </a:endParaRPr>
+          </a:p>
+          <a:p>
+            <a:pPr lvl="1" marL="864000" indent="-323640">
+              <a:lnSpc>
+                <a:spcPct val="100000"/>
+              </a:lnSpc>
+              <a:spcBef>
+                <a:spcPts val="1134"/>
+              </a:spcBef>
+              <a:buClr>
+                <a:srgbClr val="000000"/>
+              </a:buClr>
+              <a:buSzPct val="75000"/>
+              <a:buFont typeface="Symbol"/>
+              <a:buChar char=""/>
+            </a:pPr>
+            <a:r>
+              <a:rPr b="0" lang="en-US" sz="1400" spc="-1" strike="noStrike">
+                <a:solidFill>
+                  <a:srgbClr val="000000"/>
+                </a:solidFill>
+                <a:latin typeface="Arial"/>
+              </a:rPr>
+              <a:t>A ^ B = C and also A ^ C = B</a:t>
             </a:r>
             <a:endParaRPr b="0" lang="en-US" sz="1400" spc="-1" strike="noStrike">
               <a:latin typeface="Arial"/>
@@ -8323,26 +10063,26 @@
                 </a:solidFill>
                 <a:latin typeface="Arial"/>
               </a:rPr>
-              <a:t>Steganography</a:t>
+              <a:t>Brute forcing the key space</a:t>
             </a:r>
             <a:endParaRPr b="0" lang="en-US" sz="1400" spc="-1" strike="noStrike">
               <a:latin typeface="Arial"/>
             </a:endParaRPr>
           </a:p>
           <a:p>
-            <a:pPr marL="432000" indent="-323640">
+            <a:pPr lvl="1" marL="864000" indent="-323640">
               <a:lnSpc>
                 <a:spcPct val="100000"/>
               </a:lnSpc>
               <a:spcBef>
-                <a:spcPts val="1417"/>
+                <a:spcPts val="1134"/>
               </a:spcBef>
               <a:buClr>
                 <a:srgbClr val="000000"/>
               </a:buClr>
-              <a:buSzPct val="45000"/>
-              <a:buFont typeface="Wingdings" charset="2"/>
-              <a:buChar char=""/>
+              <a:buSzPct val="75000"/>
+              <a:buFont typeface="Symbol"/>
+              <a:buChar char=""/>
             </a:pPr>
             <a:r>
               <a:rPr b="0" lang="en-US" sz="1400" spc="-1" strike="noStrike">
@@ -8351,26 +10091,26 @@
                 </a:solidFill>
                 <a:latin typeface="Arial"/>
               </a:rPr>
-              <a:t>Memory analysis</a:t>
+              <a:t>2^n number of bits</a:t>
             </a:r>
             <a:endParaRPr b="0" lang="en-US" sz="1400" spc="-1" strike="noStrike">
               <a:latin typeface="Arial"/>
             </a:endParaRPr>
           </a:p>
           <a:p>
-            <a:pPr marL="432000" indent="-323640">
+            <a:pPr lvl="1" marL="864000" indent="-323640">
               <a:lnSpc>
                 <a:spcPct val="100000"/>
               </a:lnSpc>
               <a:spcBef>
-                <a:spcPts val="1417"/>
+                <a:spcPts val="1134"/>
               </a:spcBef>
               <a:buClr>
                 <a:srgbClr val="000000"/>
               </a:buClr>
-              <a:buSzPct val="45000"/>
-              <a:buFont typeface="Wingdings" charset="2"/>
-              <a:buChar char=""/>
+              <a:buSzPct val="75000"/>
+              <a:buFont typeface="Symbol"/>
+              <a:buChar char=""/>
             </a:pPr>
             <a:r>
               <a:rPr b="0" lang="en-US" sz="1400" spc="-1" strike="noStrike">
@@ -8379,7 +10119,35 @@
                 </a:solidFill>
                 <a:latin typeface="Arial"/>
               </a:rPr>
-              <a:t>Disk images</a:t>
+              <a:t>8 bits per byte</a:t>
+            </a:r>
+            <a:endParaRPr b="0" lang="en-US" sz="1400" spc="-1" strike="noStrike">
+              <a:latin typeface="Arial"/>
+            </a:endParaRPr>
+          </a:p>
+          <a:p>
+            <a:pPr lvl="1" marL="864000" indent="-323640">
+              <a:lnSpc>
+                <a:spcPct val="100000"/>
+              </a:lnSpc>
+              <a:spcBef>
+                <a:spcPts val="1134"/>
+              </a:spcBef>
+              <a:buClr>
+                <a:srgbClr val="000000"/>
+              </a:buClr>
+              <a:buSzPct val="75000"/>
+              <a:buFont typeface="Symbol"/>
+              <a:buChar char=""/>
+            </a:pPr>
+            <a:r>
+              <a:rPr b="0" lang="en-US" sz="1400" spc="-1" strike="noStrike">
+                <a:solidFill>
+                  <a:srgbClr val="000000"/>
+                </a:solidFill>
+                <a:latin typeface="Arial"/>
+              </a:rPr>
+              <a:t>1 byte = 256 possible values</a:t>
             </a:r>
             <a:endParaRPr b="0" lang="en-US" sz="1400" spc="-1" strike="noStrike">
               <a:latin typeface="Arial"/>
@@ -8419,7 +10187,7 @@
       </p:grpSpPr>
       <p:sp>
         <p:nvSpPr>
-          <p:cNvPr id="187" name="CustomShape 1"/>
+          <p:cNvPr id="227" name="CustomShape 1"/>
           <p:cNvSpPr/>
           <p:nvPr/>
         </p:nvSpPr>
@@ -8460,7 +10228,7 @@
                 <a:latin typeface="Arial"/>
                 <a:ea typeface="Arial"/>
               </a:rPr>
-              <a:t>Forensics Example </a:t>
+              <a:t>Forensics</a:t>
             </a:r>
             <a:endParaRPr b="0" lang="en-US" sz="2800" spc="-1" strike="noStrike">
               <a:latin typeface="Arial"/>
@@ -8470,7 +10238,7 @@
       </p:sp>
       <p:sp>
         <p:nvSpPr>
-          <p:cNvPr id="188" name="CustomShape 2"/>
+          <p:cNvPr id="228" name="CustomShape 2"/>
           <p:cNvSpPr/>
           <p:nvPr/>
         </p:nvSpPr>
@@ -8519,7 +10287,7 @@
                 </a:solidFill>
                 <a:latin typeface="Arial"/>
               </a:rPr>
-              <a:t>Corrupt image recovery</a:t>
+              <a:t>Understanding file formats</a:t>
             </a:r>
             <a:endParaRPr b="0" lang="en-US" sz="1400" spc="-1" strike="noStrike">
               <a:latin typeface="Arial"/>
@@ -8547,35 +10315,7 @@
                 </a:solidFill>
                 <a:latin typeface="Arial"/>
               </a:rPr>
-              <a:t>Look at the magic bytes!</a:t>
-            </a:r>
-            <a:endParaRPr b="0" lang="en-US" sz="1400" spc="-1" strike="noStrike">
-              <a:latin typeface="Arial"/>
-            </a:endParaRPr>
-          </a:p>
-          <a:p>
-            <a:pPr lvl="1" marL="864000" indent="-323640">
-              <a:lnSpc>
-                <a:spcPct val="100000"/>
-              </a:lnSpc>
-              <a:spcBef>
-                <a:spcPts val="1134"/>
-              </a:spcBef>
-              <a:buClr>
-                <a:srgbClr val="000000"/>
-              </a:buClr>
-              <a:buSzPct val="75000"/>
-              <a:buFont typeface="Symbol"/>
-              <a:buChar char=""/>
-            </a:pPr>
-            <a:r>
-              <a:rPr b="0" lang="en-US" sz="1400" spc="-1" strike="noStrike">
-                <a:solidFill>
-                  <a:srgbClr val="000000"/>
-                </a:solidFill>
-                <a:latin typeface="Arial"/>
-              </a:rPr>
-              <a:t>Header information about the image</a:t>
+              <a:t>Packet captures</a:t>
             </a:r>
             <a:endParaRPr b="0" lang="en-US" sz="1400" spc="-1" strike="noStrike">
               <a:latin typeface="Arial"/>
@@ -8603,26 +10343,26 @@
                 </a:solidFill>
                 <a:latin typeface="Arial"/>
               </a:rPr>
-              <a:t>Can we repair it?</a:t>
+              <a:t>Steganography</a:t>
             </a:r>
             <a:endParaRPr b="0" lang="en-US" sz="1400" spc="-1" strike="noStrike">
               <a:latin typeface="Arial"/>
             </a:endParaRPr>
           </a:p>
           <a:p>
-            <a:pPr lvl="1" marL="864000" indent="-323640">
+            <a:pPr marL="432000" indent="-323640">
               <a:lnSpc>
                 <a:spcPct val="100000"/>
               </a:lnSpc>
               <a:spcBef>
-                <a:spcPts val="1134"/>
+                <a:spcPts val="1417"/>
               </a:spcBef>
               <a:buClr>
                 <a:srgbClr val="000000"/>
               </a:buClr>
-              <a:buSzPct val="75000"/>
-              <a:buFont typeface="Symbol"/>
-              <a:buChar char=""/>
+              <a:buSzPct val="45000"/>
+              <a:buFont typeface="Wingdings" charset="2"/>
+              <a:buChar char=""/>
             </a:pPr>
             <a:r>
               <a:rPr b="0" lang="en-US" sz="1400" spc="-1" strike="noStrike">
@@ -8631,26 +10371,26 @@
                 </a:solidFill>
                 <a:latin typeface="Arial"/>
               </a:rPr>
-              <a:t>Look up what the header should look like</a:t>
+              <a:t>Memory analysis</a:t>
             </a:r>
             <a:endParaRPr b="0" lang="en-US" sz="1400" spc="-1" strike="noStrike">
               <a:latin typeface="Arial"/>
             </a:endParaRPr>
           </a:p>
           <a:p>
-            <a:pPr lvl="1" marL="864000" indent="-323640">
+            <a:pPr marL="432000" indent="-323640">
               <a:lnSpc>
                 <a:spcPct val="100000"/>
               </a:lnSpc>
               <a:spcBef>
-                <a:spcPts val="1134"/>
+                <a:spcPts val="1417"/>
               </a:spcBef>
               <a:buClr>
                 <a:srgbClr val="000000"/>
               </a:buClr>
-              <a:buSzPct val="75000"/>
-              <a:buFont typeface="Symbol"/>
-              <a:buChar char=""/>
+              <a:buSzPct val="45000"/>
+              <a:buFont typeface="Wingdings" charset="2"/>
+              <a:buChar char=""/>
             </a:pPr>
             <a:r>
               <a:rPr b="0" lang="en-US" sz="1400" spc="-1" strike="noStrike">
@@ -8659,7 +10399,7 @@
                 </a:solidFill>
                 <a:latin typeface="Arial"/>
               </a:rPr>
-              <a:t>Use a hex editor such as ghex to repair</a:t>
+              <a:t>Disk images</a:t>
             </a:r>
             <a:endParaRPr b="0" lang="en-US" sz="1400" spc="-1" strike="noStrike">
               <a:latin typeface="Arial"/>
@@ -8699,7 +10439,7 @@
       </p:grpSpPr>
       <p:sp>
         <p:nvSpPr>
-          <p:cNvPr id="189" name="CustomShape 1"/>
+          <p:cNvPr id="229" name="CustomShape 1"/>
           <p:cNvSpPr/>
           <p:nvPr/>
         </p:nvSpPr>
@@ -8740,7 +10480,7 @@
                 <a:latin typeface="Arial"/>
                 <a:ea typeface="Arial"/>
               </a:rPr>
-              <a:t>This week’s CTF</a:t>
+              <a:t>Forensics Example </a:t>
             </a:r>
             <a:endParaRPr b="0" lang="en-US" sz="2800" spc="-1" strike="noStrike">
               <a:latin typeface="Arial"/>
@@ -8750,7 +10490,7 @@
       </p:sp>
       <p:sp>
         <p:nvSpPr>
-          <p:cNvPr id="190" name="CustomShape 2"/>
+          <p:cNvPr id="230" name="CustomShape 2"/>
           <p:cNvSpPr/>
           <p:nvPr/>
         </p:nvSpPr>
@@ -8799,18 +10539,7 @@
                 </a:solidFill>
                 <a:latin typeface="Arial"/>
               </a:rPr>
-              <a:t>Log into </a:t>
-            </a:r>
-            <a:r>
-              <a:rPr b="0" lang="en-US" sz="1400" spc="-1" strike="noStrike" u="sng">
-                <a:solidFill>
-                  <a:srgbClr val="0000ff"/>
-                </a:solidFill>
-                <a:uFillTx/>
-                <a:latin typeface="Arial"/>
-                <a:hlinkClick r:id="rId1"/>
-              </a:rPr>
-              <a:t>https://fitsec.ctfd.io</a:t>
+              <a:t>Corrupt image recovery</a:t>
             </a:r>
             <a:endParaRPr b="0" lang="en-US" sz="1400" spc="-1" strike="noStrike">
               <a:latin typeface="Arial"/>
@@ -8838,7 +10567,35 @@
                 </a:solidFill>
                 <a:latin typeface="Arial"/>
               </a:rPr>
-              <a:t>Attempt the challenges</a:t>
+              <a:t>Look at the magic bytes!</a:t>
+            </a:r>
+            <a:endParaRPr b="0" lang="en-US" sz="1400" spc="-1" strike="noStrike">
+              <a:latin typeface="Arial"/>
+            </a:endParaRPr>
+          </a:p>
+          <a:p>
+            <a:pPr lvl="1" marL="864000" indent="-323640">
+              <a:lnSpc>
+                <a:spcPct val="100000"/>
+              </a:lnSpc>
+              <a:spcBef>
+                <a:spcPts val="1134"/>
+              </a:spcBef>
+              <a:buClr>
+                <a:srgbClr val="000000"/>
+              </a:buClr>
+              <a:buSzPct val="75000"/>
+              <a:buFont typeface="Symbol"/>
+              <a:buChar char=""/>
+            </a:pPr>
+            <a:r>
+              <a:rPr b="0" lang="en-US" sz="1400" spc="-1" strike="noStrike">
+                <a:solidFill>
+                  <a:srgbClr val="000000"/>
+                </a:solidFill>
+                <a:latin typeface="Arial"/>
+              </a:rPr>
+              <a:t>Header information about the image</a:t>
             </a:r>
             <a:endParaRPr b="0" lang="en-US" sz="1400" spc="-1" strike="noStrike">
               <a:latin typeface="Arial"/>
@@ -8866,26 +10623,26 @@
                 </a:solidFill>
                 <a:latin typeface="Arial"/>
               </a:rPr>
-              <a:t>Struggle</a:t>
+              <a:t>Can we repair it?</a:t>
             </a:r>
             <a:endParaRPr b="0" lang="en-US" sz="1400" spc="-1" strike="noStrike">
               <a:latin typeface="Arial"/>
             </a:endParaRPr>
           </a:p>
           <a:p>
-            <a:pPr marL="432000" indent="-323640">
+            <a:pPr lvl="1" marL="864000" indent="-323640">
               <a:lnSpc>
                 <a:spcPct val="100000"/>
               </a:lnSpc>
               <a:spcBef>
-                <a:spcPts val="1417"/>
+                <a:spcPts val="1134"/>
               </a:spcBef>
               <a:buClr>
                 <a:srgbClr val="000000"/>
               </a:buClr>
-              <a:buSzPct val="45000"/>
-              <a:buFont typeface="Wingdings" charset="2"/>
-              <a:buChar char=""/>
+              <a:buSzPct val="75000"/>
+              <a:buFont typeface="Symbol"/>
+              <a:buChar char=""/>
             </a:pPr>
             <a:r>
               <a:rPr b="0" lang="en-US" sz="1400" spc="-1" strike="noStrike">
@@ -8894,26 +10651,26 @@
                 </a:solidFill>
                 <a:latin typeface="Arial"/>
               </a:rPr>
-              <a:t>Ask for help</a:t>
+              <a:t>Look up what the header should look like</a:t>
             </a:r>
             <a:endParaRPr b="0" lang="en-US" sz="1400" spc="-1" strike="noStrike">
               <a:latin typeface="Arial"/>
             </a:endParaRPr>
           </a:p>
           <a:p>
-            <a:pPr marL="432000" indent="-323640">
+            <a:pPr lvl="1" marL="864000" indent="-323640">
               <a:lnSpc>
                 <a:spcPct val="100000"/>
               </a:lnSpc>
               <a:spcBef>
-                <a:spcPts val="1417"/>
+                <a:spcPts val="1134"/>
               </a:spcBef>
               <a:buClr>
                 <a:srgbClr val="000000"/>
               </a:buClr>
-              <a:buSzPct val="45000"/>
-              <a:buFont typeface="Wingdings" charset="2"/>
-              <a:buChar char=""/>
+              <a:buSzPct val="75000"/>
+              <a:buFont typeface="Symbol"/>
+              <a:buChar char=""/>
             </a:pPr>
             <a:r>
               <a:rPr b="0" lang="en-US" sz="1400" spc="-1" strike="noStrike">
@@ -8922,7 +10679,7 @@
                 </a:solidFill>
                 <a:latin typeface="Arial"/>
               </a:rPr>
-              <a:t>Learn!</a:t>
+              <a:t>Use a hex editor such as ghex to repair</a:t>
             </a:r>
             <a:endParaRPr b="0" lang="en-US" sz="1400" spc="-1" strike="noStrike">
               <a:latin typeface="Arial"/>
@@ -8962,7 +10719,1805 @@
       </p:grpSpPr>
       <p:sp>
         <p:nvSpPr>
-          <p:cNvPr id="191" name="CustomShape 1"/>
+          <p:cNvPr id="231" name="CustomShape 1"/>
+          <p:cNvSpPr/>
+          <p:nvPr/>
+        </p:nvSpPr>
+        <p:spPr>
+          <a:xfrm>
+            <a:off x="311760" y="444960"/>
+            <a:ext cx="8519760" cy="572040"/>
+          </a:xfrm>
+          <a:prstGeom prst="rect">
+            <a:avLst/>
+          </a:prstGeom>
+          <a:noFill/>
+          <a:ln>
+            <a:noFill/>
+          </a:ln>
+        </p:spPr>
+        <p:style>
+          <a:lnRef idx="0"/>
+          <a:fillRef idx="0"/>
+          <a:effectRef idx="0"/>
+          <a:fontRef idx="minor"/>
+        </p:style>
+        <p:txBody>
+          <a:bodyPr lIns="90000" rIns="90000" tIns="91440" bIns="91440">
+            <a:normAutofit fontScale="97000"/>
+          </a:bodyPr>
+          <a:p>
+            <a:pPr>
+              <a:lnSpc>
+                <a:spcPct val="100000"/>
+              </a:lnSpc>
+            </a:pPr>
+            <a:r>
+              <a:rPr b="0" lang="en-US" sz="2800" spc="-1" strike="noStrike">
+                <a:solidFill>
+                  <a:srgbClr val="770000"/>
+                </a:solidFill>
+                <a:latin typeface="Arial"/>
+                <a:ea typeface="Arial"/>
+              </a:rPr>
+              <a:t>This week’s CTF</a:t>
+            </a:r>
+            <a:endParaRPr b="0" lang="en-US" sz="2800" spc="-1" strike="noStrike">
+              <a:latin typeface="Arial"/>
+            </a:endParaRPr>
+          </a:p>
+        </p:txBody>
+      </p:sp>
+      <p:sp>
+        <p:nvSpPr>
+          <p:cNvPr id="232" name="CustomShape 2"/>
+          <p:cNvSpPr/>
+          <p:nvPr/>
+        </p:nvSpPr>
+        <p:spPr>
+          <a:xfrm>
+            <a:off x="311760" y="1308600"/>
+            <a:ext cx="8519760" cy="3415680"/>
+          </a:xfrm>
+          <a:prstGeom prst="rect">
+            <a:avLst/>
+          </a:prstGeom>
+          <a:noFill/>
+          <a:ln>
+            <a:noFill/>
+          </a:ln>
+        </p:spPr>
+        <p:style>
+          <a:lnRef idx="0"/>
+          <a:fillRef idx="0"/>
+          <a:effectRef idx="0"/>
+          <a:fontRef idx="minor"/>
+        </p:style>
+        <p:txBody>
+          <a:bodyPr lIns="90000" rIns="90000" tIns="91440" bIns="91440">
+            <a:normAutofit/>
+          </a:bodyPr>
+          <a:p>
+            <a:pPr marL="432000" indent="-323640">
+              <a:lnSpc>
+                <a:spcPct val="100000"/>
+              </a:lnSpc>
+              <a:spcBef>
+                <a:spcPts val="1417"/>
+              </a:spcBef>
+              <a:buClr>
+                <a:srgbClr val="000000"/>
+              </a:buClr>
+              <a:buSzPct val="45000"/>
+              <a:buFont typeface="Wingdings" charset="2"/>
+              <a:buChar char=""/>
+            </a:pPr>
+            <a:r>
+              <a:rPr b="0" lang="en-US" sz="1400" spc="-1" strike="noStrike">
+                <a:solidFill>
+                  <a:srgbClr val="000000"/>
+                </a:solidFill>
+                <a:latin typeface="Arial"/>
+              </a:rPr>
+              <a:t>Log into </a:t>
+            </a:r>
+            <a:r>
+              <a:rPr b="0" lang="en-US" sz="1400" spc="-1" strike="noStrike" u="sng">
+                <a:solidFill>
+                  <a:srgbClr val="0000ff"/>
+                </a:solidFill>
+                <a:uFillTx/>
+                <a:latin typeface="Arial"/>
+                <a:hlinkClick r:id="rId1"/>
+              </a:rPr>
+              <a:t>https://fitsec.ctfd.io</a:t>
+            </a:r>
+            <a:endParaRPr b="0" lang="en-US" sz="1400" spc="-1" strike="noStrike">
+              <a:latin typeface="Arial"/>
+            </a:endParaRPr>
+          </a:p>
+          <a:p>
+            <a:pPr marL="432000" indent="-323640">
+              <a:lnSpc>
+                <a:spcPct val="100000"/>
+              </a:lnSpc>
+              <a:spcBef>
+                <a:spcPts val="1417"/>
+              </a:spcBef>
+              <a:buClr>
+                <a:srgbClr val="000000"/>
+              </a:buClr>
+              <a:buSzPct val="45000"/>
+              <a:buFont typeface="Wingdings" charset="2"/>
+              <a:buChar char=""/>
+            </a:pPr>
+            <a:r>
+              <a:rPr b="0" lang="en-US" sz="1400" spc="-1" strike="noStrike">
+                <a:solidFill>
+                  <a:srgbClr val="000000"/>
+                </a:solidFill>
+                <a:latin typeface="Arial"/>
+              </a:rPr>
+              <a:t>Attempt the challenges</a:t>
+            </a:r>
+            <a:endParaRPr b="0" lang="en-US" sz="1400" spc="-1" strike="noStrike">
+              <a:latin typeface="Arial"/>
+            </a:endParaRPr>
+          </a:p>
+          <a:p>
+            <a:pPr marL="432000" indent="-323640">
+              <a:lnSpc>
+                <a:spcPct val="100000"/>
+              </a:lnSpc>
+              <a:spcBef>
+                <a:spcPts val="1417"/>
+              </a:spcBef>
+              <a:buClr>
+                <a:srgbClr val="000000"/>
+              </a:buClr>
+              <a:buSzPct val="45000"/>
+              <a:buFont typeface="Wingdings" charset="2"/>
+              <a:buChar char=""/>
+            </a:pPr>
+            <a:r>
+              <a:rPr b="0" lang="en-US" sz="1400" spc="-1" strike="noStrike">
+                <a:solidFill>
+                  <a:srgbClr val="000000"/>
+                </a:solidFill>
+                <a:latin typeface="Arial"/>
+              </a:rPr>
+              <a:t>Struggle</a:t>
+            </a:r>
+            <a:endParaRPr b="0" lang="en-US" sz="1400" spc="-1" strike="noStrike">
+              <a:latin typeface="Arial"/>
+            </a:endParaRPr>
+          </a:p>
+          <a:p>
+            <a:pPr marL="432000" indent="-323640">
+              <a:lnSpc>
+                <a:spcPct val="100000"/>
+              </a:lnSpc>
+              <a:spcBef>
+                <a:spcPts val="1417"/>
+              </a:spcBef>
+              <a:buClr>
+                <a:srgbClr val="000000"/>
+              </a:buClr>
+              <a:buSzPct val="45000"/>
+              <a:buFont typeface="Wingdings" charset="2"/>
+              <a:buChar char=""/>
+            </a:pPr>
+            <a:r>
+              <a:rPr b="0" lang="en-US" sz="1400" spc="-1" strike="noStrike">
+                <a:solidFill>
+                  <a:srgbClr val="000000"/>
+                </a:solidFill>
+                <a:latin typeface="Arial"/>
+              </a:rPr>
+              <a:t>Ask for help</a:t>
+            </a:r>
+            <a:endParaRPr b="0" lang="en-US" sz="1400" spc="-1" strike="noStrike">
+              <a:latin typeface="Arial"/>
+            </a:endParaRPr>
+          </a:p>
+          <a:p>
+            <a:pPr marL="432000" indent="-323640">
+              <a:lnSpc>
+                <a:spcPct val="100000"/>
+              </a:lnSpc>
+              <a:spcBef>
+                <a:spcPts val="1417"/>
+              </a:spcBef>
+              <a:buClr>
+                <a:srgbClr val="000000"/>
+              </a:buClr>
+              <a:buSzPct val="45000"/>
+              <a:buFont typeface="Wingdings" charset="2"/>
+              <a:buChar char=""/>
+            </a:pPr>
+            <a:r>
+              <a:rPr b="0" lang="en-US" sz="1400" spc="-1" strike="noStrike">
+                <a:solidFill>
+                  <a:srgbClr val="000000"/>
+                </a:solidFill>
+                <a:latin typeface="Arial"/>
+              </a:rPr>
+              <a:t>Learn!</a:t>
+            </a:r>
+            <a:endParaRPr b="0" lang="en-US" sz="1400" spc="-1" strike="noStrike">
+              <a:latin typeface="Arial"/>
+            </a:endParaRPr>
+          </a:p>
+          <a:p>
+            <a:pPr marL="432000" indent="-323640">
+              <a:lnSpc>
+                <a:spcPct val="100000"/>
+              </a:lnSpc>
+              <a:spcBef>
+                <a:spcPts val="1417"/>
+              </a:spcBef>
+              <a:buClr>
+                <a:srgbClr val="000000"/>
+              </a:buClr>
+              <a:buSzPct val="45000"/>
+              <a:buFont typeface="Wingdings" charset="2"/>
+              <a:buChar char=""/>
+            </a:pPr>
+            <a:r>
+              <a:rPr b="0" lang="en-US" sz="1400" spc="-1" strike="noStrike">
+                <a:solidFill>
+                  <a:srgbClr val="000000"/>
+                </a:solidFill>
+                <a:latin typeface="Arial"/>
+              </a:rPr>
+              <a:t>Mentor introduction</a:t>
+            </a:r>
+            <a:endParaRPr b="0" lang="en-US" sz="1400" spc="-1" strike="noStrike">
+              <a:latin typeface="Arial"/>
+            </a:endParaRPr>
+          </a:p>
+        </p:txBody>
+      </p:sp>
+    </p:spTree>
+  </p:cSld>
+  <mc:AlternateContent>
+    <mc:Choice Requires="p14">
+      <p:transition spd="slow" p14:dur="2000"/>
+    </mc:Choice>
+    <mc:Fallback>
+      <p:transition spd="slow"/>
+    </mc:Fallback>
+  </mc:AlternateContent>
+</p:sld>
+</file>
+
+<file path=ppt/slides/slide18.xml><?xml version="1.0" encoding="utf-8"?>
+<p:sld xmlns:a="http://schemas.openxmlformats.org/drawingml/2006/main" xmlns:p="http://schemas.openxmlformats.org/presentationml/2006/main" xmlns:r="http://schemas.openxmlformats.org/officeDocument/2006/relationships" xmlns:p14="http://schemas.microsoft.com/office/powerpoint/2010/main" xmlns:p15="http://schemas.microsoft.com/office/powerpoint/2012/main" xmlns:mc="http://schemas.openxmlformats.org/markup-compatibility/2006">
+  <p:cSld>
+    <p:spTree>
+      <p:nvGrpSpPr>
+        <p:cNvPr id="1" name=""/>
+        <p:cNvGrpSpPr/>
+        <p:nvPr/>
+      </p:nvGrpSpPr>
+      <p:grpSpPr>
+        <a:xfrm>
+          <a:off x="0" y="0"/>
+          <a:ext cx="0" cy="0"/>
+          <a:chOff x="0" y="0"/>
+          <a:chExt cx="0" cy="0"/>
+        </a:xfrm>
+      </p:grpSpPr>
+      <p:sp>
+        <p:nvSpPr>
+          <p:cNvPr id="233" name="CustomShape 1"/>
+          <p:cNvSpPr/>
+          <p:nvPr/>
+        </p:nvSpPr>
+        <p:spPr>
+          <a:xfrm>
+            <a:off x="311760" y="444960"/>
+            <a:ext cx="8519760" cy="572040"/>
+          </a:xfrm>
+          <a:prstGeom prst="rect">
+            <a:avLst/>
+          </a:prstGeom>
+          <a:noFill/>
+          <a:ln>
+            <a:noFill/>
+          </a:ln>
+        </p:spPr>
+        <p:style>
+          <a:lnRef idx="0"/>
+          <a:fillRef idx="0"/>
+          <a:effectRef idx="0"/>
+          <a:fontRef idx="minor"/>
+        </p:style>
+        <p:txBody>
+          <a:bodyPr lIns="90000" rIns="90000" tIns="91440" bIns="91440">
+            <a:normAutofit fontScale="97000"/>
+          </a:bodyPr>
+          <a:p>
+            <a:pPr>
+              <a:lnSpc>
+                <a:spcPct val="100000"/>
+              </a:lnSpc>
+            </a:pPr>
+            <a:r>
+              <a:rPr b="0" lang="en-US" sz="2800" spc="-1" strike="noStrike">
+                <a:solidFill>
+                  <a:srgbClr val="770000"/>
+                </a:solidFill>
+                <a:latin typeface="Arial"/>
+                <a:ea typeface="Arial"/>
+              </a:rPr>
+              <a:t>Mentors/ Mentees</a:t>
+            </a:r>
+            <a:endParaRPr b="0" lang="en-US" sz="2800" spc="-1" strike="noStrike">
+              <a:latin typeface="Arial"/>
+            </a:endParaRPr>
+          </a:p>
+        </p:txBody>
+      </p:sp>
+      <p:sp>
+        <p:nvSpPr>
+          <p:cNvPr id="234" name="CustomShape 2"/>
+          <p:cNvSpPr/>
+          <p:nvPr/>
+        </p:nvSpPr>
+        <p:spPr>
+          <a:xfrm>
+            <a:off x="311760" y="1308600"/>
+            <a:ext cx="8519760" cy="3415680"/>
+          </a:xfrm>
+          <a:prstGeom prst="rect">
+            <a:avLst/>
+          </a:prstGeom>
+          <a:noFill/>
+          <a:ln>
+            <a:noFill/>
+          </a:ln>
+        </p:spPr>
+        <p:style>
+          <a:lnRef idx="0"/>
+          <a:fillRef idx="0"/>
+          <a:effectRef idx="0"/>
+          <a:fontRef idx="minor"/>
+        </p:style>
+      </p:sp>
+      <p:graphicFrame>
+        <p:nvGraphicFramePr>
+          <p:cNvPr id="235" name="Table 3"/>
+          <p:cNvGraphicFramePr/>
+          <p:nvPr/>
+        </p:nvGraphicFramePr>
+        <p:xfrm>
+          <a:off x="237600" y="1308600"/>
+          <a:ext cx="8519400" cy="3772080"/>
+        </p:xfrm>
+        <a:graphic>
+          <a:graphicData uri="http://schemas.openxmlformats.org/drawingml/2006/table">
+            <a:tbl>
+              <a:tblPr/>
+              <a:tblGrid>
+                <a:gridCol w="2298600"/>
+                <a:gridCol w="1959480"/>
+                <a:gridCol w="2129040"/>
+                <a:gridCol w="2132640"/>
+              </a:tblGrid>
+              <a:tr h="605880">
+                <a:tc>
+                  <a:txBody>
+                    <a:bodyPr lIns="90000" rIns="90000" tIns="46800" bIns="46800">
+                      <a:noAutofit/>
+                    </a:bodyPr>
+                    <a:p>
+                      <a:r>
+                        <a:rPr b="0" lang="en-US" sz="1800" spc="-1" strike="noStrike">
+                          <a:latin typeface="Arial"/>
+                        </a:rPr>
+                        <a:t>Josh (Nyte-jmp)</a:t>
+                      </a:r>
+                      <a:endParaRPr b="0" lang="en-US" sz="1800" spc="-1" strike="noStrike">
+                        <a:latin typeface="Arial"/>
+                      </a:endParaRPr>
+                    </a:p>
+                  </a:txBody>
+                  <a:tcPr marL="90000" marR="90000">
+                    <a:lnL w="720">
+                      <a:solidFill>
+                        <a:srgbClr val="ffffff"/>
+                      </a:solidFill>
+                    </a:lnL>
+                    <a:lnR w="720">
+                      <a:solidFill>
+                        <a:srgbClr val="ffffff"/>
+                      </a:solidFill>
+                    </a:lnR>
+                    <a:lnT w="720">
+                      <a:solidFill>
+                        <a:srgbClr val="ffffff"/>
+                      </a:solidFill>
+                    </a:lnT>
+                    <a:lnB w="720">
+                      <a:solidFill>
+                        <a:srgbClr val="ffffff"/>
+                      </a:solidFill>
+                    </a:lnB>
+                    <a:solidFill>
+                      <a:srgbClr val="b3b3b3"/>
+                    </a:solidFill>
+                  </a:tcPr>
+                </a:tc>
+                <a:tc>
+                  <a:txBody>
+                    <a:bodyPr lIns="90000" rIns="90000" tIns="46800" bIns="46800">
+                      <a:noAutofit/>
+                    </a:bodyPr>
+                    <a:p>
+                      <a:r>
+                        <a:rPr b="0" lang="en-US" sz="1800" spc="-1" strike="noStrike">
+                          <a:latin typeface="Arial"/>
+                        </a:rPr>
+                        <a:t>Presidentaco1</a:t>
+                      </a:r>
+                      <a:endParaRPr b="0" lang="en-US" sz="1800" spc="-1" strike="noStrike">
+                        <a:latin typeface="Arial"/>
+                      </a:endParaRPr>
+                    </a:p>
+                  </a:txBody>
+                  <a:tcPr marL="90000" marR="90000">
+                    <a:lnL w="720">
+                      <a:solidFill>
+                        <a:srgbClr val="ffffff"/>
+                      </a:solidFill>
+                    </a:lnL>
+                    <a:lnR w="720">
+                      <a:solidFill>
+                        <a:srgbClr val="ffffff"/>
+                      </a:solidFill>
+                    </a:lnR>
+                    <a:lnT w="720">
+                      <a:solidFill>
+                        <a:srgbClr val="ffffff"/>
+                      </a:solidFill>
+                    </a:lnT>
+                    <a:lnB w="720">
+                      <a:solidFill>
+                        <a:srgbClr val="ffffff"/>
+                      </a:solidFill>
+                    </a:lnB>
+                    <a:solidFill>
+                      <a:srgbClr val="b3b3b3"/>
+                    </a:solidFill>
+                  </a:tcPr>
+                </a:tc>
+                <a:tc>
+                  <a:txBody>
+                    <a:bodyPr lIns="90000" rIns="90000" tIns="46800" bIns="46800">
+                      <a:noAutofit/>
+                    </a:bodyPr>
+                    <a:p>
+                      <a:r>
+                        <a:rPr b="0" lang="en-US" sz="1800" spc="-1" strike="noStrike">
+                          <a:latin typeface="Arial"/>
+                        </a:rPr>
+                        <a:t>Ginganinja</a:t>
+                      </a:r>
+                      <a:endParaRPr b="0" lang="en-US" sz="1800" spc="-1" strike="noStrike">
+                        <a:latin typeface="Arial"/>
+                      </a:endParaRPr>
+                    </a:p>
+                  </a:txBody>
+                  <a:tcPr marL="90000" marR="90000">
+                    <a:lnL w="720">
+                      <a:solidFill>
+                        <a:srgbClr val="ffffff"/>
+                      </a:solidFill>
+                    </a:lnL>
+                    <a:lnR w="720">
+                      <a:solidFill>
+                        <a:srgbClr val="ffffff"/>
+                      </a:solidFill>
+                    </a:lnR>
+                    <a:lnT w="720">
+                      <a:solidFill>
+                        <a:srgbClr val="ffffff"/>
+                      </a:solidFill>
+                    </a:lnT>
+                    <a:lnB w="720">
+                      <a:solidFill>
+                        <a:srgbClr val="ffffff"/>
+                      </a:solidFill>
+                    </a:lnB>
+                    <a:solidFill>
+                      <a:srgbClr val="b3b3b3"/>
+                    </a:solidFill>
+                  </a:tcPr>
+                </a:tc>
+                <a:tc>
+                  <a:txBody>
+                    <a:bodyPr lIns="90000" rIns="90000" tIns="46800" bIns="46800">
+                      <a:noAutofit/>
+                    </a:bodyPr>
+                    <a:p>
+                      <a:r>
+                        <a:rPr b="0" lang="en-US" sz="1800" spc="-1" strike="noStrike">
+                          <a:latin typeface="Arial"/>
+                        </a:rPr>
+                        <a:t>Gwenllianwontstopsinging</a:t>
+                      </a:r>
+                      <a:endParaRPr b="0" lang="en-US" sz="1800" spc="-1" strike="noStrike">
+                        <a:latin typeface="Arial"/>
+                      </a:endParaRPr>
+                    </a:p>
+                  </a:txBody>
+                  <a:tcPr marL="90000" marR="90000">
+                    <a:lnL w="720">
+                      <a:solidFill>
+                        <a:srgbClr val="ffffff"/>
+                      </a:solidFill>
+                    </a:lnL>
+                    <a:lnR w="720">
+                      <a:solidFill>
+                        <a:srgbClr val="ffffff"/>
+                      </a:solidFill>
+                    </a:lnR>
+                    <a:lnT w="720">
+                      <a:solidFill>
+                        <a:srgbClr val="ffffff"/>
+                      </a:solidFill>
+                    </a:lnT>
+                    <a:lnB w="720">
+                      <a:solidFill>
+                        <a:srgbClr val="ffffff"/>
+                      </a:solidFill>
+                    </a:lnB>
+                    <a:solidFill>
+                      <a:srgbClr val="b3b3b3"/>
+                    </a:solidFill>
+                  </a:tcPr>
+                </a:tc>
+              </a:tr>
+              <a:tr h="390960">
+                <a:tc>
+                  <a:txBody>
+                    <a:bodyPr lIns="90000" rIns="90000" tIns="46800" bIns="46800">
+                      <a:noAutofit/>
+                    </a:bodyPr>
+                    <a:p>
+                      <a:r>
+                        <a:rPr b="0" lang="en-US" sz="1800" spc="-1" strike="noStrike">
+                          <a:latin typeface="Arial"/>
+                        </a:rPr>
+                        <a:t>Blake (fRoot Salad)</a:t>
+                      </a:r>
+                      <a:endParaRPr b="0" lang="en-US" sz="1800" spc="-1" strike="noStrike">
+                        <a:latin typeface="Arial"/>
+                      </a:endParaRPr>
+                    </a:p>
+                  </a:txBody>
+                  <a:tcPr marL="90000" marR="90000">
+                    <a:lnL w="720">
+                      <a:solidFill>
+                        <a:srgbClr val="ffffff"/>
+                      </a:solidFill>
+                    </a:lnL>
+                    <a:lnR w="720">
+                      <a:solidFill>
+                        <a:srgbClr val="ffffff"/>
+                      </a:solidFill>
+                    </a:lnR>
+                    <a:lnT w="720">
+                      <a:solidFill>
+                        <a:srgbClr val="ffffff"/>
+                      </a:solidFill>
+                    </a:lnT>
+                    <a:lnB w="720">
+                      <a:solidFill>
+                        <a:srgbClr val="ffffff"/>
+                      </a:solidFill>
+                    </a:lnB>
+                    <a:solidFill>
+                      <a:srgbClr val="cccccc"/>
+                    </a:solidFill>
+                  </a:tcPr>
+                </a:tc>
+                <a:tc>
+                  <a:txBody>
+                    <a:bodyPr lIns="90000" rIns="90000" tIns="46800" bIns="46800">
+                      <a:noAutofit/>
+                    </a:bodyPr>
+                    <a:p>
+                      <a:r>
+                        <a:rPr b="0" lang="en-US" sz="1800" spc="-1" strike="noStrike">
+                          <a:latin typeface="Arial"/>
+                        </a:rPr>
+                        <a:t>Louie</a:t>
+                      </a:r>
+                      <a:endParaRPr b="0" lang="en-US" sz="1800" spc="-1" strike="noStrike">
+                        <a:latin typeface="Arial"/>
+                      </a:endParaRPr>
+                    </a:p>
+                  </a:txBody>
+                  <a:tcPr marL="90000" marR="90000">
+                    <a:lnL w="720">
+                      <a:solidFill>
+                        <a:srgbClr val="ffffff"/>
+                      </a:solidFill>
+                    </a:lnL>
+                    <a:lnR w="720">
+                      <a:solidFill>
+                        <a:srgbClr val="ffffff"/>
+                      </a:solidFill>
+                    </a:lnR>
+                    <a:lnT w="720">
+                      <a:solidFill>
+                        <a:srgbClr val="ffffff"/>
+                      </a:solidFill>
+                    </a:lnT>
+                    <a:lnB w="720">
+                      <a:solidFill>
+                        <a:srgbClr val="ffffff"/>
+                      </a:solidFill>
+                    </a:lnB>
+                    <a:solidFill>
+                      <a:srgbClr val="cccccc"/>
+                    </a:solidFill>
+                  </a:tcPr>
+                </a:tc>
+                <a:tc>
+                  <a:txBody>
+                    <a:bodyPr lIns="90000" rIns="90000" tIns="46800" bIns="46800">
+                      <a:noAutofit/>
+                    </a:bodyPr>
+                    <a:p>
+                      <a:r>
+                        <a:rPr b="0" lang="en-US" sz="1800" spc="-1" strike="noStrike">
+                          <a:latin typeface="Arial"/>
+                        </a:rPr>
+                        <a:t>Max Miller</a:t>
+                      </a:r>
+                      <a:endParaRPr b="0" lang="en-US" sz="1800" spc="-1" strike="noStrike">
+                        <a:latin typeface="Arial"/>
+                      </a:endParaRPr>
+                    </a:p>
+                  </a:txBody>
+                  <a:tcPr marL="90000" marR="90000">
+                    <a:lnL w="720">
+                      <a:solidFill>
+                        <a:srgbClr val="ffffff"/>
+                      </a:solidFill>
+                    </a:lnL>
+                    <a:lnR w="720">
+                      <a:solidFill>
+                        <a:srgbClr val="ffffff"/>
+                      </a:solidFill>
+                    </a:lnR>
+                    <a:lnT w="720">
+                      <a:solidFill>
+                        <a:srgbClr val="ffffff"/>
+                      </a:solidFill>
+                    </a:lnT>
+                    <a:lnB w="720">
+                      <a:solidFill>
+                        <a:srgbClr val="ffffff"/>
+                      </a:solidFill>
+                    </a:lnB>
+                    <a:solidFill>
+                      <a:srgbClr val="cccccc"/>
+                    </a:solidFill>
+                  </a:tcPr>
+                </a:tc>
+                <a:tc>
+                  <a:txBody>
+                    <a:bodyPr lIns="90000" rIns="90000" tIns="46800" bIns="46800">
+                      <a:noAutofit/>
+                    </a:bodyPr>
+                    <a:p>
+                      <a:r>
+                        <a:rPr b="0" lang="en-US" sz="1800" spc="-1" strike="noStrike">
+                          <a:latin typeface="Arial"/>
+                        </a:rPr>
+                        <a:t>Connor Welch</a:t>
+                      </a:r>
+                      <a:endParaRPr b="0" lang="en-US" sz="1800" spc="-1" strike="noStrike">
+                        <a:latin typeface="Arial"/>
+                      </a:endParaRPr>
+                    </a:p>
+                  </a:txBody>
+                  <a:tcPr marL="90000" marR="90000">
+                    <a:lnL w="720">
+                      <a:solidFill>
+                        <a:srgbClr val="ffffff"/>
+                      </a:solidFill>
+                    </a:lnL>
+                    <a:lnR w="720">
+                      <a:solidFill>
+                        <a:srgbClr val="ffffff"/>
+                      </a:solidFill>
+                    </a:lnR>
+                    <a:lnT w="720">
+                      <a:solidFill>
+                        <a:srgbClr val="ffffff"/>
+                      </a:solidFill>
+                    </a:lnT>
+                    <a:lnB w="720">
+                      <a:solidFill>
+                        <a:srgbClr val="ffffff"/>
+                      </a:solidFill>
+                    </a:lnB>
+                    <a:solidFill>
+                      <a:srgbClr val="cccccc"/>
+                    </a:solidFill>
+                  </a:tcPr>
+                </a:tc>
+              </a:tr>
+              <a:tr h="605880">
+                <a:tc>
+                  <a:txBody>
+                    <a:bodyPr lIns="90000" rIns="90000" tIns="46800" bIns="46800">
+                      <a:noAutofit/>
+                    </a:bodyPr>
+                    <a:p>
+                      <a:r>
+                        <a:rPr b="0" lang="en-US" sz="1800" spc="-1" strike="noStrike">
+                          <a:latin typeface="Arial"/>
+                        </a:rPr>
+                        <a:t>Kourntee (GlitchArchetype)</a:t>
+                      </a:r>
+                      <a:endParaRPr b="0" lang="en-US" sz="1800" spc="-1" strike="noStrike">
+                        <a:latin typeface="Arial"/>
+                      </a:endParaRPr>
+                    </a:p>
+                  </a:txBody>
+                  <a:tcPr marL="90000" marR="90000">
+                    <a:lnL w="720">
+                      <a:solidFill>
+                        <a:srgbClr val="ffffff"/>
+                      </a:solidFill>
+                    </a:lnL>
+                    <a:lnR w="720">
+                      <a:solidFill>
+                        <a:srgbClr val="ffffff"/>
+                      </a:solidFill>
+                    </a:lnR>
+                    <a:lnT w="720">
+                      <a:solidFill>
+                        <a:srgbClr val="ffffff"/>
+                      </a:solidFill>
+                    </a:lnT>
+                    <a:lnB w="720">
+                      <a:solidFill>
+                        <a:srgbClr val="ffffff"/>
+                      </a:solidFill>
+                    </a:lnB>
+                    <a:solidFill>
+                      <a:srgbClr val="e6e6e6"/>
+                    </a:solidFill>
+                  </a:tcPr>
+                </a:tc>
+                <a:tc>
+                  <a:txBody>
+                    <a:bodyPr lIns="90000" rIns="90000" tIns="46800" bIns="46800">
+                      <a:noAutofit/>
+                    </a:bodyPr>
+                    <a:p>
+                      <a:r>
+                        <a:rPr b="0" lang="en-US" sz="1800" spc="-1" strike="noStrike">
+                          <a:latin typeface="Arial"/>
+                        </a:rPr>
+                        <a:t>Cruzy</a:t>
+                      </a:r>
+                      <a:endParaRPr b="0" lang="en-US" sz="1800" spc="-1" strike="noStrike">
+                        <a:latin typeface="Arial"/>
+                      </a:endParaRPr>
+                    </a:p>
+                  </a:txBody>
+                  <a:tcPr marL="90000" marR="90000">
+                    <a:lnL w="720">
+                      <a:solidFill>
+                        <a:srgbClr val="ffffff"/>
+                      </a:solidFill>
+                    </a:lnL>
+                    <a:lnR w="720">
+                      <a:solidFill>
+                        <a:srgbClr val="ffffff"/>
+                      </a:solidFill>
+                    </a:lnR>
+                    <a:lnT w="720">
+                      <a:solidFill>
+                        <a:srgbClr val="ffffff"/>
+                      </a:solidFill>
+                    </a:lnT>
+                    <a:lnB w="720">
+                      <a:solidFill>
+                        <a:srgbClr val="ffffff"/>
+                      </a:solidFill>
+                    </a:lnB>
+                    <a:solidFill>
+                      <a:srgbClr val="e6e6e6"/>
+                    </a:solidFill>
+                  </a:tcPr>
+                </a:tc>
+                <a:tc>
+                  <a:txBody>
+                    <a:bodyPr lIns="90000" rIns="90000" tIns="46800" bIns="46800">
+                      <a:noAutofit/>
+                    </a:bodyPr>
+                    <a:p>
+                      <a:r>
+                        <a:rPr b="0" lang="en-US" sz="1800" spc="-1" strike="noStrike">
+                          <a:latin typeface="Arial"/>
+                        </a:rPr>
+                        <a:t>DuDu</a:t>
+                      </a:r>
+                      <a:endParaRPr b="0" lang="en-US" sz="1800" spc="-1" strike="noStrike">
+                        <a:latin typeface="Arial"/>
+                      </a:endParaRPr>
+                    </a:p>
+                  </a:txBody>
+                  <a:tcPr marL="90000" marR="90000">
+                    <a:lnL w="720">
+                      <a:solidFill>
+                        <a:srgbClr val="ffffff"/>
+                      </a:solidFill>
+                    </a:lnL>
+                    <a:lnR w="720">
+                      <a:solidFill>
+                        <a:srgbClr val="ffffff"/>
+                      </a:solidFill>
+                    </a:lnR>
+                    <a:lnT w="720">
+                      <a:solidFill>
+                        <a:srgbClr val="ffffff"/>
+                      </a:solidFill>
+                    </a:lnT>
+                    <a:lnB w="720">
+                      <a:solidFill>
+                        <a:srgbClr val="ffffff"/>
+                      </a:solidFill>
+                    </a:lnB>
+                    <a:solidFill>
+                      <a:srgbClr val="e6e6e6"/>
+                    </a:solidFill>
+                  </a:tcPr>
+                </a:tc>
+                <a:tc>
+                  <a:txBody>
+                    <a:bodyPr lIns="90000" rIns="90000" tIns="46800" bIns="46800">
+                      <a:noAutofit/>
+                    </a:bodyPr>
+                    <a:p>
+                      <a:r>
+                        <a:rPr b="0" lang="en-US" sz="1800" spc="-1" strike="noStrike">
+                          <a:latin typeface="Arial"/>
+                        </a:rPr>
+                        <a:t>Brennan</a:t>
+                      </a:r>
+                      <a:endParaRPr b="0" lang="en-US" sz="1800" spc="-1" strike="noStrike">
+                        <a:latin typeface="Arial"/>
+                      </a:endParaRPr>
+                    </a:p>
+                  </a:txBody>
+                  <a:tcPr marL="90000" marR="90000">
+                    <a:lnL w="720">
+                      <a:solidFill>
+                        <a:srgbClr val="ffffff"/>
+                      </a:solidFill>
+                    </a:lnL>
+                    <a:lnR w="720">
+                      <a:solidFill>
+                        <a:srgbClr val="ffffff"/>
+                      </a:solidFill>
+                    </a:lnR>
+                    <a:lnT w="720">
+                      <a:solidFill>
+                        <a:srgbClr val="ffffff"/>
+                      </a:solidFill>
+                    </a:lnT>
+                    <a:lnB w="720">
+                      <a:solidFill>
+                        <a:srgbClr val="ffffff"/>
+                      </a:solidFill>
+                    </a:lnB>
+                    <a:solidFill>
+                      <a:srgbClr val="e6e6e6"/>
+                    </a:solidFill>
+                  </a:tcPr>
+                </a:tc>
+              </a:tr>
+              <a:tr h="605880">
+                <a:tc>
+                  <a:txBody>
+                    <a:bodyPr lIns="90000" rIns="90000" tIns="46800" bIns="46800">
+                      <a:noAutofit/>
+                    </a:bodyPr>
+                    <a:p>
+                      <a:r>
+                        <a:rPr b="0" lang="en-US" sz="1800" spc="-1" strike="noStrike">
+                          <a:latin typeface="Arial"/>
+                        </a:rPr>
+                        <a:t>Marcus (GameNinja47)</a:t>
+                      </a:r>
+                      <a:endParaRPr b="0" lang="en-US" sz="1800" spc="-1" strike="noStrike">
+                        <a:latin typeface="Arial"/>
+                      </a:endParaRPr>
+                    </a:p>
+                  </a:txBody>
+                  <a:tcPr marL="90000" marR="90000">
+                    <a:lnL w="720">
+                      <a:solidFill>
+                        <a:srgbClr val="ffffff"/>
+                      </a:solidFill>
+                    </a:lnL>
+                    <a:lnR w="720">
+                      <a:solidFill>
+                        <a:srgbClr val="ffffff"/>
+                      </a:solidFill>
+                    </a:lnR>
+                    <a:lnT w="720">
+                      <a:solidFill>
+                        <a:srgbClr val="ffffff"/>
+                      </a:solidFill>
+                    </a:lnT>
+                    <a:lnB w="720">
+                      <a:solidFill>
+                        <a:srgbClr val="ffffff"/>
+                      </a:solidFill>
+                    </a:lnB>
+                    <a:solidFill>
+                      <a:srgbClr val="cccccc"/>
+                    </a:solidFill>
+                  </a:tcPr>
+                </a:tc>
+                <a:tc>
+                  <a:txBody>
+                    <a:bodyPr lIns="90000" rIns="90000" tIns="46800" bIns="46800">
+                      <a:noAutofit/>
+                    </a:bodyPr>
+                    <a:p>
+                      <a:r>
+                        <a:rPr b="0" lang="en-US" sz="1800" spc="-1" strike="noStrike">
+                          <a:latin typeface="Arial"/>
+                        </a:rPr>
+                        <a:t>Fences</a:t>
+                      </a:r>
+                      <a:endParaRPr b="0" lang="en-US" sz="1800" spc="-1" strike="noStrike">
+                        <a:latin typeface="Arial"/>
+                      </a:endParaRPr>
+                    </a:p>
+                  </a:txBody>
+                  <a:tcPr marL="90000" marR="90000">
+                    <a:lnL w="720">
+                      <a:solidFill>
+                        <a:srgbClr val="ffffff"/>
+                      </a:solidFill>
+                    </a:lnL>
+                    <a:lnR w="720">
+                      <a:solidFill>
+                        <a:srgbClr val="ffffff"/>
+                      </a:solidFill>
+                    </a:lnR>
+                    <a:lnT w="720">
+                      <a:solidFill>
+                        <a:srgbClr val="ffffff"/>
+                      </a:solidFill>
+                    </a:lnT>
+                    <a:lnB w="720">
+                      <a:solidFill>
+                        <a:srgbClr val="ffffff"/>
+                      </a:solidFill>
+                    </a:lnB>
+                    <a:solidFill>
+                      <a:srgbClr val="cccccc"/>
+                    </a:solidFill>
+                  </a:tcPr>
+                </a:tc>
+                <a:tc>
+                  <a:txBody>
+                    <a:bodyPr lIns="90000" rIns="90000" tIns="46800" bIns="46800">
+                      <a:noAutofit/>
+                    </a:bodyPr>
+                    <a:p>
+                      <a:r>
+                        <a:rPr b="0" lang="en-US" sz="1800" spc="-1" strike="noStrike">
+                          <a:latin typeface="Arial"/>
+                        </a:rPr>
+                        <a:t>OnlyChalice3680</a:t>
+                      </a:r>
+                      <a:endParaRPr b="0" lang="en-US" sz="1800" spc="-1" strike="noStrike">
+                        <a:latin typeface="Arial"/>
+                      </a:endParaRPr>
+                    </a:p>
+                  </a:txBody>
+                  <a:tcPr marL="90000" marR="90000">
+                    <a:lnL w="720">
+                      <a:solidFill>
+                        <a:srgbClr val="ffffff"/>
+                      </a:solidFill>
+                    </a:lnL>
+                    <a:lnR w="720">
+                      <a:solidFill>
+                        <a:srgbClr val="ffffff"/>
+                      </a:solidFill>
+                    </a:lnR>
+                    <a:lnT w="720">
+                      <a:solidFill>
+                        <a:srgbClr val="ffffff"/>
+                      </a:solidFill>
+                    </a:lnT>
+                    <a:lnB w="720">
+                      <a:solidFill>
+                        <a:srgbClr val="ffffff"/>
+                      </a:solidFill>
+                    </a:lnB>
+                    <a:solidFill>
+                      <a:srgbClr val="cccccc"/>
+                    </a:solidFill>
+                  </a:tcPr>
+                </a:tc>
+                <a:tc>
+                  <a:txBody>
+                    <a:bodyPr lIns="90000" rIns="90000" tIns="46800" bIns="46800">
+                      <a:noAutofit/>
+                    </a:bodyPr>
+                    <a:p>
+                      <a:r>
+                        <a:rPr b="0" lang="en-US" sz="1800" spc="-1" strike="noStrike">
+                          <a:latin typeface="Arial"/>
+                        </a:rPr>
+                        <a:t>Azuradarth</a:t>
+                      </a:r>
+                      <a:endParaRPr b="0" lang="en-US" sz="1800" spc="-1" strike="noStrike">
+                        <a:latin typeface="Arial"/>
+                      </a:endParaRPr>
+                    </a:p>
+                  </a:txBody>
+                  <a:tcPr marL="90000" marR="90000">
+                    <a:lnL w="720">
+                      <a:solidFill>
+                        <a:srgbClr val="ffffff"/>
+                      </a:solidFill>
+                    </a:lnL>
+                    <a:lnR w="720">
+                      <a:solidFill>
+                        <a:srgbClr val="ffffff"/>
+                      </a:solidFill>
+                    </a:lnR>
+                    <a:lnT w="720">
+                      <a:solidFill>
+                        <a:srgbClr val="ffffff"/>
+                      </a:solidFill>
+                    </a:lnT>
+                    <a:lnB w="720">
+                      <a:solidFill>
+                        <a:srgbClr val="ffffff"/>
+                      </a:solidFill>
+                    </a:lnB>
+                    <a:solidFill>
+                      <a:srgbClr val="cccccc"/>
+                    </a:solidFill>
+                  </a:tcPr>
+                </a:tc>
+              </a:tr>
+              <a:tr h="390960">
+                <a:tc>
+                  <a:txBody>
+                    <a:bodyPr lIns="90000" rIns="90000" tIns="46800" bIns="46800">
+                      <a:noAutofit/>
+                    </a:bodyPr>
+                    <a:p>
+                      <a:r>
+                        <a:rPr b="0" lang="en-US" sz="1800" spc="-1" strike="noStrike">
+                          <a:latin typeface="Arial"/>
+                        </a:rPr>
+                        <a:t>Curtice (Curtico)</a:t>
+                      </a:r>
+                      <a:endParaRPr b="0" lang="en-US" sz="1800" spc="-1" strike="noStrike">
+                        <a:latin typeface="Arial"/>
+                      </a:endParaRPr>
+                    </a:p>
+                  </a:txBody>
+                  <a:tcPr marL="90000" marR="90000">
+                    <a:lnL w="720">
+                      <a:solidFill>
+                        <a:srgbClr val="ffffff"/>
+                      </a:solidFill>
+                    </a:lnL>
+                    <a:lnR w="720">
+                      <a:solidFill>
+                        <a:srgbClr val="ffffff"/>
+                      </a:solidFill>
+                    </a:lnR>
+                    <a:lnT w="720">
+                      <a:solidFill>
+                        <a:srgbClr val="ffffff"/>
+                      </a:solidFill>
+                    </a:lnT>
+                    <a:lnB w="720">
+                      <a:solidFill>
+                        <a:srgbClr val="ffffff"/>
+                      </a:solidFill>
+                    </a:lnB>
+                    <a:solidFill>
+                      <a:srgbClr val="e6e6e6"/>
+                    </a:solidFill>
+                  </a:tcPr>
+                </a:tc>
+                <a:tc>
+                  <a:txBody>
+                    <a:bodyPr lIns="90000" rIns="90000" tIns="46800" bIns="46800">
+                      <a:noAutofit/>
+                    </a:bodyPr>
+                    <a:p>
+                      <a:r>
+                        <a:rPr b="0" lang="en-US" sz="1800" spc="-1" strike="noStrike">
+                          <a:latin typeface="Arial"/>
+                        </a:rPr>
+                        <a:t>ThorLord95</a:t>
+                      </a:r>
+                      <a:endParaRPr b="0" lang="en-US" sz="1800" spc="-1" strike="noStrike">
+                        <a:latin typeface="Arial"/>
+                      </a:endParaRPr>
+                    </a:p>
+                  </a:txBody>
+                  <a:tcPr marL="90000" marR="90000">
+                    <a:lnL w="720">
+                      <a:solidFill>
+                        <a:srgbClr val="ffffff"/>
+                      </a:solidFill>
+                    </a:lnL>
+                    <a:lnR w="720">
+                      <a:solidFill>
+                        <a:srgbClr val="ffffff"/>
+                      </a:solidFill>
+                    </a:lnR>
+                    <a:lnT w="720">
+                      <a:solidFill>
+                        <a:srgbClr val="ffffff"/>
+                      </a:solidFill>
+                    </a:lnT>
+                    <a:lnB w="720">
+                      <a:solidFill>
+                        <a:srgbClr val="ffffff"/>
+                      </a:solidFill>
+                    </a:lnB>
+                    <a:solidFill>
+                      <a:srgbClr val="e6e6e6"/>
+                    </a:solidFill>
+                  </a:tcPr>
+                </a:tc>
+                <a:tc>
+                  <a:txBody>
+                    <a:bodyPr lIns="90000" rIns="90000" tIns="46800" bIns="46800">
+                      <a:noAutofit/>
+                    </a:bodyPr>
+                    <a:p>
+                      <a:r>
+                        <a:rPr b="0" lang="en-US" sz="1800" spc="-1" strike="noStrike">
+                          <a:latin typeface="Arial"/>
+                        </a:rPr>
+                        <a:t>DeFulvio</a:t>
+                      </a:r>
+                      <a:endParaRPr b="0" lang="en-US" sz="1800" spc="-1" strike="noStrike">
+                        <a:latin typeface="Arial"/>
+                      </a:endParaRPr>
+                    </a:p>
+                  </a:txBody>
+                  <a:tcPr marL="90000" marR="90000">
+                    <a:lnL w="720">
+                      <a:solidFill>
+                        <a:srgbClr val="ffffff"/>
+                      </a:solidFill>
+                    </a:lnL>
+                    <a:lnR w="720">
+                      <a:solidFill>
+                        <a:srgbClr val="ffffff"/>
+                      </a:solidFill>
+                    </a:lnR>
+                    <a:lnT w="720">
+                      <a:solidFill>
+                        <a:srgbClr val="ffffff"/>
+                      </a:solidFill>
+                    </a:lnT>
+                    <a:lnB w="720">
+                      <a:solidFill>
+                        <a:srgbClr val="ffffff"/>
+                      </a:solidFill>
+                    </a:lnB>
+                    <a:solidFill>
+                      <a:srgbClr val="e6e6e6"/>
+                    </a:solidFill>
+                  </a:tcPr>
+                </a:tc>
+                <a:tc>
+                  <a:txBody>
+                    <a:bodyPr lIns="90000" rIns="90000" tIns="46800" bIns="46800">
+                      <a:noAutofit/>
+                    </a:bodyPr>
+                    <a:p>
+                      <a:r>
+                        <a:rPr b="0" lang="en-US" sz="1800" spc="-1" strike="noStrike">
+                          <a:latin typeface="Arial"/>
+                        </a:rPr>
+                        <a:t>Solar</a:t>
+                      </a:r>
+                      <a:endParaRPr b="0" lang="en-US" sz="1800" spc="-1" strike="noStrike">
+                        <a:latin typeface="Arial"/>
+                      </a:endParaRPr>
+                    </a:p>
+                  </a:txBody>
+                  <a:tcPr marL="90000" marR="90000">
+                    <a:lnL w="720">
+                      <a:solidFill>
+                        <a:srgbClr val="ffffff"/>
+                      </a:solidFill>
+                    </a:lnL>
+                    <a:lnR w="720">
+                      <a:solidFill>
+                        <a:srgbClr val="ffffff"/>
+                      </a:solidFill>
+                    </a:lnR>
+                    <a:lnT w="720">
+                      <a:solidFill>
+                        <a:srgbClr val="ffffff"/>
+                      </a:solidFill>
+                    </a:lnT>
+                    <a:lnB w="720">
+                      <a:solidFill>
+                        <a:srgbClr val="ffffff"/>
+                      </a:solidFill>
+                    </a:lnB>
+                    <a:solidFill>
+                      <a:srgbClr val="e6e6e6"/>
+                    </a:solidFill>
+                  </a:tcPr>
+                </a:tc>
+              </a:tr>
+              <a:tr h="390960">
+                <a:tc>
+                  <a:txBody>
+                    <a:bodyPr lIns="90000" rIns="90000" tIns="46800" bIns="46800">
+                      <a:noAutofit/>
+                    </a:bodyPr>
+                    <a:p>
+                      <a:r>
+                        <a:rPr b="0" lang="en-US" sz="1800" spc="-1" strike="noStrike">
+                          <a:latin typeface="Arial"/>
+                        </a:rPr>
+                        <a:t>Alex (SolarDebris)</a:t>
+                      </a:r>
+                      <a:endParaRPr b="0" lang="en-US" sz="1800" spc="-1" strike="noStrike">
+                        <a:latin typeface="Arial"/>
+                      </a:endParaRPr>
+                    </a:p>
+                  </a:txBody>
+                  <a:tcPr marL="90000" marR="90000">
+                    <a:lnL w="720">
+                      <a:solidFill>
+                        <a:srgbClr val="ffffff"/>
+                      </a:solidFill>
+                    </a:lnL>
+                    <a:lnR w="720">
+                      <a:solidFill>
+                        <a:srgbClr val="ffffff"/>
+                      </a:solidFill>
+                    </a:lnR>
+                    <a:lnT w="720">
+                      <a:solidFill>
+                        <a:srgbClr val="ffffff"/>
+                      </a:solidFill>
+                    </a:lnT>
+                    <a:lnB w="720">
+                      <a:solidFill>
+                        <a:srgbClr val="ffffff"/>
+                      </a:solidFill>
+                    </a:lnB>
+                    <a:solidFill>
+                      <a:srgbClr val="cccccc"/>
+                    </a:solidFill>
+                  </a:tcPr>
+                </a:tc>
+                <a:tc>
+                  <a:txBody>
+                    <a:bodyPr lIns="90000" rIns="90000" tIns="46800" bIns="46800">
+                      <a:noAutofit/>
+                    </a:bodyPr>
+                    <a:p>
+                      <a:r>
+                        <a:rPr b="0" lang="en-US" sz="1800" spc="-1" strike="noStrike">
+                          <a:latin typeface="Arial"/>
+                        </a:rPr>
+                        <a:t>bl4ckp4r4d1s3</a:t>
+                      </a:r>
+                      <a:endParaRPr b="0" lang="en-US" sz="1800" spc="-1" strike="noStrike">
+                        <a:latin typeface="Arial"/>
+                      </a:endParaRPr>
+                    </a:p>
+                  </a:txBody>
+                  <a:tcPr marL="90000" marR="90000">
+                    <a:lnL w="720">
+                      <a:solidFill>
+                        <a:srgbClr val="ffffff"/>
+                      </a:solidFill>
+                    </a:lnL>
+                    <a:lnR w="720">
+                      <a:solidFill>
+                        <a:srgbClr val="ffffff"/>
+                      </a:solidFill>
+                    </a:lnR>
+                    <a:lnT w="720">
+                      <a:solidFill>
+                        <a:srgbClr val="ffffff"/>
+                      </a:solidFill>
+                    </a:lnT>
+                    <a:lnB w="720">
+                      <a:solidFill>
+                        <a:srgbClr val="ffffff"/>
+                      </a:solidFill>
+                    </a:lnB>
+                    <a:solidFill>
+                      <a:srgbClr val="cccccc"/>
+                    </a:solidFill>
+                  </a:tcPr>
+                </a:tc>
+                <a:tc>
+                  <a:txBody>
+                    <a:bodyPr lIns="90000" rIns="90000" tIns="46800" bIns="46800">
+                      <a:noAutofit/>
+                    </a:bodyPr>
+                    <a:p>
+                      <a:r>
+                        <a:rPr b="0" lang="en-US" sz="1800" spc="-1" strike="noStrike">
+                          <a:latin typeface="Arial"/>
+                        </a:rPr>
+                        <a:t>T White</a:t>
+                      </a:r>
+                      <a:endParaRPr b="0" lang="en-US" sz="1800" spc="-1" strike="noStrike">
+                        <a:latin typeface="Arial"/>
+                      </a:endParaRPr>
+                    </a:p>
+                  </a:txBody>
+                  <a:tcPr marL="90000" marR="90000">
+                    <a:lnL w="720">
+                      <a:solidFill>
+                        <a:srgbClr val="ffffff"/>
+                      </a:solidFill>
+                    </a:lnL>
+                    <a:lnR w="720">
+                      <a:solidFill>
+                        <a:srgbClr val="ffffff"/>
+                      </a:solidFill>
+                    </a:lnR>
+                    <a:lnT w="720">
+                      <a:solidFill>
+                        <a:srgbClr val="ffffff"/>
+                      </a:solidFill>
+                    </a:lnT>
+                    <a:lnB w="720">
+                      <a:solidFill>
+                        <a:srgbClr val="ffffff"/>
+                      </a:solidFill>
+                    </a:lnB>
+                    <a:solidFill>
+                      <a:srgbClr val="cccccc"/>
+                    </a:solidFill>
+                  </a:tcPr>
+                </a:tc>
+                <a:tc>
+                  <a:tcPr marL="90000" marR="90000">
+                    <a:lnL w="720">
+                      <a:solidFill>
+                        <a:srgbClr val="ffffff"/>
+                      </a:solidFill>
+                    </a:lnL>
+                    <a:lnR w="720">
+                      <a:solidFill>
+                        <a:srgbClr val="ffffff"/>
+                      </a:solidFill>
+                    </a:lnR>
+                    <a:lnT w="720">
+                      <a:solidFill>
+                        <a:srgbClr val="ffffff"/>
+                      </a:solidFill>
+                    </a:lnT>
+                    <a:lnB w="720">
+                      <a:solidFill>
+                        <a:srgbClr val="ffffff"/>
+                      </a:solidFill>
+                    </a:lnB>
+                    <a:solidFill>
+                      <a:srgbClr val="cccccc"/>
+                    </a:solidFill>
+                  </a:tcPr>
+                </a:tc>
+              </a:tr>
+              <a:tr h="390960">
+                <a:tc>
+                  <a:txBody>
+                    <a:bodyPr lIns="90000" rIns="90000" tIns="46800" bIns="46800">
+                      <a:noAutofit/>
+                    </a:bodyPr>
+                    <a:p>
+                      <a:r>
+                        <a:rPr b="0" lang="en-US" sz="1800" spc="-1" strike="noStrike">
+                          <a:latin typeface="Arial"/>
+                        </a:rPr>
+                        <a:t>Nick (Falco)</a:t>
+                      </a:r>
+                      <a:endParaRPr b="0" lang="en-US" sz="1800" spc="-1" strike="noStrike">
+                        <a:latin typeface="Arial"/>
+                      </a:endParaRPr>
+                    </a:p>
+                  </a:txBody>
+                  <a:tcPr marL="90000" marR="90000">
+                    <a:lnL w="720">
+                      <a:solidFill>
+                        <a:srgbClr val="ffffff"/>
+                      </a:solidFill>
+                    </a:lnL>
+                    <a:lnR w="720">
+                      <a:solidFill>
+                        <a:srgbClr val="ffffff"/>
+                      </a:solidFill>
+                    </a:lnR>
+                    <a:lnT w="720">
+                      <a:solidFill>
+                        <a:srgbClr val="ffffff"/>
+                      </a:solidFill>
+                    </a:lnT>
+                    <a:lnB w="720">
+                      <a:solidFill>
+                        <a:srgbClr val="ffffff"/>
+                      </a:solidFill>
+                    </a:lnB>
+                    <a:solidFill>
+                      <a:srgbClr val="e6e6e6"/>
+                    </a:solidFill>
+                  </a:tcPr>
+                </a:tc>
+                <a:tc>
+                  <a:txBody>
+                    <a:bodyPr lIns="90000" rIns="90000" tIns="46800" bIns="46800">
+                      <a:noAutofit/>
+                    </a:bodyPr>
+                    <a:p>
+                      <a:r>
+                        <a:rPr b="0" lang="en-US" sz="1800" spc="-1" strike="noStrike">
+                          <a:latin typeface="Arial"/>
+                        </a:rPr>
+                        <a:t>Chase</a:t>
+                      </a:r>
+                      <a:endParaRPr b="0" lang="en-US" sz="1800" spc="-1" strike="noStrike">
+                        <a:latin typeface="Arial"/>
+                      </a:endParaRPr>
+                    </a:p>
+                  </a:txBody>
+                  <a:tcPr marL="90000" marR="90000">
+                    <a:lnL w="720">
+                      <a:solidFill>
+                        <a:srgbClr val="ffffff"/>
+                      </a:solidFill>
+                    </a:lnL>
+                    <a:lnR w="720">
+                      <a:solidFill>
+                        <a:srgbClr val="ffffff"/>
+                      </a:solidFill>
+                    </a:lnR>
+                    <a:lnT w="720">
+                      <a:solidFill>
+                        <a:srgbClr val="ffffff"/>
+                      </a:solidFill>
+                    </a:lnT>
+                    <a:lnB w="720">
+                      <a:solidFill>
+                        <a:srgbClr val="ffffff"/>
+                      </a:solidFill>
+                    </a:lnB>
+                    <a:solidFill>
+                      <a:srgbClr val="e6e6e6"/>
+                    </a:solidFill>
+                  </a:tcPr>
+                </a:tc>
+                <a:tc>
+                  <a:txBody>
+                    <a:bodyPr lIns="90000" rIns="90000" tIns="46800" bIns="46800">
+                      <a:noAutofit/>
+                    </a:bodyPr>
+                    <a:p>
+                      <a:r>
+                        <a:rPr b="0" lang="en-US" sz="1800" spc="-1" strike="noStrike">
+                          <a:latin typeface="Arial"/>
+                        </a:rPr>
+                        <a:t>Ru5h33lr4j2</a:t>
+                      </a:r>
+                      <a:endParaRPr b="0" lang="en-US" sz="1800" spc="-1" strike="noStrike">
+                        <a:latin typeface="Arial"/>
+                      </a:endParaRPr>
+                    </a:p>
+                  </a:txBody>
+                  <a:tcPr marL="90000" marR="90000">
+                    <a:lnL w="720">
+                      <a:solidFill>
+                        <a:srgbClr val="ffffff"/>
+                      </a:solidFill>
+                    </a:lnL>
+                    <a:lnR w="720">
+                      <a:solidFill>
+                        <a:srgbClr val="ffffff"/>
+                      </a:solidFill>
+                    </a:lnR>
+                    <a:lnT w="720">
+                      <a:solidFill>
+                        <a:srgbClr val="ffffff"/>
+                      </a:solidFill>
+                    </a:lnT>
+                    <a:lnB w="720">
+                      <a:solidFill>
+                        <a:srgbClr val="ffffff"/>
+                      </a:solidFill>
+                    </a:lnB>
+                    <a:solidFill>
+                      <a:srgbClr val="e6e6e6"/>
+                    </a:solidFill>
+                  </a:tcPr>
+                </a:tc>
+                <a:tc>
+                  <a:txBody>
+                    <a:bodyPr lIns="90000" rIns="90000" tIns="46800" bIns="46800">
+                      <a:noAutofit/>
+                    </a:bodyPr>
+                    <a:p>
+                      <a:r>
+                        <a:rPr b="0" lang="en-US" sz="1800" spc="-1" strike="noStrike">
+                          <a:latin typeface="Arial"/>
+                        </a:rPr>
+                        <a:t>clyons1128</a:t>
+                      </a:r>
+                      <a:endParaRPr b="0" lang="en-US" sz="1800" spc="-1" strike="noStrike">
+                        <a:latin typeface="Arial"/>
+                      </a:endParaRPr>
+                    </a:p>
+                  </a:txBody>
+                  <a:tcPr marL="90000" marR="90000">
+                    <a:lnL w="720">
+                      <a:solidFill>
+                        <a:srgbClr val="ffffff"/>
+                      </a:solidFill>
+                    </a:lnL>
+                    <a:lnR w="720">
+                      <a:solidFill>
+                        <a:srgbClr val="ffffff"/>
+                      </a:solidFill>
+                    </a:lnR>
+                    <a:lnT w="720">
+                      <a:solidFill>
+                        <a:srgbClr val="ffffff"/>
+                      </a:solidFill>
+                    </a:lnT>
+                    <a:lnB w="720">
+                      <a:solidFill>
+                        <a:srgbClr val="ffffff"/>
+                      </a:solidFill>
+                    </a:lnB>
+                    <a:solidFill>
+                      <a:srgbClr val="e6e6e6"/>
+                    </a:solidFill>
+                  </a:tcPr>
+                </a:tc>
+              </a:tr>
+              <a:tr h="390600">
+                <a:tc>
+                  <a:txBody>
+                    <a:bodyPr lIns="90000" rIns="90000" tIns="46800" bIns="46800">
+                      <a:noAutofit/>
+                    </a:bodyPr>
+                    <a:p>
+                      <a:r>
+                        <a:rPr b="0" lang="en-US" sz="1800" spc="-1" strike="noStrike">
+                          <a:latin typeface="Arial"/>
+                        </a:rPr>
+                        <a:t>Stephen</a:t>
+                      </a:r>
+                      <a:endParaRPr b="0" lang="en-US" sz="1800" spc="-1" strike="noStrike">
+                        <a:latin typeface="Arial"/>
+                      </a:endParaRPr>
+                    </a:p>
+                  </a:txBody>
+                  <a:tcPr marL="90000" marR="90000">
+                    <a:lnL w="720">
+                      <a:solidFill>
+                        <a:srgbClr val="ffffff"/>
+                      </a:solidFill>
+                    </a:lnL>
+                    <a:lnR w="720">
+                      <a:solidFill>
+                        <a:srgbClr val="ffffff"/>
+                      </a:solidFill>
+                    </a:lnR>
+                    <a:lnT w="720">
+                      <a:solidFill>
+                        <a:srgbClr val="ffffff"/>
+                      </a:solidFill>
+                    </a:lnT>
+                    <a:lnB w="720">
+                      <a:solidFill>
+                        <a:srgbClr val="ffffff"/>
+                      </a:solidFill>
+                    </a:lnB>
+                    <a:solidFill>
+                      <a:srgbClr val="cccccc"/>
+                    </a:solidFill>
+                  </a:tcPr>
+                </a:tc>
+                <a:tc>
+                  <a:txBody>
+                    <a:bodyPr lIns="90000" rIns="90000" tIns="46800" bIns="46800">
+                      <a:noAutofit/>
+                    </a:bodyPr>
+                    <a:p>
+                      <a:r>
+                        <a:rPr b="0" lang="en-US" sz="1800" spc="-1" strike="noStrike">
+                          <a:latin typeface="Arial"/>
+                        </a:rPr>
+                        <a:t>RedNova25</a:t>
+                      </a:r>
+                      <a:endParaRPr b="0" lang="en-US" sz="1800" spc="-1" strike="noStrike">
+                        <a:latin typeface="Arial"/>
+                      </a:endParaRPr>
+                    </a:p>
+                  </a:txBody>
+                  <a:tcPr marL="90000" marR="90000">
+                    <a:lnL w="720">
+                      <a:solidFill>
+                        <a:srgbClr val="ffffff"/>
+                      </a:solidFill>
+                    </a:lnL>
+                    <a:lnR w="720">
+                      <a:solidFill>
+                        <a:srgbClr val="ffffff"/>
+                      </a:solidFill>
+                    </a:lnR>
+                    <a:lnT w="720">
+                      <a:solidFill>
+                        <a:srgbClr val="ffffff"/>
+                      </a:solidFill>
+                    </a:lnT>
+                    <a:lnB w="720">
+                      <a:solidFill>
+                        <a:srgbClr val="ffffff"/>
+                      </a:solidFill>
+                    </a:lnB>
+                    <a:solidFill>
+                      <a:srgbClr val="cccccc"/>
+                    </a:solidFill>
+                  </a:tcPr>
+                </a:tc>
+                <a:tc>
+                  <a:txBody>
+                    <a:bodyPr lIns="90000" rIns="90000" tIns="46800" bIns="46800">
+                      <a:noAutofit/>
+                    </a:bodyPr>
+                    <a:p>
+                      <a:r>
+                        <a:rPr b="0" lang="en-US" sz="1800" spc="-1" strike="noStrike">
+                          <a:latin typeface="Arial"/>
+                        </a:rPr>
+                        <a:t>A. Burrell</a:t>
+                      </a:r>
+                      <a:endParaRPr b="0" lang="en-US" sz="1800" spc="-1" strike="noStrike">
+                        <a:latin typeface="Arial"/>
+                      </a:endParaRPr>
+                    </a:p>
+                  </a:txBody>
+                  <a:tcPr marL="90000" marR="90000">
+                    <a:lnL w="720">
+                      <a:solidFill>
+                        <a:srgbClr val="ffffff"/>
+                      </a:solidFill>
+                    </a:lnL>
+                    <a:lnR w="720">
+                      <a:solidFill>
+                        <a:srgbClr val="ffffff"/>
+                      </a:solidFill>
+                    </a:lnR>
+                    <a:lnT w="720">
+                      <a:solidFill>
+                        <a:srgbClr val="ffffff"/>
+                      </a:solidFill>
+                    </a:lnT>
+                    <a:lnB w="720">
+                      <a:solidFill>
+                        <a:srgbClr val="ffffff"/>
+                      </a:solidFill>
+                    </a:lnB>
+                    <a:solidFill>
+                      <a:srgbClr val="cccccc"/>
+                    </a:solidFill>
+                  </a:tcPr>
+                </a:tc>
+                <a:tc>
+                  <a:txBody>
+                    <a:bodyPr lIns="90000" rIns="90000" tIns="46800" bIns="46800">
+                      <a:noAutofit/>
+                    </a:bodyPr>
+                    <a:p>
+                      <a:r>
+                        <a:rPr b="0" lang="en-US" sz="1800" spc="-1" strike="noStrike">
+                          <a:latin typeface="Arial"/>
+                        </a:rPr>
+                        <a:t>Kolbee</a:t>
+                      </a:r>
+                      <a:endParaRPr b="0" lang="en-US" sz="1800" spc="-1" strike="noStrike">
+                        <a:latin typeface="Arial"/>
+                      </a:endParaRPr>
+                    </a:p>
+                  </a:txBody>
+                  <a:tcPr marL="90000" marR="90000">
+                    <a:lnL w="720">
+                      <a:solidFill>
+                        <a:srgbClr val="ffffff"/>
+                      </a:solidFill>
+                    </a:lnL>
+                    <a:lnR w="720">
+                      <a:solidFill>
+                        <a:srgbClr val="ffffff"/>
+                      </a:solidFill>
+                    </a:lnR>
+                    <a:lnT w="720">
+                      <a:solidFill>
+                        <a:srgbClr val="ffffff"/>
+                      </a:solidFill>
+                    </a:lnT>
+                    <a:lnB w="720">
+                      <a:solidFill>
+                        <a:srgbClr val="ffffff"/>
+                      </a:solidFill>
+                    </a:lnB>
+                    <a:solidFill>
+                      <a:srgbClr val="cccccc"/>
+                    </a:solidFill>
+                  </a:tcPr>
+                </a:tc>
+              </a:tr>
+            </a:tbl>
+          </a:graphicData>
+        </a:graphic>
+      </p:graphicFrame>
+    </p:spTree>
+  </p:cSld>
+  <mc:AlternateContent>
+    <mc:Choice Requires="p14">
+      <p:transition spd="slow" p14:dur="2000"/>
+    </mc:Choice>
+    <mc:Fallback>
+      <p:transition spd="slow"/>
+    </mc:Fallback>
+  </mc:AlternateContent>
+</p:sld>
+</file>
+
+<file path=ppt/slides/slide19.xml><?xml version="1.0" encoding="utf-8"?>
+<p:sld xmlns:a="http://schemas.openxmlformats.org/drawingml/2006/main" xmlns:p="http://schemas.openxmlformats.org/presentationml/2006/main" xmlns:r="http://schemas.openxmlformats.org/officeDocument/2006/relationships" xmlns:p14="http://schemas.microsoft.com/office/powerpoint/2010/main" xmlns:p15="http://schemas.microsoft.com/office/powerpoint/2012/main" xmlns:mc="http://schemas.openxmlformats.org/markup-compatibility/2006">
+  <p:cSld>
+    <p:spTree>
+      <p:nvGrpSpPr>
+        <p:cNvPr id="1" name=""/>
+        <p:cNvGrpSpPr/>
+        <p:nvPr/>
+      </p:nvGrpSpPr>
+      <p:grpSpPr>
+        <a:xfrm>
+          <a:off x="0" y="0"/>
+          <a:ext cx="0" cy="0"/>
+          <a:chOff x="0" y="0"/>
+          <a:chExt cx="0" cy="0"/>
+        </a:xfrm>
+      </p:grpSpPr>
+      <p:sp>
+        <p:nvSpPr>
+          <p:cNvPr id="236" name="CustomShape 1"/>
           <p:cNvSpPr/>
           <p:nvPr/>
         </p:nvSpPr>
@@ -9043,7 +12598,7 @@
       </p:grpSpPr>
       <p:sp>
         <p:nvSpPr>
-          <p:cNvPr id="161" name="CustomShape 1"/>
+          <p:cNvPr id="201" name="CustomShape 1"/>
           <p:cNvSpPr/>
           <p:nvPr/>
         </p:nvSpPr>
@@ -9084,7 +12639,7 @@
                 <a:latin typeface="Arial"/>
                 <a:ea typeface="Arial"/>
               </a:rPr>
-              <a:t>What are CTFs?</a:t>
+              <a:t>Linux Basics CTF Winners</a:t>
             </a:r>
             <a:endParaRPr b="0" lang="en-US" sz="2800" spc="-1" strike="noStrike">
               <a:latin typeface="Arial"/>
@@ -9094,7 +12649,7 @@
       </p:sp>
       <p:sp>
         <p:nvSpPr>
-          <p:cNvPr id="162" name="CustomShape 2"/>
+          <p:cNvPr id="202" name="CustomShape 2"/>
           <p:cNvSpPr/>
           <p:nvPr/>
         </p:nvSpPr>
@@ -9132,9 +12687,8 @@
               <a:buClr>
                 <a:srgbClr val="000000"/>
               </a:buClr>
-              <a:buSzPct val="45000"/>
               <a:buFont typeface="Wingdings" charset="2"/>
-              <a:buChar char=""/>
+              <a:buAutoNum type="arabicParenR"/>
             </a:pPr>
             <a:r>
               <a:rPr b="0" lang="en-US" sz="1400" spc="-1" strike="noStrike">
@@ -9143,7 +12697,7 @@
                 </a:solidFill>
                 <a:latin typeface="Arial"/>
               </a:rPr>
-              <a:t>Capture the Flag</a:t>
+              <a:t>Ru5h33lr4j2</a:t>
             </a:r>
             <a:endParaRPr b="0" lang="en-US" sz="1400" spc="-1" strike="noStrike">
               <a:latin typeface="Arial"/>
@@ -9160,9 +12714,8 @@
               <a:buClr>
                 <a:srgbClr val="000000"/>
               </a:buClr>
-              <a:buSzPct val="45000"/>
               <a:buFont typeface="Wingdings" charset="2"/>
-              <a:buChar char=""/>
+              <a:buAutoNum type="arabicParenR"/>
             </a:pPr>
             <a:r>
               <a:rPr b="0" lang="en-US" sz="1400" spc="-1" strike="noStrike">
@@ -9171,7 +12724,7 @@
                 </a:solidFill>
                 <a:latin typeface="Arial"/>
               </a:rPr>
-              <a:t>Series of software security and programming challenges</a:t>
+              <a:t>ThorLord95</a:t>
             </a:r>
             <a:endParaRPr b="0" lang="en-US" sz="1400" spc="-1" strike="noStrike">
               <a:latin typeface="Arial"/>
@@ -9188,9 +12741,8 @@
               <a:buClr>
                 <a:srgbClr val="000000"/>
               </a:buClr>
-              <a:buSzPct val="45000"/>
               <a:buFont typeface="Wingdings" charset="2"/>
-              <a:buChar char=""/>
+              <a:buAutoNum type="arabicParenR"/>
             </a:pPr>
             <a:r>
               <a:rPr b="0" lang="en-US" sz="1400" spc="-1" strike="noStrike">
@@ -9199,35 +12751,7 @@
                 </a:solidFill>
                 <a:latin typeface="Arial"/>
               </a:rPr>
-              <a:t>Rewarded with a flag if successful</a:t>
-            </a:r>
-            <a:endParaRPr b="0" lang="en-US" sz="1400" spc="-1" strike="noStrike">
-              <a:latin typeface="Arial"/>
-            </a:endParaRPr>
-          </a:p>
-          <a:p>
-            <a:pPr marL="432000" indent="-323640">
-              <a:lnSpc>
-                <a:spcPct val="100000"/>
-              </a:lnSpc>
-              <a:spcBef>
-                <a:spcPts val="1417"/>
-              </a:spcBef>
-              <a:buClr>
-                <a:srgbClr val="000000"/>
-              </a:buClr>
-              <a:buSzPct val="45000"/>
-              <a:buFont typeface="Wingdings" charset="2"/>
-              <a:buChar char=""/>
-            </a:pPr>
-            <a:r>
-              <a:rPr b="0" lang="en-US" sz="1400" spc="-1" strike="noStrike">
-                <a:solidFill>
-                  <a:srgbClr val="000000"/>
-                </a:solidFill>
-                <a:latin typeface="Arial"/>
-              </a:rPr>
-              <a:t>fitsec{flag_format_usually_like_this}</a:t>
+              <a:t>Fences</a:t>
             </a:r>
             <a:endParaRPr b="0" lang="en-US" sz="1400" spc="-1" strike="noStrike">
               <a:latin typeface="Arial"/>
@@ -9267,7 +12791,7 @@
       </p:grpSpPr>
       <p:sp>
         <p:nvSpPr>
-          <p:cNvPr id="163" name="CustomShape 1"/>
+          <p:cNvPr id="203" name="CustomShape 1"/>
           <p:cNvSpPr/>
           <p:nvPr/>
         </p:nvSpPr>
@@ -9308,7 +12832,7 @@
                 <a:latin typeface="Arial"/>
                 <a:ea typeface="Arial"/>
               </a:rPr>
-              <a:t>Types of CTFs</a:t>
+              <a:t>What are CTFs?</a:t>
             </a:r>
             <a:endParaRPr b="0" lang="en-US" sz="2800" spc="-1" strike="noStrike">
               <a:latin typeface="Arial"/>
@@ -9318,7 +12842,7 @@
       </p:sp>
       <p:sp>
         <p:nvSpPr>
-          <p:cNvPr id="164" name="CustomShape 2"/>
+          <p:cNvPr id="204" name="CustomShape 2"/>
           <p:cNvSpPr/>
           <p:nvPr/>
         </p:nvSpPr>
@@ -9367,7 +12891,7 @@
                 </a:solidFill>
                 <a:latin typeface="Arial"/>
               </a:rPr>
-              <a:t>Jeopardy Style (our focus right now)</a:t>
+              <a:t>Capture the Flag</a:t>
             </a:r>
             <a:endParaRPr b="0" lang="en-US" sz="1400" spc="-1" strike="noStrike">
               <a:latin typeface="Arial"/>
@@ -9395,7 +12919,7 @@
                 </a:solidFill>
                 <a:latin typeface="Arial"/>
               </a:rPr>
-              <a:t>Attack/Defend</a:t>
+              <a:t>Series of software security and programming challenges</a:t>
             </a:r>
             <a:endParaRPr b="0" lang="en-US" sz="1400" spc="-1" strike="noStrike">
               <a:latin typeface="Arial"/>
@@ -9423,7 +12947,35 @@
                 </a:solidFill>
                 <a:latin typeface="Arial"/>
               </a:rPr>
-              <a:t>Cyber Quest</a:t>
+              <a:t>Rewarded with a flag if successful</a:t>
+            </a:r>
+            <a:endParaRPr b="0" lang="en-US" sz="1400" spc="-1" strike="noStrike">
+              <a:latin typeface="Arial"/>
+            </a:endParaRPr>
+          </a:p>
+          <a:p>
+            <a:pPr marL="432000" indent="-323640">
+              <a:lnSpc>
+                <a:spcPct val="100000"/>
+              </a:lnSpc>
+              <a:spcBef>
+                <a:spcPts val="1417"/>
+              </a:spcBef>
+              <a:buClr>
+                <a:srgbClr val="000000"/>
+              </a:buClr>
+              <a:buSzPct val="45000"/>
+              <a:buFont typeface="Wingdings" charset="2"/>
+              <a:buChar char=""/>
+            </a:pPr>
+            <a:r>
+              <a:rPr b="0" lang="en-US" sz="1400" spc="-1" strike="noStrike">
+                <a:solidFill>
+                  <a:srgbClr val="000000"/>
+                </a:solidFill>
+                <a:latin typeface="Arial"/>
+              </a:rPr>
+              <a:t>fitsec{flag_format_usually_like_this}</a:t>
             </a:r>
             <a:endParaRPr b="0" lang="en-US" sz="1400" spc="-1" strike="noStrike">
               <a:latin typeface="Arial"/>
@@ -9463,7 +13015,7 @@
       </p:grpSpPr>
       <p:sp>
         <p:nvSpPr>
-          <p:cNvPr id="165" name="CustomShape 1"/>
+          <p:cNvPr id="205" name="CustomShape 1"/>
           <p:cNvSpPr/>
           <p:nvPr/>
         </p:nvSpPr>
@@ -9504,7 +13056,7 @@
                 <a:latin typeface="Arial"/>
                 <a:ea typeface="Arial"/>
               </a:rPr>
-              <a:t>Common Jeopardy Style Categories</a:t>
+              <a:t>Types of CTFs</a:t>
             </a:r>
             <a:endParaRPr b="0" lang="en-US" sz="2800" spc="-1" strike="noStrike">
               <a:latin typeface="Arial"/>
@@ -9514,7 +13066,7 @@
       </p:sp>
       <p:sp>
         <p:nvSpPr>
-          <p:cNvPr id="166" name="CustomShape 2"/>
+          <p:cNvPr id="206" name="CustomShape 2"/>
           <p:cNvSpPr/>
           <p:nvPr/>
         </p:nvSpPr>
@@ -9563,7 +13115,7 @@
                 </a:solidFill>
                 <a:latin typeface="Arial"/>
               </a:rPr>
-              <a:t>Reverse Engineering</a:t>
+              <a:t>Jeopardy Style (our focus right now)</a:t>
             </a:r>
             <a:endParaRPr b="0" lang="en-US" sz="1400" spc="-1" strike="noStrike">
               <a:latin typeface="Arial"/>
@@ -9591,7 +13143,7 @@
                 </a:solidFill>
                 <a:latin typeface="Arial"/>
               </a:rPr>
-              <a:t>Binary Exploitation (Pwn)</a:t>
+              <a:t>Attack/Defend</a:t>
             </a:r>
             <a:endParaRPr b="0" lang="en-US" sz="1400" spc="-1" strike="noStrike">
               <a:latin typeface="Arial"/>
@@ -9619,63 +13171,7 @@
                 </a:solidFill>
                 <a:latin typeface="Arial"/>
               </a:rPr>
-              <a:t>Web Exploitation</a:t>
-            </a:r>
-            <a:endParaRPr b="0" lang="en-US" sz="1400" spc="-1" strike="noStrike">
-              <a:latin typeface="Arial"/>
-            </a:endParaRPr>
-          </a:p>
-          <a:p>
-            <a:pPr marL="432000" indent="-323640">
-              <a:lnSpc>
-                <a:spcPct val="100000"/>
-              </a:lnSpc>
-              <a:spcBef>
-                <a:spcPts val="1417"/>
-              </a:spcBef>
-              <a:buClr>
-                <a:srgbClr val="000000"/>
-              </a:buClr>
-              <a:buSzPct val="45000"/>
-              <a:buFont typeface="Wingdings" charset="2"/>
-              <a:buChar char=""/>
-            </a:pPr>
-            <a:r>
-              <a:rPr b="0" lang="en-US" sz="1400" spc="-1" strike="noStrike">
-                <a:solidFill>
-                  <a:srgbClr val="000000"/>
-                </a:solidFill>
-                <a:latin typeface="Arial"/>
-              </a:rPr>
-              <a:t>Cryptography</a:t>
-            </a:r>
-            <a:endParaRPr b="0" lang="en-US" sz="1400" spc="-1" strike="noStrike">
-              <a:latin typeface="Arial"/>
-            </a:endParaRPr>
-          </a:p>
-          <a:p>
-            <a:pPr marL="432000" indent="-323640">
-              <a:lnSpc>
-                <a:spcPct val="100000"/>
-              </a:lnSpc>
-              <a:spcBef>
-                <a:spcPts val="1417"/>
-              </a:spcBef>
-              <a:buClr>
-                <a:srgbClr val="000000"/>
-              </a:buClr>
-              <a:buSzPct val="45000"/>
-              <a:buFont typeface="Wingdings" charset="2"/>
-              <a:buChar char=""/>
-            </a:pPr>
-            <a:r>
-              <a:rPr b="0" lang="en-US" sz="1400" spc="-1" strike="noStrike">
-                <a:solidFill>
-                  <a:srgbClr val="000000"/>
-                </a:solidFill>
-                <a:latin typeface="Arial"/>
-              </a:rPr>
-              <a:t>Forensics</a:t>
+              <a:t>Cyber Quest</a:t>
             </a:r>
             <a:endParaRPr b="0" lang="en-US" sz="1400" spc="-1" strike="noStrike">
               <a:latin typeface="Arial"/>
@@ -9715,7 +13211,7 @@
       </p:grpSpPr>
       <p:sp>
         <p:nvSpPr>
-          <p:cNvPr id="167" name="CustomShape 1"/>
+          <p:cNvPr id="207" name="CustomShape 1"/>
           <p:cNvSpPr/>
           <p:nvPr/>
         </p:nvSpPr>
@@ -9756,7 +13252,7 @@
                 <a:latin typeface="Arial"/>
                 <a:ea typeface="Arial"/>
               </a:rPr>
-              <a:t>FITSEC CTFd</a:t>
+              <a:t>Common Jeopardy Style Categories</a:t>
             </a:r>
             <a:endParaRPr b="0" lang="en-US" sz="2800" spc="-1" strike="noStrike">
               <a:latin typeface="Arial"/>
@@ -9766,7 +13262,7 @@
       </p:sp>
       <p:sp>
         <p:nvSpPr>
-          <p:cNvPr id="168" name="CustomShape 2"/>
+          <p:cNvPr id="208" name="CustomShape 2"/>
           <p:cNvSpPr/>
           <p:nvPr/>
         </p:nvSpPr>
@@ -9815,18 +13311,7 @@
                 </a:solidFill>
                 <a:latin typeface="Arial"/>
               </a:rPr>
-              <a:t>Log into </a:t>
-            </a:r>
-            <a:r>
-              <a:rPr b="0" lang="en-US" sz="1400" spc="-1" strike="noStrike" u="sng">
-                <a:solidFill>
-                  <a:srgbClr val="0000ff"/>
-                </a:solidFill>
-                <a:uFillTx/>
-                <a:latin typeface="Arial"/>
-                <a:hlinkClick r:id="rId1"/>
-              </a:rPr>
-              <a:t>https://fitsec.ctfd.io</a:t>
+              <a:t>Reverse Engineering</a:t>
             </a:r>
             <a:endParaRPr b="0" lang="en-US" sz="1400" spc="-1" strike="noStrike">
               <a:latin typeface="Arial"/>
@@ -9854,7 +13339,7 @@
                 </a:solidFill>
                 <a:latin typeface="Arial"/>
               </a:rPr>
-              <a:t>Pull down the example challenges</a:t>
+              <a:t>Binary Exploitation (Pwn)</a:t>
             </a:r>
             <a:endParaRPr b="0" lang="en-US" sz="1400" spc="-1" strike="noStrike">
               <a:latin typeface="Arial"/>
@@ -9882,7 +13367,63 @@
                 </a:solidFill>
                 <a:latin typeface="Arial"/>
               </a:rPr>
-              <a:t>Follow along with me</a:t>
+              <a:t>Web Exploitation</a:t>
+            </a:r>
+            <a:endParaRPr b="0" lang="en-US" sz="1400" spc="-1" strike="noStrike">
+              <a:latin typeface="Arial"/>
+            </a:endParaRPr>
+          </a:p>
+          <a:p>
+            <a:pPr marL="432000" indent="-323640">
+              <a:lnSpc>
+                <a:spcPct val="100000"/>
+              </a:lnSpc>
+              <a:spcBef>
+                <a:spcPts val="1417"/>
+              </a:spcBef>
+              <a:buClr>
+                <a:srgbClr val="000000"/>
+              </a:buClr>
+              <a:buSzPct val="45000"/>
+              <a:buFont typeface="Wingdings" charset="2"/>
+              <a:buChar char=""/>
+            </a:pPr>
+            <a:r>
+              <a:rPr b="0" lang="en-US" sz="1400" spc="-1" strike="noStrike">
+                <a:solidFill>
+                  <a:srgbClr val="000000"/>
+                </a:solidFill>
+                <a:latin typeface="Arial"/>
+              </a:rPr>
+              <a:t>Cryptography</a:t>
+            </a:r>
+            <a:endParaRPr b="0" lang="en-US" sz="1400" spc="-1" strike="noStrike">
+              <a:latin typeface="Arial"/>
+            </a:endParaRPr>
+          </a:p>
+          <a:p>
+            <a:pPr marL="432000" indent="-323640">
+              <a:lnSpc>
+                <a:spcPct val="100000"/>
+              </a:lnSpc>
+              <a:spcBef>
+                <a:spcPts val="1417"/>
+              </a:spcBef>
+              <a:buClr>
+                <a:srgbClr val="000000"/>
+              </a:buClr>
+              <a:buSzPct val="45000"/>
+              <a:buFont typeface="Wingdings" charset="2"/>
+              <a:buChar char=""/>
+            </a:pPr>
+            <a:r>
+              <a:rPr b="0" lang="en-US" sz="1400" spc="-1" strike="noStrike">
+                <a:solidFill>
+                  <a:srgbClr val="000000"/>
+                </a:solidFill>
+                <a:latin typeface="Arial"/>
+              </a:rPr>
+              <a:t>Forensics</a:t>
             </a:r>
             <a:endParaRPr b="0" lang="en-US" sz="1400" spc="-1" strike="noStrike">
               <a:latin typeface="Arial"/>
@@ -9922,7 +13463,7 @@
       </p:grpSpPr>
       <p:sp>
         <p:nvSpPr>
-          <p:cNvPr id="169" name="CustomShape 1"/>
+          <p:cNvPr id="209" name="CustomShape 1"/>
           <p:cNvSpPr/>
           <p:nvPr/>
         </p:nvSpPr>
@@ -9963,7 +13504,7 @@
                 <a:latin typeface="Arial"/>
                 <a:ea typeface="Arial"/>
               </a:rPr>
-              <a:t>Reverse Engineering</a:t>
+              <a:t>FITSEC CTFd</a:t>
             </a:r>
             <a:endParaRPr b="0" lang="en-US" sz="2800" spc="-1" strike="noStrike">
               <a:latin typeface="Arial"/>
@@ -9973,7 +13514,7 @@
       </p:sp>
       <p:sp>
         <p:nvSpPr>
-          <p:cNvPr id="170" name="CustomShape 2"/>
+          <p:cNvPr id="210" name="CustomShape 2"/>
           <p:cNvSpPr/>
           <p:nvPr/>
         </p:nvSpPr>
@@ -10022,7 +13563,18 @@
                 </a:solidFill>
                 <a:latin typeface="Arial"/>
               </a:rPr>
-              <a:t>Knowledge of programming languages</a:t>
+              <a:t>Log into </a:t>
+            </a:r>
+            <a:r>
+              <a:rPr b="0" lang="en-US" sz="1400" spc="-1" strike="noStrike" u="sng">
+                <a:solidFill>
+                  <a:srgbClr val="0000ff"/>
+                </a:solidFill>
+                <a:uFillTx/>
+                <a:latin typeface="Arial"/>
+                <a:hlinkClick r:id="rId1"/>
+              </a:rPr>
+              <a:t>https://fitsec.ctfd.io</a:t>
             </a:r>
             <a:endParaRPr b="0" lang="en-US" sz="1400" spc="-1" strike="noStrike">
               <a:latin typeface="Arial"/>
@@ -10050,7 +13602,7 @@
                 </a:solidFill>
                 <a:latin typeface="Arial"/>
               </a:rPr>
-              <a:t>Disassembly vs decompilation</a:t>
+              <a:t>Pull down the example challenges</a:t>
             </a:r>
             <a:endParaRPr b="0" lang="en-US" sz="1400" spc="-1" strike="noStrike">
               <a:latin typeface="Arial"/>
@@ -10078,91 +13630,7 @@
                 </a:solidFill>
                 <a:latin typeface="Arial"/>
               </a:rPr>
-              <a:t>Static vs dynamic techniques</a:t>
-            </a:r>
-            <a:endParaRPr b="0" lang="en-US" sz="1400" spc="-1" strike="noStrike">
-              <a:latin typeface="Arial"/>
-            </a:endParaRPr>
-          </a:p>
-          <a:p>
-            <a:pPr marL="432000" indent="-323640">
-              <a:lnSpc>
-                <a:spcPct val="100000"/>
-              </a:lnSpc>
-              <a:spcBef>
-                <a:spcPts val="1417"/>
-              </a:spcBef>
-              <a:buClr>
-                <a:srgbClr val="000000"/>
-              </a:buClr>
-              <a:buSzPct val="45000"/>
-              <a:buFont typeface="Wingdings" charset="2"/>
-              <a:buChar char=""/>
-            </a:pPr>
-            <a:r>
-              <a:rPr b="0" lang="en-US" sz="1400" spc="-1" strike="noStrike">
-                <a:solidFill>
-                  <a:srgbClr val="000000"/>
-                </a:solidFill>
-                <a:latin typeface="Arial"/>
-              </a:rPr>
-              <a:t>Understand flow of a program</a:t>
-            </a:r>
-            <a:endParaRPr b="0" lang="en-US" sz="1400" spc="-1" strike="noStrike">
-              <a:latin typeface="Arial"/>
-            </a:endParaRPr>
-          </a:p>
-          <a:p>
-            <a:pPr marL="432000" indent="-323640">
-              <a:lnSpc>
-                <a:spcPct val="100000"/>
-              </a:lnSpc>
-              <a:spcBef>
-                <a:spcPts val="1417"/>
-              </a:spcBef>
-              <a:buClr>
-                <a:srgbClr val="000000"/>
-              </a:buClr>
-              <a:buSzPct val="45000"/>
-              <a:buFont typeface="Wingdings" charset="2"/>
-              <a:buChar char=""/>
-            </a:pPr>
-            <a:r>
-              <a:rPr b="0" lang="en-US" sz="1400" spc="-1" strike="noStrike">
-                <a:solidFill>
-                  <a:srgbClr val="000000"/>
-                </a:solidFill>
-                <a:latin typeface="Arial"/>
-              </a:rPr>
-              <a:t>Create key gen</a:t>
-            </a:r>
-            <a:endParaRPr b="0" lang="en-US" sz="1400" spc="-1" strike="noStrike">
-              <a:latin typeface="Arial"/>
-            </a:endParaRPr>
-          </a:p>
-          <a:p>
-            <a:pPr marL="432000" indent="-323640">
-              <a:lnSpc>
-                <a:spcPct val="100000"/>
-              </a:lnSpc>
-              <a:spcBef>
-                <a:spcPts val="1417"/>
-              </a:spcBef>
-              <a:buClr>
-                <a:srgbClr val="000000"/>
-              </a:buClr>
-              <a:buSzPct val="45000"/>
-              <a:buFont typeface="Wingdings" charset="2"/>
-              <a:buChar char=""/>
-            </a:pPr>
-            <a:r>
-              <a:rPr b="0" lang="en-US" sz="1400" spc="-1" strike="noStrike">
-                <a:solidFill>
-                  <a:srgbClr val="000000"/>
-                </a:solidFill>
-                <a:latin typeface="Arial"/>
-              </a:rPr>
-              <a:t>Bypass authentication</a:t>
+              <a:t>Follow along with me</a:t>
             </a:r>
             <a:endParaRPr b="0" lang="en-US" sz="1400" spc="-1" strike="noStrike">
               <a:latin typeface="Arial"/>
@@ -10202,7 +13670,7 @@
       </p:grpSpPr>
       <p:sp>
         <p:nvSpPr>
-          <p:cNvPr id="171" name="CustomShape 1"/>
+          <p:cNvPr id="211" name="CustomShape 1"/>
           <p:cNvSpPr/>
           <p:nvPr/>
         </p:nvSpPr>
@@ -10243,7 +13711,7 @@
                 <a:latin typeface="Arial"/>
                 <a:ea typeface="Arial"/>
               </a:rPr>
-              <a:t>Reverse Engineering Example</a:t>
+              <a:t>Reverse Engineering</a:t>
             </a:r>
             <a:endParaRPr b="0" lang="en-US" sz="2800" spc="-1" strike="noStrike">
               <a:latin typeface="Arial"/>
@@ -10253,7 +13721,7 @@
       </p:sp>
       <p:sp>
         <p:nvSpPr>
-          <p:cNvPr id="172" name="CustomShape 2"/>
+          <p:cNvPr id="212" name="CustomShape 2"/>
           <p:cNvSpPr/>
           <p:nvPr/>
         </p:nvSpPr>
@@ -10278,7 +13746,7 @@
         </p:style>
         <p:txBody>
           <a:bodyPr lIns="90000" rIns="90000" tIns="91440" bIns="91440">
-            <a:normAutofit fontScale="85000"/>
+            <a:normAutofit/>
           </a:bodyPr>
           <a:p>
             <a:pPr marL="432000" indent="-323640">
@@ -10291,8 +13759,9 @@
               <a:buClr>
                 <a:srgbClr val="000000"/>
               </a:buClr>
-              <a:buFont typeface="StarSymbol"/>
-              <a:buAutoNum type="arabicParenR"/>
+              <a:buSzPct val="45000"/>
+              <a:buFont typeface="Wingdings" charset="2"/>
+              <a:buChar char=""/>
             </a:pPr>
             <a:r>
               <a:rPr b="0" lang="en-US" sz="1400" spc="-1" strike="noStrike">
@@ -10301,7 +13770,7 @@
                 </a:solidFill>
                 <a:latin typeface="Arial"/>
               </a:rPr>
-              <a:t>Identify your target binary: license_checker_3</a:t>
+              <a:t>Knowledge of programming languages</a:t>
             </a:r>
             <a:endParaRPr b="0" lang="en-US" sz="1400" spc="-1" strike="noStrike">
               <a:latin typeface="Arial"/>
@@ -10318,8 +13787,9 @@
               <a:buClr>
                 <a:srgbClr val="000000"/>
               </a:buClr>
-              <a:buFont typeface="StarSymbol"/>
-              <a:buAutoNum type="arabicParenR"/>
+              <a:buSzPct val="45000"/>
+              <a:buFont typeface="Wingdings" charset="2"/>
+              <a:buChar char=""/>
             </a:pPr>
             <a:r>
               <a:rPr b="0" lang="en-US" sz="1400" spc="-1" strike="noStrike">
@@ -10328,43 +13798,7 @@
                 </a:solidFill>
                 <a:latin typeface="Arial"/>
               </a:rPr>
-              <a:t>file</a:t>
-            </a:r>
-            <a:endParaRPr b="0" lang="en-US" sz="1400" spc="-1" strike="noStrike">
-              <a:latin typeface="Arial"/>
-            </a:endParaRPr>
-          </a:p>
-          <a:p>
-            <a:pPr lvl="1" marL="864000" indent="-323640">
-              <a:lnSpc>
-                <a:spcPct val="100000"/>
-              </a:lnSpc>
-              <a:spcBef>
-                <a:spcPts val="1134"/>
-              </a:spcBef>
-              <a:buClr>
-                <a:srgbClr val="000000"/>
-              </a:buClr>
-              <a:buFont typeface="StarSymbol"/>
-              <a:buAutoNum type="arabicParenR"/>
-            </a:pPr>
-            <a:r>
-              <a:rPr b="0" lang="en-US" sz="1400" spc="-1" strike="noStrike">
-                <a:solidFill>
-                  <a:srgbClr val="000000"/>
-                </a:solidFill>
-                <a:latin typeface="Arial"/>
-              </a:rPr>
-              <a:t> </a:t>
-            </a:r>
-            <a:r>
-              <a:rPr b="0" lang="en-US" sz="1400" spc="-1" strike="noStrike">
-                <a:solidFill>
-                  <a:srgbClr val="000000"/>
-                </a:solidFill>
-                <a:latin typeface="Arial"/>
-              </a:rPr>
-              <a:t>ELF, 64 bit, dynamically linked, not stripped</a:t>
+              <a:t>Disassembly vs decompilation</a:t>
             </a:r>
             <a:endParaRPr b="0" lang="en-US" sz="1400" spc="-1" strike="noStrike">
               <a:latin typeface="Arial"/>
@@ -10381,8 +13815,9 @@
               <a:buClr>
                 <a:srgbClr val="000000"/>
               </a:buClr>
-              <a:buFont typeface="StarSymbol"/>
-              <a:buAutoNum type="arabicParenR"/>
+              <a:buSzPct val="45000"/>
+              <a:buFont typeface="Wingdings" charset="2"/>
+              <a:buChar char=""/>
             </a:pPr>
             <a:r>
               <a:rPr b="0" lang="en-US" sz="1400" spc="-1" strike="noStrike">
@@ -10391,34 +13826,7 @@
                 </a:solidFill>
                 <a:latin typeface="Arial"/>
               </a:rPr>
-              <a:t>nm</a:t>
-            </a:r>
-            <a:endParaRPr b="0" lang="en-US" sz="1400" spc="-1" strike="noStrike">
-              <a:latin typeface="Arial"/>
-            </a:endParaRPr>
-          </a:p>
-          <a:p>
-            <a:pPr lvl="1" marL="864000" indent="-323640">
-              <a:lnSpc>
-                <a:spcPct val="100000"/>
-              </a:lnSpc>
-              <a:spcBef>
-                <a:spcPts val="1134"/>
-              </a:spcBef>
-              <a:buClr>
-                <a:srgbClr val="000000"/>
-              </a:buClr>
-              <a:buFont typeface="StarSymbol"/>
-              <a:buAutoNum type="arabicParenR"/>
-            </a:pPr>
-            <a:r>
-              <a:rPr b="0" lang="en-US" sz="1400" spc="-1" strike="noStrike">
-                <a:solidFill>
-                  <a:srgbClr val="000000"/>
-                </a:solidFill>
-                <a:latin typeface="Arial"/>
-              </a:rPr>
-              <a:t>Function names</a:t>
+              <a:t>Static vs dynamic techniques</a:t>
             </a:r>
             <a:endParaRPr b="0" lang="en-US" sz="1400" spc="-1" strike="noStrike">
               <a:latin typeface="Arial"/>
@@ -10435,8 +13843,9 @@
               <a:buClr>
                 <a:srgbClr val="000000"/>
               </a:buClr>
-              <a:buFont typeface="StarSymbol"/>
-              <a:buAutoNum type="arabicParenR"/>
+              <a:buSzPct val="45000"/>
+              <a:buFont typeface="Wingdings" charset="2"/>
+              <a:buChar char=""/>
             </a:pPr>
             <a:r>
               <a:rPr b="0" lang="en-US" sz="1400" spc="-1" strike="noStrike">
@@ -10445,7 +13854,7 @@
                 </a:solidFill>
                 <a:latin typeface="Arial"/>
               </a:rPr>
-              <a:t>strings</a:t>
+              <a:t>Understand flow of a program</a:t>
             </a:r>
             <a:endParaRPr b="0" lang="en-US" sz="1400" spc="-1" strike="noStrike">
               <a:latin typeface="Arial"/>
@@ -10462,8 +13871,9 @@
               <a:buClr>
                 <a:srgbClr val="000000"/>
               </a:buClr>
-              <a:buFont typeface="StarSymbol"/>
-              <a:buAutoNum type="arabicParenR"/>
+              <a:buSzPct val="45000"/>
+              <a:buFont typeface="Wingdings" charset="2"/>
+              <a:buChar char=""/>
             </a:pPr>
             <a:r>
               <a:rPr b="0" lang="en-US" sz="1400" spc="-1" strike="noStrike">
@@ -10472,18 +13882,7 @@
                 </a:solidFill>
                 <a:latin typeface="Arial"/>
               </a:rPr>
-              <a:t>Binary ninja cloud: </a:t>
-            </a:r>
-            <a:r>
-              <a:rPr b="0" lang="en-US" sz="1400" spc="-1" strike="noStrike" u="sng">
-                <a:solidFill>
-                  <a:srgbClr val="0000ff"/>
-                </a:solidFill>
-                <a:uFillTx/>
-                <a:latin typeface="Arial"/>
-                <a:hlinkClick r:id="rId1"/>
-              </a:rPr>
-              <a:t>https://cloud.binary.ninja/</a:t>
+              <a:t>Create key gen</a:t>
             </a:r>
             <a:endParaRPr b="0" lang="en-US" sz="1400" spc="-1" strike="noStrike">
               <a:latin typeface="Arial"/>
@@ -10500,8 +13899,9 @@
               <a:buClr>
                 <a:srgbClr val="000000"/>
               </a:buClr>
-              <a:buFont typeface="StarSymbol"/>
-              <a:buAutoNum type="arabicParenR"/>
+              <a:buSzPct val="45000"/>
+              <a:buFont typeface="Wingdings" charset="2"/>
+              <a:buChar char=""/>
             </a:pPr>
             <a:r>
               <a:rPr b="0" lang="en-US" sz="1400" spc="-1" strike="noStrike">
@@ -10510,61 +13910,7 @@
                 </a:solidFill>
                 <a:latin typeface="Arial"/>
               </a:rPr>
-              <a:t>Form a theory</a:t>
-            </a:r>
-            <a:endParaRPr b="0" lang="en-US" sz="1400" spc="-1" strike="noStrike">
-              <a:latin typeface="Arial"/>
-            </a:endParaRPr>
-          </a:p>
-          <a:p>
-            <a:pPr marL="432000" indent="-323640">
-              <a:lnSpc>
-                <a:spcPct val="100000"/>
-              </a:lnSpc>
-              <a:spcBef>
-                <a:spcPts val="1417"/>
-              </a:spcBef>
-              <a:buClr>
-                <a:srgbClr val="000000"/>
-              </a:buClr>
-              <a:buFont typeface="StarSymbol"/>
-              <a:buAutoNum type="arabicParenR"/>
-            </a:pPr>
-            <a:r>
-              <a:rPr b="0" lang="en-US" sz="1400" spc="-1" strike="noStrike">
-                <a:solidFill>
-                  <a:srgbClr val="000000"/>
-                </a:solidFill>
-                <a:latin typeface="Arial"/>
-              </a:rPr>
-              <a:t>Test the theory</a:t>
-            </a:r>
-            <a:endParaRPr b="0" lang="en-US" sz="1400" spc="-1" strike="noStrike">
-              <a:latin typeface="Arial"/>
-            </a:endParaRPr>
-          </a:p>
-          <a:p>
-            <a:pPr marL="432000" indent="-323640">
-              <a:lnSpc>
-                <a:spcPct val="100000"/>
-              </a:lnSpc>
-              <a:spcBef>
-                <a:spcPts val="1417"/>
-              </a:spcBef>
-              <a:buClr>
-                <a:srgbClr val="000000"/>
-              </a:buClr>
-              <a:buFont typeface="StarSymbol"/>
-              <a:buAutoNum type="arabicParenR"/>
-            </a:pPr>
-            <a:r>
-              <a:rPr b="0" lang="en-US" sz="1400" spc="-1" strike="noStrike">
-                <a:solidFill>
-                  <a:srgbClr val="000000"/>
-                </a:solidFill>
-                <a:latin typeface="Arial"/>
-              </a:rPr>
-              <a:t>Capture the flag!</a:t>
+              <a:t>Bypass authentication</a:t>
             </a:r>
             <a:endParaRPr b="0" lang="en-US" sz="1400" spc="-1" strike="noStrike">
               <a:latin typeface="Arial"/>
@@ -10604,7 +13950,7 @@
       </p:grpSpPr>
       <p:sp>
         <p:nvSpPr>
-          <p:cNvPr id="173" name="CustomShape 1"/>
+          <p:cNvPr id="213" name="CustomShape 1"/>
           <p:cNvSpPr/>
           <p:nvPr/>
         </p:nvSpPr>
@@ -10645,7 +13991,7 @@
                 <a:latin typeface="Arial"/>
                 <a:ea typeface="Arial"/>
               </a:rPr>
-              <a:t>Binary Exploitation</a:t>
+              <a:t>Reverse Engineering Example</a:t>
             </a:r>
             <a:endParaRPr b="0" lang="en-US" sz="2800" spc="-1" strike="noStrike">
               <a:latin typeface="Arial"/>
@@ -10655,7 +14001,7 @@
       </p:sp>
       <p:sp>
         <p:nvSpPr>
-          <p:cNvPr id="174" name="CustomShape 2"/>
+          <p:cNvPr id="214" name="CustomShape 2"/>
           <p:cNvSpPr/>
           <p:nvPr/>
         </p:nvSpPr>
@@ -10680,7 +14026,7 @@
         </p:style>
         <p:txBody>
           <a:bodyPr lIns="90000" rIns="90000" tIns="91440" bIns="91440">
-            <a:normAutofit/>
+            <a:normAutofit fontScale="85000"/>
           </a:bodyPr>
           <a:p>
             <a:pPr marL="432000" indent="-323640">
@@ -10693,9 +14039,8 @@
               <a:buClr>
                 <a:srgbClr val="000000"/>
               </a:buClr>
-              <a:buSzPct val="45000"/>
-              <a:buFont typeface="Wingdings" charset="2"/>
-              <a:buChar char=""/>
+              <a:buFont typeface="StarSymbol"/>
+              <a:buAutoNum type="arabicParenR"/>
             </a:pPr>
             <a:r>
               <a:rPr b="0" lang="en-US" sz="1400" spc="-1" strike="noStrike">
@@ -10704,7 +14049,7 @@
                 </a:solidFill>
                 <a:latin typeface="Arial"/>
               </a:rPr>
-              <a:t>Stack and heap based buffer overflows</a:t>
+              <a:t>Identify your target binary: license_checker_3</a:t>
             </a:r>
             <a:endParaRPr b="0" lang="en-US" sz="1400" spc="-1" strike="noStrike">
               <a:latin typeface="Arial"/>
@@ -10721,9 +14066,8 @@
               <a:buClr>
                 <a:srgbClr val="000000"/>
               </a:buClr>
-              <a:buSzPct val="45000"/>
-              <a:buFont typeface="Wingdings" charset="2"/>
-              <a:buChar char=""/>
+              <a:buFont typeface="StarSymbol"/>
+              <a:buAutoNum type="arabicParenR"/>
             </a:pPr>
             <a:r>
               <a:rPr b="0" lang="en-US" sz="1400" spc="-1" strike="noStrike">
@@ -10732,7 +14076,43 @@
                 </a:solidFill>
                 <a:latin typeface="Arial"/>
               </a:rPr>
-              <a:t>Integer overflows</a:t>
+              <a:t>file</a:t>
+            </a:r>
+            <a:endParaRPr b="0" lang="en-US" sz="1400" spc="-1" strike="noStrike">
+              <a:latin typeface="Arial"/>
+            </a:endParaRPr>
+          </a:p>
+          <a:p>
+            <a:pPr lvl="1" marL="864000" indent="-323640">
+              <a:lnSpc>
+                <a:spcPct val="100000"/>
+              </a:lnSpc>
+              <a:spcBef>
+                <a:spcPts val="1134"/>
+              </a:spcBef>
+              <a:buClr>
+                <a:srgbClr val="000000"/>
+              </a:buClr>
+              <a:buFont typeface="StarSymbol"/>
+              <a:buAutoNum type="arabicParenR"/>
+            </a:pPr>
+            <a:r>
+              <a:rPr b="0" lang="en-US" sz="1400" spc="-1" strike="noStrike">
+                <a:solidFill>
+                  <a:srgbClr val="000000"/>
+                </a:solidFill>
+                <a:latin typeface="Arial"/>
+              </a:rPr>
+              <a:t> </a:t>
+            </a:r>
+            <a:r>
+              <a:rPr b="0" lang="en-US" sz="1400" spc="-1" strike="noStrike">
+                <a:solidFill>
+                  <a:srgbClr val="000000"/>
+                </a:solidFill>
+                <a:latin typeface="Arial"/>
+              </a:rPr>
+              <a:t>ELF, 64 bit, dynamically linked, not stripped</a:t>
             </a:r>
             <a:endParaRPr b="0" lang="en-US" sz="1400" spc="-1" strike="noStrike">
               <a:latin typeface="Arial"/>
@@ -10749,9 +14129,8 @@
               <a:buClr>
                 <a:srgbClr val="000000"/>
               </a:buClr>
-              <a:buSzPct val="45000"/>
-              <a:buFont typeface="Wingdings" charset="2"/>
-              <a:buChar char=""/>
+              <a:buFont typeface="StarSymbol"/>
+              <a:buAutoNum type="arabicParenR"/>
             </a:pPr>
             <a:r>
               <a:rPr b="0" lang="en-US" sz="1400" spc="-1" strike="noStrike">
@@ -10760,7 +14139,34 @@
                 </a:solidFill>
                 <a:latin typeface="Arial"/>
               </a:rPr>
-              <a:t>Format string bugs</a:t>
+              <a:t>nm</a:t>
+            </a:r>
+            <a:endParaRPr b="0" lang="en-US" sz="1400" spc="-1" strike="noStrike">
+              <a:latin typeface="Arial"/>
+            </a:endParaRPr>
+          </a:p>
+          <a:p>
+            <a:pPr lvl="1" marL="864000" indent="-323640">
+              <a:lnSpc>
+                <a:spcPct val="100000"/>
+              </a:lnSpc>
+              <a:spcBef>
+                <a:spcPts val="1134"/>
+              </a:spcBef>
+              <a:buClr>
+                <a:srgbClr val="000000"/>
+              </a:buClr>
+              <a:buFont typeface="StarSymbol"/>
+              <a:buAutoNum type="arabicParenR"/>
+            </a:pPr>
+            <a:r>
+              <a:rPr b="0" lang="en-US" sz="1400" spc="-1" strike="noStrike">
+                <a:solidFill>
+                  <a:srgbClr val="000000"/>
+                </a:solidFill>
+                <a:latin typeface="Arial"/>
+              </a:rPr>
+              <a:t>Function names</a:t>
             </a:r>
             <a:endParaRPr b="0" lang="en-US" sz="1400" spc="-1" strike="noStrike">
               <a:latin typeface="Arial"/>
@@ -10777,9 +14183,8 @@
               <a:buClr>
                 <a:srgbClr val="000000"/>
               </a:buClr>
-              <a:buSzPct val="45000"/>
-              <a:buFont typeface="Wingdings" charset="2"/>
-              <a:buChar char=""/>
+              <a:buFont typeface="StarSymbol"/>
+              <a:buAutoNum type="arabicParenR"/>
             </a:pPr>
             <a:r>
               <a:rPr b="0" lang="en-US" sz="1400" spc="-1" strike="noStrike">
@@ -10788,7 +14193,126 @@
                 </a:solidFill>
                 <a:latin typeface="Arial"/>
               </a:rPr>
-              <a:t>UAF/Double free</a:t>
+              <a:t>strings</a:t>
+            </a:r>
+            <a:endParaRPr b="0" lang="en-US" sz="1400" spc="-1" strike="noStrike">
+              <a:latin typeface="Arial"/>
+            </a:endParaRPr>
+          </a:p>
+          <a:p>
+            <a:pPr marL="432000" indent="-323640">
+              <a:lnSpc>
+                <a:spcPct val="100000"/>
+              </a:lnSpc>
+              <a:spcBef>
+                <a:spcPts val="1417"/>
+              </a:spcBef>
+              <a:buClr>
+                <a:srgbClr val="000000"/>
+              </a:buClr>
+              <a:buFont typeface="StarSymbol"/>
+              <a:buAutoNum type="arabicParenR"/>
+            </a:pPr>
+            <a:r>
+              <a:rPr b="0" lang="en-US" sz="1400" spc="-1" strike="noStrike">
+                <a:solidFill>
+                  <a:srgbClr val="000000"/>
+                </a:solidFill>
+                <a:latin typeface="Arial"/>
+              </a:rPr>
+              <a:t>Binary ninja cloud: </a:t>
+            </a:r>
+            <a:r>
+              <a:rPr b="0" lang="en-US" sz="1400" spc="-1" strike="noStrike" u="sng">
+                <a:solidFill>
+                  <a:srgbClr val="0000ff"/>
+                </a:solidFill>
+                <a:uFillTx/>
+                <a:latin typeface="Arial"/>
+                <a:hlinkClick r:id="rId1"/>
+              </a:rPr>
+              <a:t>https://cloud.binary.ninja/</a:t>
+            </a:r>
+            <a:endParaRPr b="0" lang="en-US" sz="1400" spc="-1" strike="noStrike">
+              <a:latin typeface="Arial"/>
+            </a:endParaRPr>
+          </a:p>
+          <a:p>
+            <a:pPr marL="432000" indent="-323640">
+              <a:lnSpc>
+                <a:spcPct val="100000"/>
+              </a:lnSpc>
+              <a:spcBef>
+                <a:spcPts val="1417"/>
+              </a:spcBef>
+              <a:buClr>
+                <a:srgbClr val="000000"/>
+              </a:buClr>
+              <a:buFont typeface="StarSymbol"/>
+              <a:buAutoNum type="arabicParenR"/>
+            </a:pPr>
+            <a:r>
+              <a:rPr b="0" lang="en-US" sz="1400" spc="-1" strike="noStrike">
+                <a:solidFill>
+                  <a:srgbClr val="000000"/>
+                </a:solidFill>
+                <a:latin typeface="Arial"/>
+              </a:rPr>
+              <a:t>Form a theory</a:t>
+            </a:r>
+            <a:endParaRPr b="0" lang="en-US" sz="1400" spc="-1" strike="noStrike">
+              <a:latin typeface="Arial"/>
+            </a:endParaRPr>
+          </a:p>
+          <a:p>
+            <a:pPr marL="432000" indent="-323640">
+              <a:lnSpc>
+                <a:spcPct val="100000"/>
+              </a:lnSpc>
+              <a:spcBef>
+                <a:spcPts val="1417"/>
+              </a:spcBef>
+              <a:buClr>
+                <a:srgbClr val="000000"/>
+              </a:buClr>
+              <a:buFont typeface="StarSymbol"/>
+              <a:buAutoNum type="arabicParenR"/>
+            </a:pPr>
+            <a:r>
+              <a:rPr b="0" lang="en-US" sz="1400" spc="-1" strike="noStrike">
+                <a:solidFill>
+                  <a:srgbClr val="000000"/>
+                </a:solidFill>
+                <a:latin typeface="Arial"/>
+              </a:rPr>
+              <a:t>Test the theory</a:t>
+            </a:r>
+            <a:endParaRPr b="0" lang="en-US" sz="1400" spc="-1" strike="noStrike">
+              <a:latin typeface="Arial"/>
+            </a:endParaRPr>
+          </a:p>
+          <a:p>
+            <a:pPr marL="432000" indent="-323640">
+              <a:lnSpc>
+                <a:spcPct val="100000"/>
+              </a:lnSpc>
+              <a:spcBef>
+                <a:spcPts val="1417"/>
+              </a:spcBef>
+              <a:buClr>
+                <a:srgbClr val="000000"/>
+              </a:buClr>
+              <a:buFont typeface="StarSymbol"/>
+              <a:buAutoNum type="arabicParenR"/>
+            </a:pPr>
+            <a:r>
+              <a:rPr b="0" lang="en-US" sz="1400" spc="-1" strike="noStrike">
+                <a:solidFill>
+                  <a:srgbClr val="000000"/>
+                </a:solidFill>
+                <a:latin typeface="Arial"/>
+              </a:rPr>
+              <a:t>Capture the flag!</a:t>
             </a:r>
             <a:endParaRPr b="0" lang="en-US" sz="1400" spc="-1" strike="noStrike">
               <a:latin typeface="Arial"/>
@@ -10828,7 +14352,7 @@
       </p:grpSpPr>
       <p:sp>
         <p:nvSpPr>
-          <p:cNvPr id="175" name="CustomShape 1"/>
+          <p:cNvPr id="215" name="CustomShape 1"/>
           <p:cNvSpPr/>
           <p:nvPr/>
         </p:nvSpPr>
@@ -10869,7 +14393,7 @@
                 <a:latin typeface="Arial"/>
                 <a:ea typeface="Arial"/>
               </a:rPr>
-              <a:t>Binary Exploitation Example</a:t>
+              <a:t>Binary Exploitation</a:t>
             </a:r>
             <a:endParaRPr b="0" lang="en-US" sz="2800" spc="-1" strike="noStrike">
               <a:latin typeface="Arial"/>
@@ -10879,7 +14403,7 @@
       </p:sp>
       <p:sp>
         <p:nvSpPr>
-          <p:cNvPr id="176" name="CustomShape 2"/>
+          <p:cNvPr id="216" name="CustomShape 2"/>
           <p:cNvSpPr/>
           <p:nvPr/>
         </p:nvSpPr>
@@ -10928,7 +14452,7 @@
                 </a:solidFill>
                 <a:latin typeface="Arial"/>
               </a:rPr>
-              <a:t>Identify target: bof</a:t>
+              <a:t>Stack and heap based buffer overflows</a:t>
             </a:r>
             <a:endParaRPr b="0" lang="en-US" sz="1400" spc="-1" strike="noStrike">
               <a:latin typeface="Arial"/>
@@ -10956,35 +14480,7 @@
                 </a:solidFill>
                 <a:latin typeface="Arial"/>
               </a:rPr>
-              <a:t>Static analysis</a:t>
-            </a:r>
-            <a:endParaRPr b="0" lang="en-US" sz="1400" spc="-1" strike="noStrike">
-              <a:latin typeface="Arial"/>
-            </a:endParaRPr>
-          </a:p>
-          <a:p>
-            <a:pPr lvl="1" marL="864000" indent="-323640">
-              <a:lnSpc>
-                <a:spcPct val="100000"/>
-              </a:lnSpc>
-              <a:spcBef>
-                <a:spcPts val="1134"/>
-              </a:spcBef>
-              <a:buClr>
-                <a:srgbClr val="000000"/>
-              </a:buClr>
-              <a:buSzPct val="75000"/>
-              <a:buFont typeface="Symbol"/>
-              <a:buChar char=""/>
-            </a:pPr>
-            <a:r>
-              <a:rPr b="0" lang="en-US" sz="1400" spc="-1" strike="noStrike">
-                <a:solidFill>
-                  <a:srgbClr val="000000"/>
-                </a:solidFill>
-                <a:latin typeface="Arial"/>
-              </a:rPr>
-              <a:t>We have source!</a:t>
+              <a:t>Integer overflows</a:t>
             </a:r>
             <a:endParaRPr b="0" lang="en-US" sz="1400" spc="-1" strike="noStrike">
               <a:latin typeface="Arial"/>
@@ -11012,7 +14508,7 @@
                 </a:solidFill>
                 <a:latin typeface="Arial"/>
               </a:rPr>
-              <a:t>Identify vulnerability</a:t>
+              <a:t>Format string bugs</a:t>
             </a:r>
             <a:endParaRPr b="0" lang="en-US" sz="1400" spc="-1" strike="noStrike">
               <a:latin typeface="Arial"/>
@@ -11040,35 +14536,7 @@
                 </a:solidFill>
                 <a:latin typeface="Arial"/>
               </a:rPr>
-              <a:t>Determine if the vuln is exploitable</a:t>
-            </a:r>
-            <a:endParaRPr b="0" lang="en-US" sz="1400" spc="-1" strike="noStrike">
-              <a:latin typeface="Arial"/>
-            </a:endParaRPr>
-          </a:p>
-          <a:p>
-            <a:pPr marL="432000" indent="-323640">
-              <a:lnSpc>
-                <a:spcPct val="100000"/>
-              </a:lnSpc>
-              <a:spcBef>
-                <a:spcPts val="1417"/>
-              </a:spcBef>
-              <a:buClr>
-                <a:srgbClr val="000000"/>
-              </a:buClr>
-              <a:buSzPct val="45000"/>
-              <a:buFont typeface="Wingdings" charset="2"/>
-              <a:buChar char=""/>
-            </a:pPr>
-            <a:r>
-              <a:rPr b="0" lang="en-US" sz="1400" spc="-1" strike="noStrike">
-                <a:solidFill>
-                  <a:srgbClr val="000000"/>
-                </a:solidFill>
-                <a:latin typeface="Arial"/>
-              </a:rPr>
-              <a:t>Develop a POC</a:t>
+              <a:t>UAF/Double free</a:t>
             </a:r>
             <a:endParaRPr b="0" lang="en-US" sz="1400" spc="-1" strike="noStrike">
               <a:latin typeface="Arial"/>
@@ -11991,4 +15459,230 @@
     </a:fmtScheme>
   </a:themeElements>
 </a:theme>
+</file>
+
+<file path=ppt/theme/theme5.xml><?xml version="1.0" encoding="utf-8"?>
+<a:theme xmlns:a="http://schemas.openxmlformats.org/drawingml/2006/main" name="Office Theme">
+  <a:themeElements>
+    <a:clrScheme name="Office">
+      <a:dk1>
+        <a:sysClr val="windowText" lastClr="000000"/>
+      </a:dk1>
+      <a:lt1>
+        <a:sysClr val="window" lastClr="FFFFFF"/>
+      </a:lt1>
+      <a:dk2>
+        <a:srgbClr val="1f497d"/>
+      </a:dk2>
+      <a:lt2>
+        <a:srgbClr val="eeece1"/>
+      </a:lt2>
+      <a:accent1>
+        <a:srgbClr val="4f81bd"/>
+      </a:accent1>
+      <a:accent2>
+        <a:srgbClr val="c0504d"/>
+      </a:accent2>
+      <a:accent3>
+        <a:srgbClr val="9bbb59"/>
+      </a:accent3>
+      <a:accent4>
+        <a:srgbClr val="8064a2"/>
+      </a:accent4>
+      <a:accent5>
+        <a:srgbClr val="4bacc6"/>
+      </a:accent5>
+      <a:accent6>
+        <a:srgbClr val="f79646"/>
+      </a:accent6>
+      <a:hlink>
+        <a:srgbClr val="0000ff"/>
+      </a:hlink>
+      <a:folHlink>
+        <a:srgbClr val="800080"/>
+      </a:folHlink>
+    </a:clrScheme>
+    <a:fontScheme name="Office">
+      <a:majorFont>
+        <a:latin typeface="Arial"/>
+        <a:ea typeface="DejaVu Sans"/>
+        <a:cs typeface="DejaVu Sans"/>
+      </a:majorFont>
+      <a:minorFont>
+        <a:latin typeface="Arial"/>
+        <a:ea typeface="DejaVu Sans"/>
+        <a:cs typeface="DejaVu Sans"/>
+      </a:minorFont>
+    </a:fontScheme>
+    <a:fmtScheme name="Office">
+      <a:fillStyleLst>
+        <a:solidFill>
+          <a:schemeClr val="phClr"/>
+        </a:solidFill>
+        <a:gradFill rotWithShape="1">
+          <a:gsLst>
+            <a:gs pos="0">
+              <a:schemeClr val="phClr">
+                <a:tint val="50000"/>
+                <a:satMod val="300000"/>
+              </a:schemeClr>
+            </a:gs>
+            <a:gs pos="35000">
+              <a:schemeClr val="phClr">
+                <a:tint val="37000"/>
+                <a:satMod val="300000"/>
+              </a:schemeClr>
+            </a:gs>
+            <a:gs pos="100000">
+              <a:schemeClr val="phClr">
+                <a:tint val="15000"/>
+                <a:satMod val="350000"/>
+              </a:schemeClr>
+            </a:gs>
+          </a:gsLst>
+          <a:lin ang="16200000" scaled="1"/>
+        </a:gradFill>
+        <a:gradFill rotWithShape="1">
+          <a:gsLst>
+            <a:gs pos="0">
+              <a:schemeClr val="phClr">
+                <a:shade val="51000"/>
+                <a:satMod val="130000"/>
+              </a:schemeClr>
+            </a:gs>
+            <a:gs pos="80000">
+              <a:schemeClr val="phClr">
+                <a:shade val="93000"/>
+                <a:satMod val="130000"/>
+              </a:schemeClr>
+            </a:gs>
+            <a:gs pos="100000">
+              <a:schemeClr val="phClr">
+                <a:shade val="94000"/>
+                <a:satMod val="135000"/>
+              </a:schemeClr>
+            </a:gs>
+          </a:gsLst>
+          <a:lin ang="16200000" scaled="0"/>
+        </a:gradFill>
+      </a:fillStyleLst>
+      <a:lnStyleLst>
+        <a:ln w="9525" cap="flat" cmpd="sng" algn="ctr">
+          <a:solidFill>
+            <a:schemeClr val="phClr">
+              <a:shade val="95000"/>
+              <a:satMod val="105000"/>
+            </a:schemeClr>
+          </a:solidFill>
+          <a:prstDash val="solid"/>
+          <a:miter/>
+        </a:ln>
+        <a:ln w="25400" cap="flat" cmpd="sng" algn="ctr">
+          <a:solidFill>
+            <a:schemeClr val="phClr"/>
+          </a:solidFill>
+          <a:prstDash val="solid"/>
+          <a:miter/>
+        </a:ln>
+        <a:ln w="38100" cap="flat" cmpd="sng" algn="ctr">
+          <a:solidFill>
+            <a:schemeClr val="phClr"/>
+          </a:solidFill>
+          <a:prstDash val="solid"/>
+          <a:miter/>
+        </a:ln>
+      </a:lnStyleLst>
+      <a:effectStyleLst>
+        <a:effectStyle>
+          <a:effectLst>
+            <a:outerShdw blurRad="40000" dist="20000" dir="5400000" rotWithShape="0">
+              <a:srgbClr val="000000">
+                <a:alpha val="38000"/>
+              </a:srgbClr>
+            </a:outerShdw>
+          </a:effectLst>
+        </a:effectStyle>
+        <a:effectStyle>
+          <a:effectLst>
+            <a:outerShdw blurRad="40000" dist="23000" dir="5400000" rotWithShape="0">
+              <a:srgbClr val="000000">
+                <a:alpha val="35000"/>
+              </a:srgbClr>
+            </a:outerShdw>
+          </a:effectLst>
+        </a:effectStyle>
+        <a:effectStyle>
+          <a:effectLst>
+            <a:outerShdw blurRad="40000" dist="23000" dir="5400000" rotWithShape="0">
+              <a:srgbClr val="000000">
+                <a:alpha val="35000"/>
+              </a:srgbClr>
+            </a:outerShdw>
+          </a:effectLst>
+          <a:scene3d>
+            <a:camera prst="orthographicFront">
+              <a:rot lat="0" lon="0" rev="0"/>
+            </a:camera>
+            <a:lightRig rig="threePt" dir="t">
+              <a:rot lat="0" lon="0" rev="1200000"/>
+            </a:lightRig>
+          </a:scene3d>
+          <a:sp3d>
+            <a:bevelT w="63500" h="25400"/>
+          </a:sp3d>
+        </a:effectStyle>
+      </a:effectStyleLst>
+      <a:bgFillStyleLst>
+        <a:solidFill>
+          <a:schemeClr val="phClr"/>
+        </a:solidFill>
+        <a:gradFill rotWithShape="1">
+          <a:gsLst>
+            <a:gs pos="0">
+              <a:schemeClr val="phClr">
+                <a:tint val="40000"/>
+                <a:satMod val="350000"/>
+              </a:schemeClr>
+            </a:gs>
+            <a:gs pos="40000">
+              <a:schemeClr val="phClr">
+                <a:tint val="45000"/>
+                <a:shade val="99000"/>
+                <a:satMod val="350000"/>
+              </a:schemeClr>
+            </a:gs>
+            <a:gs pos="100000">
+              <a:schemeClr val="phClr">
+                <a:shade val="20000"/>
+                <a:satMod val="255000"/>
+              </a:schemeClr>
+            </a:gs>
+          </a:gsLst>
+          <a:path path="circle">
+            <a:fillToRect l="50000" t="-80000" r="50000" b="180000"/>
+          </a:path>
+        </a:gradFill>
+        <a:gradFill rotWithShape="1">
+          <a:gsLst>
+            <a:gs pos="0">
+              <a:schemeClr val="phClr">
+                <a:tint val="80000"/>
+                <a:satMod val="300000"/>
+              </a:schemeClr>
+            </a:gs>
+            <a:gs pos="100000">
+              <a:schemeClr val="phClr">
+                <a:shade val="30000"/>
+                <a:satMod val="200000"/>
+              </a:schemeClr>
+            </a:gs>
+          </a:gsLst>
+          <a:path path="circle">
+            <a:fillToRect l="50000" t="50000" r="50000" b="50000"/>
+          </a:path>
+        </a:gradFill>
+      </a:bgFillStyleLst>
+    </a:fmtScheme>
+  </a:themeElements>
+</a:theme>
 </file>